--- a/OOMD/Unit 5/Unit 4 & 5.pptx
+++ b/OOMD/Unit 5/Unit 4 & 5.pptx
@@ -267,7 +267,7 @@
   </p:defaultTextStyle>
   <p:extLst>
     <p:ext uri="{EFAFB233-063F-42B5-8137-9DF3F51BA10A}">
-      <p15:sldGuideLst xmlns:p15="http://schemas.microsoft.com/office/powerpoint/2012/main" xmlns="">
+      <p15:sldGuideLst xmlns:p15="http://schemas.microsoft.com/office/powerpoint/2012/main">
         <p15:guide id="1" orient="horz" pos="2160">
           <p15:clr>
             <a:srgbClr val="A4A3A4"/>
@@ -2560,7 +2560,7 @@
         <a:p>
           <a:pPr rtl="0"/>
           <a:r>
-            <a:rPr lang="en-US" sz="3200" smtClean="0"/>
+            <a:rPr lang="en-US" sz="3200"/>
             <a:t>Class model</a:t>
           </a:r>
           <a:endParaRPr lang="en-US" sz="3200" dirty="0"/>
@@ -2598,11 +2598,11 @@
         <a:p>
           <a:pPr rtl="0"/>
           <a:r>
-            <a:rPr lang="en-US" dirty="0" smtClean="0"/>
+            <a:rPr lang="en-US" dirty="0"/>
             <a:t>Describe the static structure of the </a:t>
           </a:r>
           <a:r>
-            <a:rPr lang="en-US" i="1" dirty="0" smtClean="0"/>
+            <a:rPr lang="en-US" i="1" dirty="0"/>
             <a:t>objects in a system &amp; their relationship </a:t>
           </a:r>
           <a:endParaRPr lang="en-US" dirty="0"/>
@@ -2640,10 +2640,9 @@
         <a:p>
           <a:pPr rtl="0"/>
           <a:r>
-            <a:rPr lang="en-US" dirty="0" smtClean="0"/>
+            <a:rPr lang="en-US" dirty="0"/>
             <a:t>It define the context for software development.</a:t>
           </a:r>
-          <a:endParaRPr lang="en-US" dirty="0"/>
         </a:p>
       </dgm:t>
     </dgm:pt>
@@ -2678,10 +2677,9 @@
         <a:p>
           <a:pPr rtl="0"/>
           <a:r>
-            <a:rPr lang="en-US" dirty="0" smtClean="0"/>
+            <a:rPr lang="en-US" dirty="0"/>
             <a:t>Class model contains class diagram to express it.</a:t>
           </a:r>
-          <a:endParaRPr lang="en-US" dirty="0"/>
         </a:p>
       </dgm:t>
     </dgm:pt>
@@ -2716,18 +2714,17 @@
         <a:p>
           <a:pPr rtl="0"/>
           <a:r>
-            <a:rPr lang="en-US" dirty="0" smtClean="0"/>
+            <a:rPr lang="en-US" dirty="0"/>
             <a:t>A </a:t>
           </a:r>
           <a:r>
-            <a:rPr lang="en-US" u="sng" dirty="0" smtClean="0"/>
+            <a:rPr lang="en-US" u="sng" dirty="0"/>
             <a:t>class diagram </a:t>
           </a:r>
           <a:r>
-            <a:rPr lang="en-US" dirty="0" smtClean="0"/>
+            <a:rPr lang="en-US" dirty="0"/>
             <a:t>is graph phase.</a:t>
           </a:r>
-          <a:endParaRPr lang="en-US" dirty="0"/>
         </a:p>
       </dgm:t>
     </dgm:pt>
@@ -2762,10 +2759,9 @@
         <a:p>
           <a:pPr rtl="0"/>
           <a:r>
-            <a:rPr lang="en-US" dirty="0" smtClean="0"/>
+            <a:rPr lang="en-US" dirty="0"/>
             <a:t>Nodes are classes.</a:t>
           </a:r>
-          <a:endParaRPr lang="en-US" dirty="0"/>
         </a:p>
       </dgm:t>
     </dgm:pt>
@@ -2800,10 +2796,9 @@
         <a:p>
           <a:pPr rtl="0"/>
           <a:r>
-            <a:rPr lang="en-US" dirty="0" smtClean="0"/>
+            <a:rPr lang="en-US" dirty="0"/>
             <a:t>Arcs are relationship  among classes.</a:t>
           </a:r>
-          <a:endParaRPr lang="en-US" dirty="0"/>
         </a:p>
       </dgm:t>
     </dgm:pt>
@@ -2872,24 +2867,10 @@
         </dgm:presLayoutVars>
       </dgm:prSet>
       <dgm:spPr/>
-      <dgm:t>
-        <a:bodyPr/>
-        <a:lstStyle/>
-        <a:p>
-          <a:endParaRPr lang="en-US"/>
-        </a:p>
-      </dgm:t>
     </dgm:pt>
     <dgm:pt modelId="{B85965E1-203A-474A-AF48-14D52ECCDC83}" type="pres">
       <dgm:prSet presAssocID="{265717E3-A86E-47CF-9068-94ADDB5370C6}" presName="composite" presStyleCnt="0"/>
       <dgm:spPr/>
-      <dgm:t>
-        <a:bodyPr/>
-        <a:lstStyle/>
-        <a:p>
-          <a:endParaRPr lang="en-US"/>
-        </a:p>
-      </dgm:t>
     </dgm:pt>
     <dgm:pt modelId="{B6FB5C02-9C84-4812-939C-38E1BF5DFF08}" type="pres">
       <dgm:prSet presAssocID="{265717E3-A86E-47CF-9068-94ADDB5370C6}" presName="parTx" presStyleLbl="alignNode1" presStyleIdx="0" presStyleCnt="1" custScaleY="136459">
@@ -2900,13 +2881,6 @@
         </dgm:presLayoutVars>
       </dgm:prSet>
       <dgm:spPr/>
-      <dgm:t>
-        <a:bodyPr/>
-        <a:lstStyle/>
-        <a:p>
-          <a:endParaRPr lang="en-US"/>
-        </a:p>
-      </dgm:t>
     </dgm:pt>
     <dgm:pt modelId="{4FDE6285-0D94-47D0-A3AF-EE25B6593702}" type="pres">
       <dgm:prSet presAssocID="{265717E3-A86E-47CF-9068-94ADDB5370C6}" presName="desTx" presStyleLbl="alignAccFollowNode1" presStyleIdx="0" presStyleCnt="1">
@@ -2915,33 +2889,26 @@
         </dgm:presLayoutVars>
       </dgm:prSet>
       <dgm:spPr/>
-      <dgm:t>
-        <a:bodyPr/>
-        <a:lstStyle/>
-        <a:p>
-          <a:endParaRPr lang="en-US"/>
-        </a:p>
-      </dgm:t>
     </dgm:pt>
   </dgm:ptLst>
   <dgm:cxnLst>
+    <dgm:cxn modelId="{851D0016-1B9F-4AEE-924B-A8F3BC11A161}" type="presOf" srcId="{9E569D3A-6C0B-4ADD-B1E1-8AB4D67EB4F4}" destId="{4FDE6285-0D94-47D0-A3AF-EE25B6593702}" srcOrd="0" destOrd="2" presId="urn:microsoft.com/office/officeart/2005/8/layout/hList1"/>
+    <dgm:cxn modelId="{2396E52F-0AD7-4070-BE06-E2242A536ED8}" srcId="{5D01FB8F-133E-4C71-B0DB-4A234C02F2C2}" destId="{63A61E27-9FA5-4B35-A298-C695BC41740A}" srcOrd="2" destOrd="0" parTransId="{421ED993-6F32-4176-BC6B-01F1DEA9B18D}" sibTransId="{EC6D75A7-18A0-47BB-89B9-686AF747CC7D}"/>
+    <dgm:cxn modelId="{B3E3A84D-3CFF-47D6-835A-4F3BC061A73A}" srcId="{265717E3-A86E-47CF-9068-94ADDB5370C6}" destId="{9E569D3A-6C0B-4ADD-B1E1-8AB4D67EB4F4}" srcOrd="2" destOrd="0" parTransId="{D22E3BEB-CFB8-4FAE-92D3-0CB3998FD71C}" sibTransId="{1794E456-391E-4BDE-9749-522CF4EA9A06}"/>
+    <dgm:cxn modelId="{6A0B1A6F-2C56-42E7-96A0-7A70C7053CAE}" type="presOf" srcId="{5D01FB8F-133E-4C71-B0DB-4A234C02F2C2}" destId="{4FDE6285-0D94-47D0-A3AF-EE25B6593702}" srcOrd="0" destOrd="3" presId="urn:microsoft.com/office/officeart/2005/8/layout/hList1"/>
+    <dgm:cxn modelId="{AF180F7B-DC8D-4FF7-A9C5-26ABF325E196}" type="presOf" srcId="{B6A6283A-6E00-451D-A9F3-326DE4B04E5F}" destId="{4FDE6285-0D94-47D0-A3AF-EE25B6593702}" srcOrd="0" destOrd="1" presId="urn:microsoft.com/office/officeart/2005/8/layout/hList1"/>
+    <dgm:cxn modelId="{1A97B684-FEC5-4230-8656-9E03C49F328F}" type="presOf" srcId="{53A756FA-7175-4734-9D98-985884262169}" destId="{85C13244-C280-47D6-85D4-B2053C490A7E}" srcOrd="0" destOrd="0" presId="urn:microsoft.com/office/officeart/2005/8/layout/hList1"/>
+    <dgm:cxn modelId="{E922A28E-193D-46F4-AB16-A3D219433753}" srcId="{265717E3-A86E-47CF-9068-94ADDB5370C6}" destId="{B6A6283A-6E00-451D-A9F3-326DE4B04E5F}" srcOrd="1" destOrd="0" parTransId="{66FBEE4F-6928-474F-8E6F-61CAA7100210}" sibTransId="{D54C4440-963E-46FE-B0F8-D908AEAFB91E}"/>
+    <dgm:cxn modelId="{50519590-08B1-4481-B080-3813868AA688}" type="presOf" srcId="{E34C1DD6-1C0F-4F4F-9E94-F443DE424C94}" destId="{4FDE6285-0D94-47D0-A3AF-EE25B6593702}" srcOrd="0" destOrd="5" presId="urn:microsoft.com/office/officeart/2005/8/layout/hList1"/>
+    <dgm:cxn modelId="{2997ED92-85BE-4011-B4A3-4F0332F85CE7}" type="presOf" srcId="{428D1756-8692-4C27-A116-749B29C85FB1}" destId="{4FDE6285-0D94-47D0-A3AF-EE25B6593702}" srcOrd="0" destOrd="4" presId="urn:microsoft.com/office/officeart/2005/8/layout/hList1"/>
+    <dgm:cxn modelId="{6BDE29B3-907B-4E22-82B5-3304AAB4C6CA}" srcId="{5D01FB8F-133E-4C71-B0DB-4A234C02F2C2}" destId="{E34C1DD6-1C0F-4F4F-9E94-F443DE424C94}" srcOrd="1" destOrd="0" parTransId="{4A2CDC28-B3DB-4DD9-AD48-F27367B13CAA}" sibTransId="{620BE8D0-FF11-471C-97A9-14F9352AA176}"/>
     <dgm:cxn modelId="{651BDDBA-9548-4870-B9AF-4CC649D9A125}" type="presOf" srcId="{42578664-9B6F-42FD-BD7E-37DE21B7E9A5}" destId="{4FDE6285-0D94-47D0-A3AF-EE25B6593702}" srcOrd="0" destOrd="0" presId="urn:microsoft.com/office/officeart/2005/8/layout/hList1"/>
-    <dgm:cxn modelId="{1A97B684-FEC5-4230-8656-9E03C49F328F}" type="presOf" srcId="{53A756FA-7175-4734-9D98-985884262169}" destId="{85C13244-C280-47D6-85D4-B2053C490A7E}" srcOrd="0" destOrd="0" presId="urn:microsoft.com/office/officeart/2005/8/layout/hList1"/>
-    <dgm:cxn modelId="{AF180F7B-DC8D-4FF7-A9C5-26ABF325E196}" type="presOf" srcId="{B6A6283A-6E00-451D-A9F3-326DE4B04E5F}" destId="{4FDE6285-0D94-47D0-A3AF-EE25B6593702}" srcOrd="0" destOrd="1" presId="urn:microsoft.com/office/officeart/2005/8/layout/hList1"/>
-    <dgm:cxn modelId="{E922A28E-193D-46F4-AB16-A3D219433753}" srcId="{265717E3-A86E-47CF-9068-94ADDB5370C6}" destId="{B6A6283A-6E00-451D-A9F3-326DE4B04E5F}" srcOrd="1" destOrd="0" parTransId="{66FBEE4F-6928-474F-8E6F-61CAA7100210}" sibTransId="{D54C4440-963E-46FE-B0F8-D908AEAFB91E}"/>
-    <dgm:cxn modelId="{B3E3A84D-3CFF-47D6-835A-4F3BC061A73A}" srcId="{265717E3-A86E-47CF-9068-94ADDB5370C6}" destId="{9E569D3A-6C0B-4ADD-B1E1-8AB4D67EB4F4}" srcOrd="2" destOrd="0" parTransId="{D22E3BEB-CFB8-4FAE-92D3-0CB3998FD71C}" sibTransId="{1794E456-391E-4BDE-9749-522CF4EA9A06}"/>
-    <dgm:cxn modelId="{50519590-08B1-4481-B080-3813868AA688}" type="presOf" srcId="{E34C1DD6-1C0F-4F4F-9E94-F443DE424C94}" destId="{4FDE6285-0D94-47D0-A3AF-EE25B6593702}" srcOrd="0" destOrd="5" presId="urn:microsoft.com/office/officeart/2005/8/layout/hList1"/>
+    <dgm:cxn modelId="{0E8627CC-ED19-4587-BAD5-7369737C0BC1}" type="presOf" srcId="{63A61E27-9FA5-4B35-A298-C695BC41740A}" destId="{4FDE6285-0D94-47D0-A3AF-EE25B6593702}" srcOrd="0" destOrd="6" presId="urn:microsoft.com/office/officeart/2005/8/layout/hList1"/>
+    <dgm:cxn modelId="{7AA26AD5-C14B-4225-A7FE-A34887CA7468}" srcId="{53A756FA-7175-4734-9D98-985884262169}" destId="{265717E3-A86E-47CF-9068-94ADDB5370C6}" srcOrd="0" destOrd="0" parTransId="{4F166E9D-83E6-4C24-AC00-07113E834531}" sibTransId="{7AB261AC-F238-4044-8523-2712E7BE6411}"/>
     <dgm:cxn modelId="{68A54DDE-0C52-40B2-A5D6-17E7A74C21C3}" type="presOf" srcId="{265717E3-A86E-47CF-9068-94ADDB5370C6}" destId="{B6FB5C02-9C84-4812-939C-38E1BF5DFF08}" srcOrd="0" destOrd="0" presId="urn:microsoft.com/office/officeart/2005/8/layout/hList1"/>
-    <dgm:cxn modelId="{851D0016-1B9F-4AEE-924B-A8F3BC11A161}" type="presOf" srcId="{9E569D3A-6C0B-4ADD-B1E1-8AB4D67EB4F4}" destId="{4FDE6285-0D94-47D0-A3AF-EE25B6593702}" srcOrd="0" destOrd="2" presId="urn:microsoft.com/office/officeart/2005/8/layout/hList1"/>
-    <dgm:cxn modelId="{2997ED92-85BE-4011-B4A3-4F0332F85CE7}" type="presOf" srcId="{428D1756-8692-4C27-A116-749B29C85FB1}" destId="{4FDE6285-0D94-47D0-A3AF-EE25B6593702}" srcOrd="0" destOrd="4" presId="urn:microsoft.com/office/officeart/2005/8/layout/hList1"/>
+    <dgm:cxn modelId="{56111AE1-2159-4C26-A002-9D8226286A43}" srcId="{5D01FB8F-133E-4C71-B0DB-4A234C02F2C2}" destId="{428D1756-8692-4C27-A116-749B29C85FB1}" srcOrd="0" destOrd="0" parTransId="{EDEF2962-D99E-46AF-B467-2473EA3F35BB}" sibTransId="{CADB47F5-6D4A-4254-8C71-BD4490D8CC11}"/>
+    <dgm:cxn modelId="{8E24E6E8-E2B9-4E22-BF8B-D7147260E3DB}" srcId="{265717E3-A86E-47CF-9068-94ADDB5370C6}" destId="{42578664-9B6F-42FD-BD7E-37DE21B7E9A5}" srcOrd="0" destOrd="0" parTransId="{B8CA9ADE-97E3-4844-8518-3CBD214E424E}" sibTransId="{85941824-12BD-43ED-A605-40679F390C1C}"/>
     <dgm:cxn modelId="{D0058BEE-8797-43A9-B972-49B20A860FC8}" srcId="{265717E3-A86E-47CF-9068-94ADDB5370C6}" destId="{5D01FB8F-133E-4C71-B0DB-4A234C02F2C2}" srcOrd="3" destOrd="0" parTransId="{235D961D-CB95-4880-9B0A-B9A2AF8F8207}" sibTransId="{916DF732-E733-43E7-80D4-A33D08831B4E}"/>
-    <dgm:cxn modelId="{6BDE29B3-907B-4E22-82B5-3304AAB4C6CA}" srcId="{5D01FB8F-133E-4C71-B0DB-4A234C02F2C2}" destId="{E34C1DD6-1C0F-4F4F-9E94-F443DE424C94}" srcOrd="1" destOrd="0" parTransId="{4A2CDC28-B3DB-4DD9-AD48-F27367B13CAA}" sibTransId="{620BE8D0-FF11-471C-97A9-14F9352AA176}"/>
-    <dgm:cxn modelId="{2396E52F-0AD7-4070-BE06-E2242A536ED8}" srcId="{5D01FB8F-133E-4C71-B0DB-4A234C02F2C2}" destId="{63A61E27-9FA5-4B35-A298-C695BC41740A}" srcOrd="2" destOrd="0" parTransId="{421ED993-6F32-4176-BC6B-01F1DEA9B18D}" sibTransId="{EC6D75A7-18A0-47BB-89B9-686AF747CC7D}"/>
-    <dgm:cxn modelId="{7AA26AD5-C14B-4225-A7FE-A34887CA7468}" srcId="{53A756FA-7175-4734-9D98-985884262169}" destId="{265717E3-A86E-47CF-9068-94ADDB5370C6}" srcOrd="0" destOrd="0" parTransId="{4F166E9D-83E6-4C24-AC00-07113E834531}" sibTransId="{7AB261AC-F238-4044-8523-2712E7BE6411}"/>
-    <dgm:cxn modelId="{56111AE1-2159-4C26-A002-9D8226286A43}" srcId="{5D01FB8F-133E-4C71-B0DB-4A234C02F2C2}" destId="{428D1756-8692-4C27-A116-749B29C85FB1}" srcOrd="0" destOrd="0" parTransId="{EDEF2962-D99E-46AF-B467-2473EA3F35BB}" sibTransId="{CADB47F5-6D4A-4254-8C71-BD4490D8CC11}"/>
-    <dgm:cxn modelId="{0E8627CC-ED19-4587-BAD5-7369737C0BC1}" type="presOf" srcId="{63A61E27-9FA5-4B35-A298-C695BC41740A}" destId="{4FDE6285-0D94-47D0-A3AF-EE25B6593702}" srcOrd="0" destOrd="6" presId="urn:microsoft.com/office/officeart/2005/8/layout/hList1"/>
-    <dgm:cxn modelId="{8E24E6E8-E2B9-4E22-BF8B-D7147260E3DB}" srcId="{265717E3-A86E-47CF-9068-94ADDB5370C6}" destId="{42578664-9B6F-42FD-BD7E-37DE21B7E9A5}" srcOrd="0" destOrd="0" parTransId="{B8CA9ADE-97E3-4844-8518-3CBD214E424E}" sibTransId="{85941824-12BD-43ED-A605-40679F390C1C}"/>
-    <dgm:cxn modelId="{6A0B1A6F-2C56-42E7-96A0-7A70C7053CAE}" type="presOf" srcId="{5D01FB8F-133E-4C71-B0DB-4A234C02F2C2}" destId="{4FDE6285-0D94-47D0-A3AF-EE25B6593702}" srcOrd="0" destOrd="3" presId="urn:microsoft.com/office/officeart/2005/8/layout/hList1"/>
     <dgm:cxn modelId="{0D98CB17-B90F-4BEA-B4D1-64094763D966}" type="presParOf" srcId="{85C13244-C280-47D6-85D4-B2053C490A7E}" destId="{B85965E1-203A-474A-AF48-14D52ECCDC83}" srcOrd="0" destOrd="0" presId="urn:microsoft.com/office/officeart/2005/8/layout/hList1"/>
     <dgm:cxn modelId="{859B81F2-0C65-4A97-887E-B8DE506C5921}" type="presParOf" srcId="{B85965E1-203A-474A-AF48-14D52ECCDC83}" destId="{B6FB5C02-9C84-4812-939C-38E1BF5DFF08}" srcOrd="0" destOrd="0" presId="urn:microsoft.com/office/officeart/2005/8/layout/hList1"/>
     <dgm:cxn modelId="{BDF26829-2BA5-4698-9318-2C7AB8B283B9}" type="presParOf" srcId="{B85965E1-203A-474A-AF48-14D52ECCDC83}" destId="{4FDE6285-0D94-47D0-A3AF-EE25B6593702}" srcOrd="1" destOrd="0" presId="urn:microsoft.com/office/officeart/2005/8/layout/hList1"/>
@@ -2950,7 +2917,7 @@
   <dgm:whole/>
   <dgm:extLst>
     <a:ext uri="http://schemas.microsoft.com/office/drawing/2008/diagram">
-      <dsp:dataModelExt xmlns:dsp="http://schemas.microsoft.com/office/drawing/2008/diagram" xmlns="" relId="rId6" minVer="http://schemas.openxmlformats.org/drawingml/2006/diagram"/>
+      <dsp:dataModelExt xmlns:dsp="http://schemas.microsoft.com/office/drawing/2008/diagram" relId="rId6" minVer="http://schemas.openxmlformats.org/drawingml/2006/diagram"/>
     </a:ext>
   </dgm:extLst>
 </dgm:dataModel>
@@ -2979,7 +2946,7 @@
         <a:p>
           <a:pPr rtl="0"/>
           <a:r>
-            <a:rPr lang="en-US" sz="2800" smtClean="0"/>
+            <a:rPr lang="en-US" sz="2800"/>
             <a:t>State Model</a:t>
           </a:r>
           <a:endParaRPr lang="en-US" sz="2800" dirty="0"/>
@@ -3017,10 +2984,9 @@
         <a:p>
           <a:pPr rtl="0"/>
           <a:r>
-            <a:rPr lang="en-US" sz="2400" dirty="0" smtClean="0"/>
+            <a:rPr lang="en-US" sz="2400" dirty="0"/>
             <a:t>Describe aspect of an object that change over time.</a:t>
           </a:r>
-          <a:endParaRPr lang="en-US" sz="2400" dirty="0"/>
         </a:p>
       </dgm:t>
     </dgm:pt>
@@ -3055,10 +3021,9 @@
         <a:p>
           <a:pPr rtl="0"/>
           <a:r>
-            <a:rPr lang="en-US" sz="2400" dirty="0" smtClean="0"/>
+            <a:rPr lang="en-US" sz="2400" dirty="0"/>
             <a:t>State model specifies &amp; implement control with state diagram</a:t>
           </a:r>
-          <a:endParaRPr lang="en-US" sz="2400" dirty="0"/>
         </a:p>
       </dgm:t>
     </dgm:pt>
@@ -3093,18 +3058,17 @@
         <a:p>
           <a:pPr rtl="0"/>
           <a:r>
-            <a:rPr lang="en-US" sz="2400" dirty="0" smtClean="0"/>
+            <a:rPr lang="en-US" sz="2400" dirty="0"/>
             <a:t>A </a:t>
           </a:r>
           <a:r>
-            <a:rPr lang="en-US" sz="2400" u="sng" dirty="0" smtClean="0"/>
+            <a:rPr lang="en-US" sz="2400" u="sng" dirty="0"/>
             <a:t>state diagram </a:t>
           </a:r>
           <a:r>
-            <a:rPr lang="en-US" sz="2400" dirty="0" smtClean="0"/>
+            <a:rPr lang="en-US" sz="2400" dirty="0"/>
             <a:t>is a graph whose</a:t>
           </a:r>
-          <a:endParaRPr lang="en-US" sz="2400" dirty="0"/>
         </a:p>
       </dgm:t>
     </dgm:pt>
@@ -3139,10 +3103,9 @@
         <a:p>
           <a:pPr rtl="0"/>
           <a:r>
-            <a:rPr lang="en-US" sz="2400" dirty="0" smtClean="0"/>
+            <a:rPr lang="en-US" sz="2400" dirty="0"/>
             <a:t>Nodes are state</a:t>
           </a:r>
-          <a:endParaRPr lang="en-US" sz="2400" dirty="0"/>
         </a:p>
       </dgm:t>
     </dgm:pt>
@@ -3177,10 +3140,9 @@
         <a:p>
           <a:pPr rtl="0"/>
           <a:r>
-            <a:rPr lang="en-US" sz="2400" dirty="0" smtClean="0"/>
+            <a:rPr lang="en-US" sz="2400" dirty="0"/>
             <a:t>Arcs are transitions between state caused by events</a:t>
           </a:r>
-          <a:endParaRPr lang="en-US" sz="2400" dirty="0"/>
         </a:p>
       </dgm:t>
     </dgm:pt>
@@ -3215,24 +3177,10 @@
         </dgm:presLayoutVars>
       </dgm:prSet>
       <dgm:spPr/>
-      <dgm:t>
-        <a:bodyPr/>
-        <a:lstStyle/>
-        <a:p>
-          <a:endParaRPr lang="en-US"/>
-        </a:p>
-      </dgm:t>
     </dgm:pt>
     <dgm:pt modelId="{1027B410-70A1-4AB4-B899-CCAC8725DEB1}" type="pres">
       <dgm:prSet presAssocID="{1D31837E-C2AF-45DA-9373-14619E4C2CF3}" presName="composite" presStyleCnt="0"/>
       <dgm:spPr/>
-      <dgm:t>
-        <a:bodyPr/>
-        <a:lstStyle/>
-        <a:p>
-          <a:endParaRPr lang="en-US"/>
-        </a:p>
-      </dgm:t>
     </dgm:pt>
     <dgm:pt modelId="{72FDA17E-A2C1-43D3-A4E1-1CCB22023E04}" type="pres">
       <dgm:prSet presAssocID="{1D31837E-C2AF-45DA-9373-14619E4C2CF3}" presName="parTx" presStyleLbl="alignNode1" presStyleIdx="0" presStyleCnt="1" custScaleY="164638">
@@ -3243,13 +3191,6 @@
         </dgm:presLayoutVars>
       </dgm:prSet>
       <dgm:spPr/>
-      <dgm:t>
-        <a:bodyPr/>
-        <a:lstStyle/>
-        <a:p>
-          <a:endParaRPr lang="en-US"/>
-        </a:p>
-      </dgm:t>
     </dgm:pt>
     <dgm:pt modelId="{FEF9DB05-B3FA-445F-B399-20783020A49D}" type="pres">
       <dgm:prSet presAssocID="{1D31837E-C2AF-45DA-9373-14619E4C2CF3}" presName="desTx" presStyleLbl="alignAccFollowNode1" presStyleIdx="0" presStyleCnt="1" custScaleY="95721">
@@ -3258,29 +3199,22 @@
         </dgm:presLayoutVars>
       </dgm:prSet>
       <dgm:spPr/>
-      <dgm:t>
-        <a:bodyPr/>
-        <a:lstStyle/>
-        <a:p>
-          <a:endParaRPr lang="en-US"/>
-        </a:p>
-      </dgm:t>
     </dgm:pt>
   </dgm:ptLst>
   <dgm:cxnLst>
-    <dgm:cxn modelId="{149AD5F1-22E4-43BF-B92C-B25561B4DE46}" type="presOf" srcId="{B5FB0796-BB25-4DA4-8BF0-3F812C1A3659}" destId="{FEF9DB05-B3FA-445F-B399-20783020A49D}" srcOrd="0" destOrd="1" presId="urn:microsoft.com/office/officeart/2005/8/layout/hList1"/>
+    <dgm:cxn modelId="{7BEECE10-365F-4D71-A13C-5941EAA768CC}" type="presOf" srcId="{C9170DA7-FA33-43C5-A410-B9350B315CD2}" destId="{FEF9DB05-B3FA-445F-B399-20783020A49D}" srcOrd="0" destOrd="3" presId="urn:microsoft.com/office/officeart/2005/8/layout/hList1"/>
+    <dgm:cxn modelId="{0DF28720-2106-47AF-AF70-F7781A9793D0}" type="presOf" srcId="{1D31837E-C2AF-45DA-9373-14619E4C2CF3}" destId="{72FDA17E-A2C1-43D3-A4E1-1CCB22023E04}" srcOrd="0" destOrd="0" presId="urn:microsoft.com/office/officeart/2005/8/layout/hList1"/>
+    <dgm:cxn modelId="{7938B326-8B51-48FB-975B-525B29271111}" type="presOf" srcId="{18DFBB52-358C-4F59-AD95-60EBE08D5F9C}" destId="{FEF9DB05-B3FA-445F-B399-20783020A49D}" srcOrd="0" destOrd="2" presId="urn:microsoft.com/office/officeart/2005/8/layout/hList1"/>
+    <dgm:cxn modelId="{A8F9DC44-ACC9-473E-BDCB-FA1C8C6A4CBE}" type="presOf" srcId="{F95B85D1-7FAE-4AD0-88CE-93233A0FEA8E}" destId="{FEF9DB05-B3FA-445F-B399-20783020A49D}" srcOrd="0" destOrd="0" presId="urn:microsoft.com/office/officeart/2005/8/layout/hList1"/>
+    <dgm:cxn modelId="{AD246B66-9181-4F6C-9F93-92F020D28A75}" srcId="{1D31837E-C2AF-45DA-9373-14619E4C2CF3}" destId="{F95B85D1-7FAE-4AD0-88CE-93233A0FEA8E}" srcOrd="0" destOrd="0" parTransId="{8D4C3783-97C5-4B4D-98A1-992F9F72DB01}" sibTransId="{AFAA4F3F-81E4-4520-9E83-276D842F1AFA}"/>
+    <dgm:cxn modelId="{807BE38E-9DA0-4BF1-9B5C-05323D3FA833}" type="presOf" srcId="{FEB39AE0-5AD2-48B0-A61C-839101FD7619}" destId="{FEF9DB05-B3FA-445F-B399-20783020A49D}" srcOrd="0" destOrd="4" presId="urn:microsoft.com/office/officeart/2005/8/layout/hList1"/>
     <dgm:cxn modelId="{9B14E398-CDAD-4708-8C65-CDB89152B683}" srcId="{18DFBB52-358C-4F59-AD95-60EBE08D5F9C}" destId="{FEB39AE0-5AD2-48B0-A61C-839101FD7619}" srcOrd="1" destOrd="0" parTransId="{19A16117-7BAB-4D06-9733-C84DE8243B26}" sibTransId="{C5B67C32-F604-4B91-860F-DDD36AB88BF5}"/>
-    <dgm:cxn modelId="{7BEECE10-365F-4D71-A13C-5941EAA768CC}" type="presOf" srcId="{C9170DA7-FA33-43C5-A410-B9350B315CD2}" destId="{FEF9DB05-B3FA-445F-B399-20783020A49D}" srcOrd="0" destOrd="3" presId="urn:microsoft.com/office/officeart/2005/8/layout/hList1"/>
-    <dgm:cxn modelId="{6D1D94F1-CA40-45C0-ABDC-ABD1664DA932}" srcId="{7910A029-DFC6-4B04-B5A8-ABB4A8C974ED}" destId="{1D31837E-C2AF-45DA-9373-14619E4C2CF3}" srcOrd="0" destOrd="0" parTransId="{F2DA6AF4-B027-4C44-A33D-D324E06B8699}" sibTransId="{FB6E1088-8395-420C-9163-21CA14A4838F}"/>
-    <dgm:cxn modelId="{807BE38E-9DA0-4BF1-9B5C-05323D3FA833}" type="presOf" srcId="{FEB39AE0-5AD2-48B0-A61C-839101FD7619}" destId="{FEF9DB05-B3FA-445F-B399-20783020A49D}" srcOrd="0" destOrd="4" presId="urn:microsoft.com/office/officeart/2005/8/layout/hList1"/>
-    <dgm:cxn modelId="{A8F9DC44-ACC9-473E-BDCB-FA1C8C6A4CBE}" type="presOf" srcId="{F95B85D1-7FAE-4AD0-88CE-93233A0FEA8E}" destId="{FEF9DB05-B3FA-445F-B399-20783020A49D}" srcOrd="0" destOrd="0" presId="urn:microsoft.com/office/officeart/2005/8/layout/hList1"/>
-    <dgm:cxn modelId="{58357DE6-0EDB-4320-BF4C-6FA55F90F665}" srcId="{1D31837E-C2AF-45DA-9373-14619E4C2CF3}" destId="{B5FB0796-BB25-4DA4-8BF0-3F812C1A3659}" srcOrd="1" destOrd="0" parTransId="{4D3F47CA-C7ED-42CB-AA66-60B9195A1AE6}" sibTransId="{90FEFD30-A089-4DAC-A6F0-9FB9216605CE}"/>
-    <dgm:cxn modelId="{44E75BD5-19AF-49E4-AC94-957E86097D75}" srcId="{18DFBB52-358C-4F59-AD95-60EBE08D5F9C}" destId="{C9170DA7-FA33-43C5-A410-B9350B315CD2}" srcOrd="0" destOrd="0" parTransId="{FF35F851-356A-4919-9FF1-D32BC62C6E5E}" sibTransId="{858D7121-8152-4F13-AC41-222C845BFD54}"/>
     <dgm:cxn modelId="{A37DAC99-3DD5-4693-A14C-5C1C6B896568}" type="presOf" srcId="{7910A029-DFC6-4B04-B5A8-ABB4A8C974ED}" destId="{2AFD0E5B-CAF4-4B45-AC38-C5AB350269DD}" srcOrd="0" destOrd="0" presId="urn:microsoft.com/office/officeart/2005/8/layout/hList1"/>
     <dgm:cxn modelId="{D465FCD4-E991-452F-BB91-36683AFE1A23}" srcId="{1D31837E-C2AF-45DA-9373-14619E4C2CF3}" destId="{18DFBB52-358C-4F59-AD95-60EBE08D5F9C}" srcOrd="2" destOrd="0" parTransId="{037524D1-1016-4DCC-9615-2DF6D974397F}" sibTransId="{9986FA52-7BF2-48B5-AC19-6A148F2733FB}"/>
-    <dgm:cxn modelId="{AD246B66-9181-4F6C-9F93-92F020D28A75}" srcId="{1D31837E-C2AF-45DA-9373-14619E4C2CF3}" destId="{F95B85D1-7FAE-4AD0-88CE-93233A0FEA8E}" srcOrd="0" destOrd="0" parTransId="{8D4C3783-97C5-4B4D-98A1-992F9F72DB01}" sibTransId="{AFAA4F3F-81E4-4520-9E83-276D842F1AFA}"/>
-    <dgm:cxn modelId="{7938B326-8B51-48FB-975B-525B29271111}" type="presOf" srcId="{18DFBB52-358C-4F59-AD95-60EBE08D5F9C}" destId="{FEF9DB05-B3FA-445F-B399-20783020A49D}" srcOrd="0" destOrd="2" presId="urn:microsoft.com/office/officeart/2005/8/layout/hList1"/>
-    <dgm:cxn modelId="{0DF28720-2106-47AF-AF70-F7781A9793D0}" type="presOf" srcId="{1D31837E-C2AF-45DA-9373-14619E4C2CF3}" destId="{72FDA17E-A2C1-43D3-A4E1-1CCB22023E04}" srcOrd="0" destOrd="0" presId="urn:microsoft.com/office/officeart/2005/8/layout/hList1"/>
+    <dgm:cxn modelId="{44E75BD5-19AF-49E4-AC94-957E86097D75}" srcId="{18DFBB52-358C-4F59-AD95-60EBE08D5F9C}" destId="{C9170DA7-FA33-43C5-A410-B9350B315CD2}" srcOrd="0" destOrd="0" parTransId="{FF35F851-356A-4919-9FF1-D32BC62C6E5E}" sibTransId="{858D7121-8152-4F13-AC41-222C845BFD54}"/>
+    <dgm:cxn modelId="{58357DE6-0EDB-4320-BF4C-6FA55F90F665}" srcId="{1D31837E-C2AF-45DA-9373-14619E4C2CF3}" destId="{B5FB0796-BB25-4DA4-8BF0-3F812C1A3659}" srcOrd="1" destOrd="0" parTransId="{4D3F47CA-C7ED-42CB-AA66-60B9195A1AE6}" sibTransId="{90FEFD30-A089-4DAC-A6F0-9FB9216605CE}"/>
+    <dgm:cxn modelId="{6D1D94F1-CA40-45C0-ABDC-ABD1664DA932}" srcId="{7910A029-DFC6-4B04-B5A8-ABB4A8C974ED}" destId="{1D31837E-C2AF-45DA-9373-14619E4C2CF3}" srcOrd="0" destOrd="0" parTransId="{F2DA6AF4-B027-4C44-A33D-D324E06B8699}" sibTransId="{FB6E1088-8395-420C-9163-21CA14A4838F}"/>
+    <dgm:cxn modelId="{149AD5F1-22E4-43BF-B92C-B25561B4DE46}" type="presOf" srcId="{B5FB0796-BB25-4DA4-8BF0-3F812C1A3659}" destId="{FEF9DB05-B3FA-445F-B399-20783020A49D}" srcOrd="0" destOrd="1" presId="urn:microsoft.com/office/officeart/2005/8/layout/hList1"/>
     <dgm:cxn modelId="{0CB2D7FF-92C2-4B6A-B92E-D7630B55A311}" type="presParOf" srcId="{2AFD0E5B-CAF4-4B45-AC38-C5AB350269DD}" destId="{1027B410-70A1-4AB4-B899-CCAC8725DEB1}" srcOrd="0" destOrd="0" presId="urn:microsoft.com/office/officeart/2005/8/layout/hList1"/>
     <dgm:cxn modelId="{96392FD3-260C-4BFD-BD00-A5982F53F8A0}" type="presParOf" srcId="{1027B410-70A1-4AB4-B899-CCAC8725DEB1}" destId="{72FDA17E-A2C1-43D3-A4E1-1CCB22023E04}" srcOrd="0" destOrd="0" presId="urn:microsoft.com/office/officeart/2005/8/layout/hList1"/>
     <dgm:cxn modelId="{B015D0C9-107F-49A2-9941-430B81C5F352}" type="presParOf" srcId="{1027B410-70A1-4AB4-B899-CCAC8725DEB1}" destId="{FEF9DB05-B3FA-445F-B399-20783020A49D}" srcOrd="1" destOrd="0" presId="urn:microsoft.com/office/officeart/2005/8/layout/hList1"/>
@@ -3289,7 +3223,7 @@
   <dgm:whole/>
   <dgm:extLst>
     <a:ext uri="http://schemas.microsoft.com/office/drawing/2008/diagram">
-      <dsp:dataModelExt xmlns:dsp="http://schemas.microsoft.com/office/drawing/2008/diagram" xmlns="" relId="rId6" minVer="http://schemas.openxmlformats.org/drawingml/2006/diagram"/>
+      <dsp:dataModelExt xmlns:dsp="http://schemas.microsoft.com/office/drawing/2008/diagram" relId="rId6" minVer="http://schemas.openxmlformats.org/drawingml/2006/diagram"/>
     </a:ext>
   </dgm:extLst>
 </dgm:dataModel>
@@ -3317,7 +3251,7 @@
         <a:lstStyle/>
         <a:p>
           <a:r>
-            <a:rPr lang="en-US" sz="2800" smtClean="0"/>
+            <a:rPr lang="en-US" sz="2800"/>
             <a:t>Interaction model</a:t>
           </a:r>
           <a:endParaRPr lang="en-US" sz="2800" dirty="0"/>
@@ -3354,10 +3288,9 @@
         <a:lstStyle/>
         <a:p>
           <a:r>
-            <a:rPr lang="en-US" dirty="0" smtClean="0"/>
+            <a:rPr lang="en-US" dirty="0"/>
             <a:t>How the objects in a system co-operate to achieve broader results.</a:t>
           </a:r>
-          <a:endParaRPr lang="en-US" dirty="0"/>
         </a:p>
       </dgm:t>
     </dgm:pt>
@@ -3391,10 +3324,9 @@
         <a:lstStyle/>
         <a:p>
           <a:r>
-            <a:rPr lang="en-US" dirty="0" smtClean="0"/>
+            <a:rPr lang="en-US" dirty="0"/>
             <a:t>Interaction model start with</a:t>
           </a:r>
-          <a:endParaRPr lang="en-US" dirty="0"/>
         </a:p>
       </dgm:t>
     </dgm:pt>
@@ -3461,10 +3393,9 @@
         <a:lstStyle/>
         <a:p>
           <a:r>
-            <a:rPr lang="en-US" dirty="0" smtClean="0"/>
+            <a:rPr lang="en-US" dirty="0"/>
             <a:t>Use case that are elaborate into with sequence and activity diagram. </a:t>
           </a:r>
-          <a:endParaRPr lang="en-US" dirty="0"/>
         </a:p>
       </dgm:t>
     </dgm:pt>
@@ -3499,24 +3430,10 @@
         </dgm:presLayoutVars>
       </dgm:prSet>
       <dgm:spPr/>
-      <dgm:t>
-        <a:bodyPr/>
-        <a:lstStyle/>
-        <a:p>
-          <a:endParaRPr lang="en-US"/>
-        </a:p>
-      </dgm:t>
     </dgm:pt>
     <dgm:pt modelId="{DD16F7B2-66FB-4C8C-9A8B-67A0643328A1}" type="pres">
       <dgm:prSet presAssocID="{58D159D5-31F3-4B64-A667-6B796882010C}" presName="composite" presStyleCnt="0"/>
       <dgm:spPr/>
-      <dgm:t>
-        <a:bodyPr/>
-        <a:lstStyle/>
-        <a:p>
-          <a:endParaRPr lang="en-US"/>
-        </a:p>
-      </dgm:t>
     </dgm:pt>
     <dgm:pt modelId="{47CD5FE5-9589-4016-A901-4B32151BC3FD}" type="pres">
       <dgm:prSet presAssocID="{58D159D5-31F3-4B64-A667-6B796882010C}" presName="parTx" presStyleLbl="alignNode1" presStyleIdx="0" presStyleCnt="1" custScaleY="100000">
@@ -3527,13 +3444,6 @@
         </dgm:presLayoutVars>
       </dgm:prSet>
       <dgm:spPr/>
-      <dgm:t>
-        <a:bodyPr/>
-        <a:lstStyle/>
-        <a:p>
-          <a:endParaRPr lang="en-US"/>
-        </a:p>
-      </dgm:t>
     </dgm:pt>
     <dgm:pt modelId="{CE161F23-85CB-476F-B89A-DE00B47DF599}" type="pres">
       <dgm:prSet presAssocID="{58D159D5-31F3-4B64-A667-6B796882010C}" presName="desTx" presStyleLbl="alignAccFollowNode1" presStyleIdx="0" presStyleCnt="1">
@@ -3542,27 +3452,20 @@
         </dgm:presLayoutVars>
       </dgm:prSet>
       <dgm:spPr/>
-      <dgm:t>
-        <a:bodyPr/>
-        <a:lstStyle/>
-        <a:p>
-          <a:endParaRPr lang="en-US"/>
-        </a:p>
-      </dgm:t>
     </dgm:pt>
   </dgm:ptLst>
   <dgm:cxnLst>
+    <dgm:cxn modelId="{BC49BF03-379F-485B-87F5-09C74D9C4CBA}" srcId="{B697685F-BD7A-448A-B468-06A118CF265A}" destId="{58D159D5-31F3-4B64-A667-6B796882010C}" srcOrd="0" destOrd="0" parTransId="{951C9F0E-33F8-48E3-96E2-A7099E589389}" sibTransId="{BAC1453D-E59E-4CEF-9506-4DEDAC1DAB13}"/>
+    <dgm:cxn modelId="{99999A09-DB69-4440-A52F-6BEE9217B374}" srcId="{58D159D5-31F3-4B64-A667-6B796882010C}" destId="{5731E30E-9B24-4A96-B476-977089358B76}" srcOrd="0" destOrd="0" parTransId="{531F9547-9C93-4D00-A5A0-642D231762CA}" sibTransId="{A4BF0415-E767-454C-8079-055C7F5991A2}"/>
+    <dgm:cxn modelId="{A473F767-DBBC-40A3-9BC9-0082C260F208}" type="presOf" srcId="{B697685F-BD7A-448A-B468-06A118CF265A}" destId="{CEA9D1C2-50FF-484C-AEC6-5300923DCC6C}" srcOrd="0" destOrd="0" presId="urn:microsoft.com/office/officeart/2005/8/layout/hList1"/>
+    <dgm:cxn modelId="{3A055E51-5233-4F43-A2F0-40240911F3F8}" type="presOf" srcId="{BF5409F8-D1EC-4855-A484-50322A479944}" destId="{CE161F23-85CB-476F-B89A-DE00B47DF599}" srcOrd="0" destOrd="2" presId="urn:microsoft.com/office/officeart/2005/8/layout/hList1"/>
+    <dgm:cxn modelId="{65758C75-3085-442A-B5BD-4B7564BCCE39}" srcId="{9CC609B9-E9D2-4CC9-B16A-2C89DE2C5898}" destId="{7A8FEC90-41E3-4D54-965F-F3D65ABB0A73}" srcOrd="1" destOrd="0" parTransId="{715689AB-3C0C-4D6C-931E-C2F7FDFE1C2C}" sibTransId="{8CFE66B0-D5E7-4A36-8102-7189D59CFE22}"/>
+    <dgm:cxn modelId="{4E0B159E-230D-4B9E-BFEF-A64A92BF0D08}" type="presOf" srcId="{5731E30E-9B24-4A96-B476-977089358B76}" destId="{CE161F23-85CB-476F-B89A-DE00B47DF599}" srcOrd="0" destOrd="0" presId="urn:microsoft.com/office/officeart/2005/8/layout/hList1"/>
+    <dgm:cxn modelId="{DF45B9A1-1098-4664-869D-4B7AF03D5600}" type="presOf" srcId="{9CC609B9-E9D2-4CC9-B16A-2C89DE2C5898}" destId="{CE161F23-85CB-476F-B89A-DE00B47DF599}" srcOrd="0" destOrd="1" presId="urn:microsoft.com/office/officeart/2005/8/layout/hList1"/>
+    <dgm:cxn modelId="{68569DD0-84A3-47C4-B578-46F6ECF6A311}" type="presOf" srcId="{7A8FEC90-41E3-4D54-965F-F3D65ABB0A73}" destId="{CE161F23-85CB-476F-B89A-DE00B47DF599}" srcOrd="0" destOrd="3" presId="urn:microsoft.com/office/officeart/2005/8/layout/hList1"/>
+    <dgm:cxn modelId="{C59A04EA-0E4E-4FB5-9C00-3E93EB564D72}" srcId="{9CC609B9-E9D2-4CC9-B16A-2C89DE2C5898}" destId="{BF5409F8-D1EC-4855-A484-50322A479944}" srcOrd="0" destOrd="0" parTransId="{02FC9996-DF97-40B4-8B7E-D8EFFE57F49F}" sibTransId="{E32F472E-C10E-4CCD-B269-DC5A161CF882}"/>
     <dgm:cxn modelId="{9E2BA5EE-21A7-4ABD-97EB-2CC852904F89}" srcId="{58D159D5-31F3-4B64-A667-6B796882010C}" destId="{9CC609B9-E9D2-4CC9-B16A-2C89DE2C5898}" srcOrd="1" destOrd="0" parTransId="{760F5AB9-3506-42F0-928E-3B61B08BDE1F}" sibTransId="{68F1E773-E392-40CB-B6C7-D8D9D2172A38}"/>
-    <dgm:cxn modelId="{A473F767-DBBC-40A3-9BC9-0082C260F208}" type="presOf" srcId="{B697685F-BD7A-448A-B468-06A118CF265A}" destId="{CEA9D1C2-50FF-484C-AEC6-5300923DCC6C}" srcOrd="0" destOrd="0" presId="urn:microsoft.com/office/officeart/2005/8/layout/hList1"/>
-    <dgm:cxn modelId="{C59A04EA-0E4E-4FB5-9C00-3E93EB564D72}" srcId="{9CC609B9-E9D2-4CC9-B16A-2C89DE2C5898}" destId="{BF5409F8-D1EC-4855-A484-50322A479944}" srcOrd="0" destOrd="0" parTransId="{02FC9996-DF97-40B4-8B7E-D8EFFE57F49F}" sibTransId="{E32F472E-C10E-4CCD-B269-DC5A161CF882}"/>
-    <dgm:cxn modelId="{68569DD0-84A3-47C4-B578-46F6ECF6A311}" type="presOf" srcId="{7A8FEC90-41E3-4D54-965F-F3D65ABB0A73}" destId="{CE161F23-85CB-476F-B89A-DE00B47DF599}" srcOrd="0" destOrd="3" presId="urn:microsoft.com/office/officeart/2005/8/layout/hList1"/>
-    <dgm:cxn modelId="{BC49BF03-379F-485B-87F5-09C74D9C4CBA}" srcId="{B697685F-BD7A-448A-B468-06A118CF265A}" destId="{58D159D5-31F3-4B64-A667-6B796882010C}" srcOrd="0" destOrd="0" parTransId="{951C9F0E-33F8-48E3-96E2-A7099E589389}" sibTransId="{BAC1453D-E59E-4CEF-9506-4DEDAC1DAB13}"/>
-    <dgm:cxn modelId="{4E0B159E-230D-4B9E-BFEF-A64A92BF0D08}" type="presOf" srcId="{5731E30E-9B24-4A96-B476-977089358B76}" destId="{CE161F23-85CB-476F-B89A-DE00B47DF599}" srcOrd="0" destOrd="0" presId="urn:microsoft.com/office/officeart/2005/8/layout/hList1"/>
-    <dgm:cxn modelId="{65758C75-3085-442A-B5BD-4B7564BCCE39}" srcId="{9CC609B9-E9D2-4CC9-B16A-2C89DE2C5898}" destId="{7A8FEC90-41E3-4D54-965F-F3D65ABB0A73}" srcOrd="1" destOrd="0" parTransId="{715689AB-3C0C-4D6C-931E-C2F7FDFE1C2C}" sibTransId="{8CFE66B0-D5E7-4A36-8102-7189D59CFE22}"/>
-    <dgm:cxn modelId="{3A055E51-5233-4F43-A2F0-40240911F3F8}" type="presOf" srcId="{BF5409F8-D1EC-4855-A484-50322A479944}" destId="{CE161F23-85CB-476F-B89A-DE00B47DF599}" srcOrd="0" destOrd="2" presId="urn:microsoft.com/office/officeart/2005/8/layout/hList1"/>
-    <dgm:cxn modelId="{DF45B9A1-1098-4664-869D-4B7AF03D5600}" type="presOf" srcId="{9CC609B9-E9D2-4CC9-B16A-2C89DE2C5898}" destId="{CE161F23-85CB-476F-B89A-DE00B47DF599}" srcOrd="0" destOrd="1" presId="urn:microsoft.com/office/officeart/2005/8/layout/hList1"/>
     <dgm:cxn modelId="{1FF2A7FF-876D-4B88-BA47-EB70268903B8}" type="presOf" srcId="{58D159D5-31F3-4B64-A667-6B796882010C}" destId="{47CD5FE5-9589-4016-A901-4B32151BC3FD}" srcOrd="0" destOrd="0" presId="urn:microsoft.com/office/officeart/2005/8/layout/hList1"/>
-    <dgm:cxn modelId="{99999A09-DB69-4440-A52F-6BEE9217B374}" srcId="{58D159D5-31F3-4B64-A667-6B796882010C}" destId="{5731E30E-9B24-4A96-B476-977089358B76}" srcOrd="0" destOrd="0" parTransId="{531F9547-9C93-4D00-A5A0-642D231762CA}" sibTransId="{A4BF0415-E767-454C-8079-055C7F5991A2}"/>
     <dgm:cxn modelId="{70D5CAD1-DDFB-460F-9F1D-2DDB39AB53A2}" type="presParOf" srcId="{CEA9D1C2-50FF-484C-AEC6-5300923DCC6C}" destId="{DD16F7B2-66FB-4C8C-9A8B-67A0643328A1}" srcOrd="0" destOrd="0" presId="urn:microsoft.com/office/officeart/2005/8/layout/hList1"/>
     <dgm:cxn modelId="{3BCA5262-2D62-43AA-9CCE-6AA990F8BB0B}" type="presParOf" srcId="{DD16F7B2-66FB-4C8C-9A8B-67A0643328A1}" destId="{47CD5FE5-9589-4016-A901-4B32151BC3FD}" srcOrd="0" destOrd="0" presId="urn:microsoft.com/office/officeart/2005/8/layout/hList1"/>
     <dgm:cxn modelId="{0E9829F6-DAF9-4632-83F1-1D5ADBE7EDE3}" type="presParOf" srcId="{DD16F7B2-66FB-4C8C-9A8B-67A0643328A1}" destId="{CE161F23-85CB-476F-B89A-DE00B47DF599}" srcOrd="1" destOrd="0" presId="urn:microsoft.com/office/officeart/2005/8/layout/hList1"/>
@@ -3571,7 +3474,7 @@
   <dgm:whole/>
   <dgm:extLst>
     <a:ext uri="http://schemas.microsoft.com/office/drawing/2008/diagram">
-      <dsp:dataModelExt xmlns:dsp="http://schemas.microsoft.com/office/drawing/2008/diagram" xmlns="" relId="rId6" minVer="http://schemas.openxmlformats.org/drawingml/2006/diagram"/>
+      <dsp:dataModelExt xmlns:dsp="http://schemas.microsoft.com/office/drawing/2008/diagram" relId="rId6" minVer="http://schemas.openxmlformats.org/drawingml/2006/diagram"/>
     </a:ext>
   </dgm:extLst>
 </dgm:dataModel>
@@ -3585,6 +3488,281 @@
       <dsp:cNvGrpSpPr/>
     </dsp:nvGrpSpPr>
     <dsp:grpSpPr/>
+    <dsp:sp modelId="{B6FB5C02-9C84-4812-939C-38E1BF5DFF08}">
+      <dsp:nvSpPr>
+        <dsp:cNvPr id="0" name=""/>
+        <dsp:cNvSpPr/>
+      </dsp:nvSpPr>
+      <dsp:spPr>
+        <a:xfrm>
+          <a:off x="0" y="10096"/>
+          <a:ext cx="7467600" cy="969002"/>
+        </a:xfrm>
+        <a:prstGeom prst="rect">
+          <a:avLst/>
+        </a:prstGeom>
+        <a:solidFill>
+          <a:schemeClr val="dk2">
+            <a:hueOff val="0"/>
+            <a:satOff val="0"/>
+            <a:lumOff val="0"/>
+            <a:alphaOff val="0"/>
+          </a:schemeClr>
+        </a:solidFill>
+        <a:ln w="25400" cap="flat" cmpd="sng" algn="ctr">
+          <a:solidFill>
+            <a:schemeClr val="dk2">
+              <a:hueOff val="0"/>
+              <a:satOff val="0"/>
+              <a:lumOff val="0"/>
+              <a:alphaOff val="0"/>
+            </a:schemeClr>
+          </a:solidFill>
+          <a:prstDash val="solid"/>
+        </a:ln>
+        <a:effectLst/>
+      </dsp:spPr>
+      <dsp:style>
+        <a:lnRef idx="2">
+          <a:scrgbClr r="0" g="0" b="0"/>
+        </a:lnRef>
+        <a:fillRef idx="1">
+          <a:scrgbClr r="0" g="0" b="0"/>
+        </a:fillRef>
+        <a:effectRef idx="0">
+          <a:scrgbClr r="0" g="0" b="0"/>
+        </a:effectRef>
+        <a:fontRef idx="minor">
+          <a:schemeClr val="lt1"/>
+        </a:fontRef>
+      </dsp:style>
+      <dsp:txBody>
+        <a:bodyPr spcFirstLastPara="0" vert="horz" wrap="square" lIns="227584" tIns="130048" rIns="227584" bIns="130048" numCol="1" spcCol="1270" anchor="ctr" anchorCtr="0">
+          <a:noAutofit/>
+        </a:bodyPr>
+        <a:lstStyle/>
+        <a:p>
+          <a:pPr marL="0" lvl="0" indent="0" algn="ctr" defTabSz="1422400" rtl="0">
+            <a:lnSpc>
+              <a:spcPct val="90000"/>
+            </a:lnSpc>
+            <a:spcBef>
+              <a:spcPct val="0"/>
+            </a:spcBef>
+            <a:spcAft>
+              <a:spcPct val="35000"/>
+            </a:spcAft>
+            <a:buNone/>
+          </a:pPr>
+          <a:r>
+            <a:rPr lang="en-US" sz="3200" kern="1200"/>
+            <a:t>Class model</a:t>
+          </a:r>
+          <a:endParaRPr lang="en-US" sz="3200" kern="1200" dirty="0"/>
+        </a:p>
+      </dsp:txBody>
+      <dsp:txXfrm>
+        <a:off x="0" y="10096"/>
+        <a:ext cx="7467600" cy="969002"/>
+      </dsp:txXfrm>
+    </dsp:sp>
+    <dsp:sp modelId="{4FDE6285-0D94-47D0-A3AF-EE25B6593702}">
+      <dsp:nvSpPr>
+        <dsp:cNvPr id="0" name=""/>
+        <dsp:cNvSpPr/>
+      </dsp:nvSpPr>
+      <dsp:spPr>
+        <a:xfrm>
+          <a:off x="0" y="849649"/>
+          <a:ext cx="7467600" cy="3219885"/>
+        </a:xfrm>
+        <a:prstGeom prst="rect">
+          <a:avLst/>
+        </a:prstGeom>
+        <a:solidFill>
+          <a:schemeClr val="dk2">
+            <a:alpha val="90000"/>
+            <a:tint val="40000"/>
+            <a:hueOff val="0"/>
+            <a:satOff val="0"/>
+            <a:lumOff val="0"/>
+            <a:alphaOff val="0"/>
+          </a:schemeClr>
+        </a:solidFill>
+        <a:ln w="25400" cap="flat" cmpd="sng" algn="ctr">
+          <a:solidFill>
+            <a:schemeClr val="dk2">
+              <a:alpha val="90000"/>
+              <a:tint val="40000"/>
+              <a:hueOff val="0"/>
+              <a:satOff val="0"/>
+              <a:lumOff val="0"/>
+              <a:alphaOff val="0"/>
+            </a:schemeClr>
+          </a:solidFill>
+          <a:prstDash val="solid"/>
+        </a:ln>
+        <a:effectLst/>
+      </dsp:spPr>
+      <dsp:style>
+        <a:lnRef idx="2">
+          <a:scrgbClr r="0" g="0" b="0"/>
+        </a:lnRef>
+        <a:fillRef idx="1">
+          <a:scrgbClr r="0" g="0" b="0"/>
+        </a:fillRef>
+        <a:effectRef idx="0">
+          <a:scrgbClr r="0" g="0" b="0"/>
+        </a:effectRef>
+        <a:fontRef idx="minor"/>
+      </dsp:style>
+      <dsp:txBody>
+        <a:bodyPr spcFirstLastPara="0" vert="horz" wrap="square" lIns="122682" tIns="122682" rIns="163576" bIns="184023" numCol="1" spcCol="1270" anchor="t" anchorCtr="0">
+          <a:noAutofit/>
+        </a:bodyPr>
+        <a:lstStyle/>
+        <a:p>
+          <a:pPr marL="228600" lvl="1" indent="-228600" algn="l" defTabSz="1022350" rtl="0">
+            <a:lnSpc>
+              <a:spcPct val="90000"/>
+            </a:lnSpc>
+            <a:spcBef>
+              <a:spcPct val="0"/>
+            </a:spcBef>
+            <a:spcAft>
+              <a:spcPct val="15000"/>
+            </a:spcAft>
+            <a:buChar char="•"/>
+          </a:pPr>
+          <a:r>
+            <a:rPr lang="en-US" sz="2300" kern="1200" dirty="0"/>
+            <a:t>Describe the static structure of the </a:t>
+          </a:r>
+          <a:r>
+            <a:rPr lang="en-US" sz="2300" i="1" kern="1200" dirty="0"/>
+            <a:t>objects in a system &amp; their relationship </a:t>
+          </a:r>
+          <a:endParaRPr lang="en-US" sz="2300" kern="1200" dirty="0"/>
+        </a:p>
+        <a:p>
+          <a:pPr marL="228600" lvl="1" indent="-228600" algn="l" defTabSz="1022350" rtl="0">
+            <a:lnSpc>
+              <a:spcPct val="90000"/>
+            </a:lnSpc>
+            <a:spcBef>
+              <a:spcPct val="0"/>
+            </a:spcBef>
+            <a:spcAft>
+              <a:spcPct val="15000"/>
+            </a:spcAft>
+            <a:buChar char="•"/>
+          </a:pPr>
+          <a:r>
+            <a:rPr lang="en-US" sz="2300" kern="1200" dirty="0"/>
+            <a:t>It define the context for software development.</a:t>
+          </a:r>
+        </a:p>
+        <a:p>
+          <a:pPr marL="228600" lvl="1" indent="-228600" algn="l" defTabSz="1022350" rtl="0">
+            <a:lnSpc>
+              <a:spcPct val="90000"/>
+            </a:lnSpc>
+            <a:spcBef>
+              <a:spcPct val="0"/>
+            </a:spcBef>
+            <a:spcAft>
+              <a:spcPct val="15000"/>
+            </a:spcAft>
+            <a:buChar char="•"/>
+          </a:pPr>
+          <a:r>
+            <a:rPr lang="en-US" sz="2300" kern="1200" dirty="0"/>
+            <a:t>Class model contains class diagram to express it.</a:t>
+          </a:r>
+        </a:p>
+        <a:p>
+          <a:pPr marL="228600" lvl="1" indent="-228600" algn="l" defTabSz="1022350" rtl="0">
+            <a:lnSpc>
+              <a:spcPct val="90000"/>
+            </a:lnSpc>
+            <a:spcBef>
+              <a:spcPct val="0"/>
+            </a:spcBef>
+            <a:spcAft>
+              <a:spcPct val="15000"/>
+            </a:spcAft>
+            <a:buChar char="•"/>
+          </a:pPr>
+          <a:r>
+            <a:rPr lang="en-US" sz="2300" kern="1200" dirty="0"/>
+            <a:t>A </a:t>
+          </a:r>
+          <a:r>
+            <a:rPr lang="en-US" sz="2300" u="sng" kern="1200" dirty="0"/>
+            <a:t>class diagram </a:t>
+          </a:r>
+          <a:r>
+            <a:rPr lang="en-US" sz="2300" kern="1200" dirty="0"/>
+            <a:t>is graph phase.</a:t>
+          </a:r>
+        </a:p>
+        <a:p>
+          <a:pPr marL="457200" lvl="2" indent="-228600" algn="l" defTabSz="1022350" rtl="0">
+            <a:lnSpc>
+              <a:spcPct val="90000"/>
+            </a:lnSpc>
+            <a:spcBef>
+              <a:spcPct val="0"/>
+            </a:spcBef>
+            <a:spcAft>
+              <a:spcPct val="15000"/>
+            </a:spcAft>
+            <a:buChar char="•"/>
+          </a:pPr>
+          <a:r>
+            <a:rPr lang="en-US" sz="2300" kern="1200" dirty="0"/>
+            <a:t>Nodes are classes.</a:t>
+          </a:r>
+        </a:p>
+        <a:p>
+          <a:pPr marL="457200" lvl="2" indent="-228600" algn="l" defTabSz="1022350" rtl="0">
+            <a:lnSpc>
+              <a:spcPct val="90000"/>
+            </a:lnSpc>
+            <a:spcBef>
+              <a:spcPct val="0"/>
+            </a:spcBef>
+            <a:spcAft>
+              <a:spcPct val="15000"/>
+            </a:spcAft>
+            <a:buChar char="•"/>
+          </a:pPr>
+          <a:r>
+            <a:rPr lang="en-US" sz="2300" kern="1200" dirty="0"/>
+            <a:t>Arcs are relationship  among classes.</a:t>
+          </a:r>
+        </a:p>
+        <a:p>
+          <a:pPr marL="457200" lvl="2" indent="-228600" algn="l" defTabSz="1022350" rtl="0">
+            <a:lnSpc>
+              <a:spcPct val="90000"/>
+            </a:lnSpc>
+            <a:spcBef>
+              <a:spcPct val="0"/>
+            </a:spcBef>
+            <a:spcAft>
+              <a:spcPct val="15000"/>
+            </a:spcAft>
+            <a:buChar char="•"/>
+          </a:pPr>
+          <a:endParaRPr lang="en-US" sz="2300" kern="1200" dirty="0"/>
+        </a:p>
+      </dsp:txBody>
+      <dsp:txXfrm>
+        <a:off x="0" y="849649"/>
+        <a:ext cx="7467600" cy="3219885"/>
+      </dsp:txXfrm>
+    </dsp:sp>
   </dsp:spTree>
 </dsp:drawing>
 </file>
@@ -3597,6 +3775,249 @@
       <dsp:cNvGrpSpPr/>
     </dsp:nvGrpSpPr>
     <dsp:grpSpPr/>
+    <dsp:sp modelId="{72FDA17E-A2C1-43D3-A4E1-1CCB22023E04}">
+      <dsp:nvSpPr>
+        <dsp:cNvPr id="0" name=""/>
+        <dsp:cNvSpPr/>
+      </dsp:nvSpPr>
+      <dsp:spPr>
+        <a:xfrm>
+          <a:off x="3720" y="120588"/>
+          <a:ext cx="7612558" cy="1691902"/>
+        </a:xfrm>
+        <a:prstGeom prst="rect">
+          <a:avLst/>
+        </a:prstGeom>
+        <a:solidFill>
+          <a:schemeClr val="dk2">
+            <a:hueOff val="0"/>
+            <a:satOff val="0"/>
+            <a:lumOff val="0"/>
+            <a:alphaOff val="0"/>
+          </a:schemeClr>
+        </a:solidFill>
+        <a:ln w="25400" cap="flat" cmpd="sng" algn="ctr">
+          <a:solidFill>
+            <a:schemeClr val="dk2">
+              <a:hueOff val="0"/>
+              <a:satOff val="0"/>
+              <a:lumOff val="0"/>
+              <a:alphaOff val="0"/>
+            </a:schemeClr>
+          </a:solidFill>
+          <a:prstDash val="solid"/>
+        </a:ln>
+        <a:effectLst>
+          <a:outerShdw blurRad="40000" dist="20000" dir="5400000" rotWithShape="0">
+            <a:srgbClr val="000000">
+              <a:alpha val="38000"/>
+            </a:srgbClr>
+          </a:outerShdw>
+        </a:effectLst>
+      </dsp:spPr>
+      <dsp:style>
+        <a:lnRef idx="2">
+          <a:scrgbClr r="0" g="0" b="0"/>
+        </a:lnRef>
+        <a:fillRef idx="1">
+          <a:scrgbClr r="0" g="0" b="0"/>
+        </a:fillRef>
+        <a:effectRef idx="1">
+          <a:scrgbClr r="0" g="0" b="0"/>
+        </a:effectRef>
+        <a:fontRef idx="minor">
+          <a:schemeClr val="lt1"/>
+        </a:fontRef>
+      </dsp:style>
+      <dsp:txBody>
+        <a:bodyPr spcFirstLastPara="0" vert="horz" wrap="square" lIns="199136" tIns="113792" rIns="199136" bIns="113792" numCol="1" spcCol="1270" anchor="ctr" anchorCtr="0">
+          <a:noAutofit/>
+        </a:bodyPr>
+        <a:lstStyle/>
+        <a:p>
+          <a:pPr marL="0" lvl="0" indent="0" algn="ctr" defTabSz="1244600" rtl="0">
+            <a:lnSpc>
+              <a:spcPct val="90000"/>
+            </a:lnSpc>
+            <a:spcBef>
+              <a:spcPct val="0"/>
+            </a:spcBef>
+            <a:spcAft>
+              <a:spcPct val="35000"/>
+            </a:spcAft>
+            <a:buNone/>
+          </a:pPr>
+          <a:r>
+            <a:rPr lang="en-US" sz="2800" kern="1200"/>
+            <a:t>State Model</a:t>
+          </a:r>
+          <a:endParaRPr lang="en-US" sz="2800" kern="1200" dirty="0"/>
+        </a:p>
+      </dsp:txBody>
+      <dsp:txXfrm>
+        <a:off x="3720" y="120588"/>
+        <a:ext cx="7612558" cy="1691902"/>
+      </dsp:txXfrm>
+    </dsp:sp>
+    <dsp:sp modelId="{FEF9DB05-B3FA-445F-B399-20783020A49D}">
+      <dsp:nvSpPr>
+        <dsp:cNvPr id="0" name=""/>
+        <dsp:cNvSpPr/>
+      </dsp:nvSpPr>
+      <dsp:spPr>
+        <a:xfrm>
+          <a:off x="3720" y="1524661"/>
+          <a:ext cx="7612558" cy="1981793"/>
+        </a:xfrm>
+        <a:prstGeom prst="rect">
+          <a:avLst/>
+        </a:prstGeom>
+        <a:solidFill>
+          <a:schemeClr val="dk2">
+            <a:alpha val="90000"/>
+            <a:tint val="40000"/>
+            <a:hueOff val="0"/>
+            <a:satOff val="0"/>
+            <a:lumOff val="0"/>
+            <a:alphaOff val="0"/>
+          </a:schemeClr>
+        </a:solidFill>
+        <a:ln w="25400" cap="flat" cmpd="sng" algn="ctr">
+          <a:solidFill>
+            <a:schemeClr val="dk2">
+              <a:alpha val="90000"/>
+              <a:tint val="40000"/>
+              <a:hueOff val="0"/>
+              <a:satOff val="0"/>
+              <a:lumOff val="0"/>
+              <a:alphaOff val="0"/>
+            </a:schemeClr>
+          </a:solidFill>
+          <a:prstDash val="solid"/>
+        </a:ln>
+        <a:effectLst/>
+      </dsp:spPr>
+      <dsp:style>
+        <a:lnRef idx="2">
+          <a:scrgbClr r="0" g="0" b="0"/>
+        </a:lnRef>
+        <a:fillRef idx="1">
+          <a:scrgbClr r="0" g="0" b="0"/>
+        </a:fillRef>
+        <a:effectRef idx="0">
+          <a:scrgbClr r="0" g="0" b="0"/>
+        </a:effectRef>
+        <a:fontRef idx="minor"/>
+      </dsp:style>
+      <dsp:txBody>
+        <a:bodyPr spcFirstLastPara="0" vert="horz" wrap="square" lIns="128016" tIns="128016" rIns="170688" bIns="192024" numCol="1" spcCol="1270" anchor="t" anchorCtr="0">
+          <a:noAutofit/>
+        </a:bodyPr>
+        <a:lstStyle/>
+        <a:p>
+          <a:pPr marL="228600" lvl="1" indent="-228600" algn="l" defTabSz="1066800" rtl="0">
+            <a:lnSpc>
+              <a:spcPct val="90000"/>
+            </a:lnSpc>
+            <a:spcBef>
+              <a:spcPct val="0"/>
+            </a:spcBef>
+            <a:spcAft>
+              <a:spcPct val="15000"/>
+            </a:spcAft>
+            <a:buChar char="•"/>
+          </a:pPr>
+          <a:r>
+            <a:rPr lang="en-US" sz="2400" kern="1200" dirty="0"/>
+            <a:t>Describe aspect of an object that change over time.</a:t>
+          </a:r>
+        </a:p>
+        <a:p>
+          <a:pPr marL="228600" lvl="1" indent="-228600" algn="l" defTabSz="1066800" rtl="0">
+            <a:lnSpc>
+              <a:spcPct val="90000"/>
+            </a:lnSpc>
+            <a:spcBef>
+              <a:spcPct val="0"/>
+            </a:spcBef>
+            <a:spcAft>
+              <a:spcPct val="15000"/>
+            </a:spcAft>
+            <a:buChar char="•"/>
+          </a:pPr>
+          <a:r>
+            <a:rPr lang="en-US" sz="2400" kern="1200" dirty="0"/>
+            <a:t>State model specifies &amp; implement control with state diagram</a:t>
+          </a:r>
+        </a:p>
+        <a:p>
+          <a:pPr marL="228600" lvl="1" indent="-228600" algn="l" defTabSz="1066800" rtl="0">
+            <a:lnSpc>
+              <a:spcPct val="90000"/>
+            </a:lnSpc>
+            <a:spcBef>
+              <a:spcPct val="0"/>
+            </a:spcBef>
+            <a:spcAft>
+              <a:spcPct val="15000"/>
+            </a:spcAft>
+            <a:buChar char="•"/>
+          </a:pPr>
+          <a:r>
+            <a:rPr lang="en-US" sz="2400" kern="1200" dirty="0"/>
+            <a:t>A </a:t>
+          </a:r>
+          <a:r>
+            <a:rPr lang="en-US" sz="2400" u="sng" kern="1200" dirty="0"/>
+            <a:t>state diagram </a:t>
+          </a:r>
+          <a:r>
+            <a:rPr lang="en-US" sz="2400" kern="1200" dirty="0"/>
+            <a:t>is a graph whose</a:t>
+          </a:r>
+        </a:p>
+        <a:p>
+          <a:pPr marL="457200" lvl="2" indent="-228600" algn="l" defTabSz="1066800" rtl="0">
+            <a:lnSpc>
+              <a:spcPct val="90000"/>
+            </a:lnSpc>
+            <a:spcBef>
+              <a:spcPct val="0"/>
+            </a:spcBef>
+            <a:spcAft>
+              <a:spcPct val="15000"/>
+            </a:spcAft>
+            <a:buChar char="•"/>
+          </a:pPr>
+          <a:r>
+            <a:rPr lang="en-US" sz="2400" kern="1200" dirty="0"/>
+            <a:t>Nodes are state</a:t>
+          </a:r>
+        </a:p>
+        <a:p>
+          <a:pPr marL="457200" lvl="2" indent="-228600" algn="l" defTabSz="1066800" rtl="0">
+            <a:lnSpc>
+              <a:spcPct val="90000"/>
+            </a:lnSpc>
+            <a:spcBef>
+              <a:spcPct val="0"/>
+            </a:spcBef>
+            <a:spcAft>
+              <a:spcPct val="15000"/>
+            </a:spcAft>
+            <a:buChar char="•"/>
+          </a:pPr>
+          <a:r>
+            <a:rPr lang="en-US" sz="2400" kern="1200" dirty="0"/>
+            <a:t>Arcs are transitions between state caused by events</a:t>
+          </a:r>
+        </a:p>
+      </dsp:txBody>
+      <dsp:txXfrm>
+        <a:off x="3720" y="1524661"/>
+        <a:ext cx="7612558" cy="1981793"/>
+      </dsp:txXfrm>
+    </dsp:sp>
   </dsp:spTree>
 </dsp:drawing>
 </file>
@@ -3609,6 +4030,214 @@
       <dsp:cNvGrpSpPr/>
     </dsp:nvGrpSpPr>
     <dsp:grpSpPr/>
+    <dsp:sp modelId="{47CD5FE5-9589-4016-A901-4B32151BC3FD}">
+      <dsp:nvSpPr>
+        <dsp:cNvPr id="0" name=""/>
+        <dsp:cNvSpPr/>
+      </dsp:nvSpPr>
+      <dsp:spPr>
+        <a:xfrm>
+          <a:off x="0" y="20464"/>
+          <a:ext cx="7467600" cy="691200"/>
+        </a:xfrm>
+        <a:prstGeom prst="rect">
+          <a:avLst/>
+        </a:prstGeom>
+        <a:solidFill>
+          <a:schemeClr val="dk2">
+            <a:hueOff val="0"/>
+            <a:satOff val="0"/>
+            <a:lumOff val="0"/>
+            <a:alphaOff val="0"/>
+          </a:schemeClr>
+        </a:solidFill>
+        <a:ln w="25400" cap="flat" cmpd="sng" algn="ctr">
+          <a:solidFill>
+            <a:schemeClr val="dk2">
+              <a:hueOff val="0"/>
+              <a:satOff val="0"/>
+              <a:lumOff val="0"/>
+              <a:alphaOff val="0"/>
+            </a:schemeClr>
+          </a:solidFill>
+          <a:prstDash val="solid"/>
+        </a:ln>
+        <a:effectLst/>
+      </dsp:spPr>
+      <dsp:style>
+        <a:lnRef idx="2">
+          <a:scrgbClr r="0" g="0" b="0"/>
+        </a:lnRef>
+        <a:fillRef idx="1">
+          <a:scrgbClr r="0" g="0" b="0"/>
+        </a:fillRef>
+        <a:effectRef idx="0">
+          <a:scrgbClr r="0" g="0" b="0"/>
+        </a:effectRef>
+        <a:fontRef idx="minor">
+          <a:schemeClr val="lt1"/>
+        </a:fontRef>
+      </dsp:style>
+      <dsp:txBody>
+        <a:bodyPr spcFirstLastPara="0" vert="horz" wrap="square" lIns="199136" tIns="113792" rIns="199136" bIns="113792" numCol="1" spcCol="1270" anchor="ctr" anchorCtr="0">
+          <a:noAutofit/>
+        </a:bodyPr>
+        <a:lstStyle/>
+        <a:p>
+          <a:pPr marL="0" lvl="0" indent="0" algn="ctr" defTabSz="1244600">
+            <a:lnSpc>
+              <a:spcPct val="90000"/>
+            </a:lnSpc>
+            <a:spcBef>
+              <a:spcPct val="0"/>
+            </a:spcBef>
+            <a:spcAft>
+              <a:spcPct val="35000"/>
+            </a:spcAft>
+            <a:buNone/>
+          </a:pPr>
+          <a:r>
+            <a:rPr lang="en-US" sz="2800" kern="1200"/>
+            <a:t>Interaction model</a:t>
+          </a:r>
+          <a:endParaRPr lang="en-US" sz="2800" kern="1200" dirty="0"/>
+        </a:p>
+      </dsp:txBody>
+      <dsp:txXfrm>
+        <a:off x="0" y="20464"/>
+        <a:ext cx="7467600" cy="691200"/>
+      </dsp:txXfrm>
+    </dsp:sp>
+    <dsp:sp modelId="{CE161F23-85CB-476F-B89A-DE00B47DF599}">
+      <dsp:nvSpPr>
+        <dsp:cNvPr id="0" name=""/>
+        <dsp:cNvSpPr/>
+      </dsp:nvSpPr>
+      <dsp:spPr>
+        <a:xfrm>
+          <a:off x="0" y="711664"/>
+          <a:ext cx="7467600" cy="2503439"/>
+        </a:xfrm>
+        <a:prstGeom prst="rect">
+          <a:avLst/>
+        </a:prstGeom>
+        <a:solidFill>
+          <a:schemeClr val="dk2">
+            <a:alpha val="90000"/>
+            <a:tint val="40000"/>
+            <a:hueOff val="0"/>
+            <a:satOff val="0"/>
+            <a:lumOff val="0"/>
+            <a:alphaOff val="0"/>
+          </a:schemeClr>
+        </a:solidFill>
+        <a:ln w="25400" cap="flat" cmpd="sng" algn="ctr">
+          <a:solidFill>
+            <a:schemeClr val="dk2">
+              <a:alpha val="90000"/>
+              <a:tint val="40000"/>
+              <a:hueOff val="0"/>
+              <a:satOff val="0"/>
+              <a:lumOff val="0"/>
+              <a:alphaOff val="0"/>
+            </a:schemeClr>
+          </a:solidFill>
+          <a:prstDash val="solid"/>
+        </a:ln>
+        <a:effectLst/>
+      </dsp:spPr>
+      <dsp:style>
+        <a:lnRef idx="2">
+          <a:scrgbClr r="0" g="0" b="0"/>
+        </a:lnRef>
+        <a:fillRef idx="1">
+          <a:scrgbClr r="0" g="0" b="0"/>
+        </a:fillRef>
+        <a:effectRef idx="0">
+          <a:scrgbClr r="0" g="0" b="0"/>
+        </a:effectRef>
+        <a:fontRef idx="minor"/>
+      </dsp:style>
+      <dsp:txBody>
+        <a:bodyPr spcFirstLastPara="0" vert="horz" wrap="square" lIns="128016" tIns="128016" rIns="170688" bIns="192024" numCol="1" spcCol="1270" anchor="t" anchorCtr="0">
+          <a:noAutofit/>
+        </a:bodyPr>
+        <a:lstStyle/>
+        <a:p>
+          <a:pPr marL="228600" lvl="1" indent="-228600" algn="l" defTabSz="1066800">
+            <a:lnSpc>
+              <a:spcPct val="90000"/>
+            </a:lnSpc>
+            <a:spcBef>
+              <a:spcPct val="0"/>
+            </a:spcBef>
+            <a:spcAft>
+              <a:spcPct val="15000"/>
+            </a:spcAft>
+            <a:buChar char="•"/>
+          </a:pPr>
+          <a:r>
+            <a:rPr lang="en-US" sz="2400" kern="1200" dirty="0"/>
+            <a:t>How the objects in a system co-operate to achieve broader results.</a:t>
+          </a:r>
+        </a:p>
+        <a:p>
+          <a:pPr marL="228600" lvl="1" indent="-228600" algn="l" defTabSz="1066800">
+            <a:lnSpc>
+              <a:spcPct val="90000"/>
+            </a:lnSpc>
+            <a:spcBef>
+              <a:spcPct val="0"/>
+            </a:spcBef>
+            <a:spcAft>
+              <a:spcPct val="15000"/>
+            </a:spcAft>
+            <a:buChar char="•"/>
+          </a:pPr>
+          <a:r>
+            <a:rPr lang="en-US" sz="2400" kern="1200" dirty="0"/>
+            <a:t>Interaction model start with</a:t>
+          </a:r>
+        </a:p>
+        <a:p>
+          <a:pPr marL="457200" lvl="2" indent="-228600" algn="l" defTabSz="1066800">
+            <a:lnSpc>
+              <a:spcPct val="90000"/>
+            </a:lnSpc>
+            <a:spcBef>
+              <a:spcPct val="0"/>
+            </a:spcBef>
+            <a:spcAft>
+              <a:spcPct val="15000"/>
+            </a:spcAft>
+            <a:buChar char="•"/>
+          </a:pPr>
+          <a:r>
+            <a:rPr lang="en-US" sz="2400" kern="1200" dirty="0"/>
+            <a:t>Use case that are elaborate into with sequence and activity diagram. </a:t>
+          </a:r>
+        </a:p>
+        <a:p>
+          <a:pPr marL="457200" lvl="2" indent="-228600" algn="l" defTabSz="1066800">
+            <a:lnSpc>
+              <a:spcPct val="90000"/>
+            </a:lnSpc>
+            <a:spcBef>
+              <a:spcPct val="0"/>
+            </a:spcBef>
+            <a:spcAft>
+              <a:spcPct val="15000"/>
+            </a:spcAft>
+            <a:buChar char="•"/>
+          </a:pPr>
+          <a:endParaRPr lang="en-US" sz="2400" kern="1200" dirty="0"/>
+        </a:p>
+      </dsp:txBody>
+      <dsp:txXfrm>
+        <a:off x="0" y="711664"/>
+        <a:ext cx="7467600" cy="2503439"/>
+      </dsp:txXfrm>
+    </dsp:sp>
   </dsp:spTree>
 </dsp:drawing>
 </file>
@@ -7449,7 +8078,7 @@
             <a:fld id="{8D7CDCC5-B07D-4264-B3AD-77EA5977F5B6}" type="datetimeFigureOut">
               <a:rPr lang="en-US" smtClean="0"/>
               <a:pPr/>
-              <a:t>12/14/2020</a:t>
+              <a:t>2/16/2022</a:t>
             </a:fld>
             <a:endParaRPr lang="en-US"/>
           </a:p>
@@ -7525,7 +8154,7 @@
     </p:spTree>
     <p:extLst>
       <p:ext uri="{BB962C8B-B14F-4D97-AF65-F5344CB8AC3E}">
-        <p14:creationId xmlns:p14="http://schemas.microsoft.com/office/powerpoint/2010/main" xmlns="" val="2888857714"/>
+        <p14:creationId xmlns:p14="http://schemas.microsoft.com/office/powerpoint/2010/main" val="2888857714"/>
       </p:ext>
     </p:extLst>
   </p:cSld>
@@ -7616,7 +8245,7 @@
             <a:fld id="{E654B2C3-BC60-47B5-AD60-1279A8AE2537}" type="datetimeFigureOut">
               <a:rPr lang="en-US" smtClean="0"/>
               <a:pPr/>
-              <a:t>12/14/2020</a:t>
+              <a:t>2/16/2022</a:t>
             </a:fld>
             <a:endParaRPr lang="en-US"/>
           </a:p>
@@ -7682,38 +8311,37 @@
           <a:p>
             <a:pPr lvl="0"/>
             <a:r>
-              <a:rPr lang="en-US" smtClean="0"/>
+              <a:rPr lang="en-US"/>
               <a:t>Click to edit Master text styles</a:t>
             </a:r>
           </a:p>
           <a:p>
             <a:pPr lvl="1"/>
             <a:r>
-              <a:rPr lang="en-US" smtClean="0"/>
+              <a:rPr lang="en-US"/>
               <a:t>Second level</a:t>
             </a:r>
           </a:p>
           <a:p>
             <a:pPr lvl="2"/>
             <a:r>
-              <a:rPr lang="en-US" smtClean="0"/>
+              <a:rPr lang="en-US"/>
               <a:t>Third level</a:t>
             </a:r>
           </a:p>
           <a:p>
             <a:pPr lvl="3"/>
             <a:r>
-              <a:rPr lang="en-US" smtClean="0"/>
+              <a:rPr lang="en-US"/>
               <a:t>Fourth level</a:t>
             </a:r>
           </a:p>
           <a:p>
             <a:pPr lvl="4"/>
             <a:r>
-              <a:rPr lang="en-US" smtClean="0"/>
+              <a:rPr lang="en-US"/>
               <a:t>Fifth level</a:t>
             </a:r>
-            <a:endParaRPr lang="en-US"/>
           </a:p>
         </p:txBody>
       </p:sp>
@@ -7787,7 +8415,7 @@
     </p:spTree>
     <p:extLst>
       <p:ext uri="{BB962C8B-B14F-4D97-AF65-F5344CB8AC3E}">
-        <p14:creationId xmlns:p14="http://schemas.microsoft.com/office/powerpoint/2010/main" xmlns="" val="1533721670"/>
+        <p14:creationId xmlns:p14="http://schemas.microsoft.com/office/powerpoint/2010/main" val="1533721670"/>
       </p:ext>
     </p:extLst>
   </p:cSld>
@@ -7923,7 +8551,7 @@
               <a:defRPr/>
             </a:pPr>
             <a:r>
-              <a:rPr lang="en-US" smtClean="0"/>
+              <a:rPr lang="en-US"/>
               <a:t>Prepared By: Ashwin Raiyani</a:t>
             </a:r>
           </a:p>
@@ -7962,7 +8590,7 @@
           <a:lstStyle/>
           <a:p>
             <a:pPr eaLnBrk="1" hangingPunct="1"/>
-            <a:endParaRPr lang="en-US" smtClean="0"/>
+            <a:endParaRPr lang="en-US"/>
           </a:p>
         </p:txBody>
       </p:sp>
@@ -8092,7 +8720,7 @@
               <a:defRPr/>
             </a:pPr>
             <a:r>
-              <a:rPr lang="en-US" smtClean="0"/>
+              <a:rPr lang="en-US"/>
               <a:t>Prepared By: Ashwin Raiyani</a:t>
             </a:r>
           </a:p>
@@ -8131,7 +8759,7 @@
           <a:lstStyle/>
           <a:p>
             <a:pPr eaLnBrk="1" hangingPunct="1"/>
-            <a:endParaRPr lang="en-US" smtClean="0"/>
+            <a:endParaRPr lang="en-US"/>
           </a:p>
         </p:txBody>
       </p:sp>
@@ -8221,7 +8849,7 @@
               <a:pPr>
                 <a:defRPr/>
               </a:pPr>
-              <a:t>12/14/2020</a:t>
+              <a:t>2/16/2022</a:t>
             </a:fld>
             <a:endParaRPr lang="en-US"/>
           </a:p>
@@ -8305,7 +8933,7 @@
     </p:spTree>
     <p:extLst>
       <p:ext uri="{BB962C8B-B14F-4D97-AF65-F5344CB8AC3E}">
-        <p14:creationId xmlns:p14="http://schemas.microsoft.com/office/powerpoint/2010/main" xmlns="" val="2057036847"/>
+        <p14:creationId xmlns:p14="http://schemas.microsoft.com/office/powerpoint/2010/main" val="2057036847"/>
       </p:ext>
     </p:extLst>
   </p:cSld>
@@ -8362,10 +8990,9 @@
           </a:lstStyle>
           <a:p>
             <a:r>
-              <a:rPr lang="en-US" dirty="0" smtClean="0"/>
+              <a:rPr lang="en-US" dirty="0"/>
               <a:t>Click to edit Master title style</a:t>
             </a:r>
-            <a:endParaRPr lang="en-US" dirty="0"/>
           </a:p>
         </p:txBody>
       </p:sp>
@@ -8390,44 +9017,41 @@
         </p:spPr>
         <p:txBody>
           <a:bodyPr/>
-          <a:lstStyle>
-            <a:extLst/>
-          </a:lstStyle>
+          <a:lstStyle/>
           <a:p>
             <a:pPr lvl="0"/>
             <a:r>
-              <a:rPr lang="en-US" smtClean="0"/>
+              <a:rPr lang="en-US"/>
               <a:t>Click to edit Master text styles</a:t>
             </a:r>
           </a:p>
           <a:p>
             <a:pPr lvl="1"/>
             <a:r>
-              <a:rPr lang="en-US" smtClean="0"/>
+              <a:rPr lang="en-US"/>
               <a:t>Second level</a:t>
             </a:r>
           </a:p>
           <a:p>
             <a:pPr lvl="2"/>
             <a:r>
-              <a:rPr lang="en-US" smtClean="0"/>
+              <a:rPr lang="en-US"/>
               <a:t>Third level</a:t>
             </a:r>
           </a:p>
           <a:p>
             <a:pPr lvl="3"/>
             <a:r>
-              <a:rPr lang="en-US" smtClean="0"/>
+              <a:rPr lang="en-US"/>
               <a:t>Fourth level</a:t>
             </a:r>
           </a:p>
           <a:p>
             <a:pPr lvl="4"/>
             <a:r>
-              <a:rPr lang="en-US" smtClean="0"/>
+              <a:rPr lang="en-US"/>
               <a:t>Fifth level</a:t>
             </a:r>
-            <a:endParaRPr lang="en-US"/>
           </a:p>
         </p:txBody>
       </p:sp>
@@ -8466,7 +9090,7 @@
               <a:pPr>
                 <a:defRPr/>
               </a:pPr>
-              <a:t>12/14/2020</a:t>
+              <a:t>2/16/2022</a:t>
             </a:fld>
             <a:endParaRPr lang="en-US"/>
           </a:p>
@@ -8545,7 +9169,7 @@
     </p:spTree>
     <p:extLst>
       <p:ext uri="{BB962C8B-B14F-4D97-AF65-F5344CB8AC3E}">
-        <p14:creationId xmlns:p14="http://schemas.microsoft.com/office/powerpoint/2010/main" xmlns="" val="1876344281"/>
+        <p14:creationId xmlns:p14="http://schemas.microsoft.com/office/powerpoint/2010/main" val="1876344281"/>
       </p:ext>
     </p:extLst>
   </p:cSld>
@@ -8585,15 +9209,12 @@
         <p:spPr/>
         <p:txBody>
           <a:bodyPr/>
-          <a:lstStyle>
-            <a:extLst/>
-          </a:lstStyle>
-          <a:p>
-            <a:r>
-              <a:rPr lang="en-US" smtClean="0"/>
+          <a:lstStyle/>
+          <a:p>
+            <a:r>
+              <a:rPr lang="en-US"/>
               <a:t>Click to edit Master title style</a:t>
             </a:r>
-            <a:endParaRPr lang="en-US"/>
           </a:p>
         </p:txBody>
       </p:sp>
@@ -8651,38 +9272,37 @@
           <a:p>
             <a:pPr lvl="0"/>
             <a:r>
-              <a:rPr lang="en-US" smtClean="0"/>
+              <a:rPr lang="en-US"/>
               <a:t>Click to edit Master text styles</a:t>
             </a:r>
           </a:p>
           <a:p>
             <a:pPr lvl="1"/>
             <a:r>
-              <a:rPr lang="en-US" smtClean="0"/>
+              <a:rPr lang="en-US"/>
               <a:t>Second level</a:t>
             </a:r>
           </a:p>
           <a:p>
             <a:pPr lvl="2"/>
             <a:r>
-              <a:rPr lang="en-US" smtClean="0"/>
+              <a:rPr lang="en-US"/>
               <a:t>Third level</a:t>
             </a:r>
           </a:p>
           <a:p>
             <a:pPr lvl="3"/>
             <a:r>
-              <a:rPr lang="en-US" smtClean="0"/>
+              <a:rPr lang="en-US"/>
               <a:t>Fourth level</a:t>
             </a:r>
           </a:p>
           <a:p>
             <a:pPr lvl="4"/>
             <a:r>
-              <a:rPr lang="en-US" smtClean="0"/>
+              <a:rPr lang="en-US"/>
               <a:t>Fifth level</a:t>
             </a:r>
-            <a:endParaRPr lang="en-US"/>
           </a:p>
         </p:txBody>
       </p:sp>
@@ -8740,38 +9360,37 @@
           <a:p>
             <a:pPr lvl="0"/>
             <a:r>
-              <a:rPr lang="en-US" smtClean="0"/>
+              <a:rPr lang="en-US"/>
               <a:t>Click to edit Master text styles</a:t>
             </a:r>
           </a:p>
           <a:p>
             <a:pPr lvl="1"/>
             <a:r>
-              <a:rPr lang="en-US" smtClean="0"/>
+              <a:rPr lang="en-US"/>
               <a:t>Second level</a:t>
             </a:r>
           </a:p>
           <a:p>
             <a:pPr lvl="2"/>
             <a:r>
-              <a:rPr lang="en-US" smtClean="0"/>
+              <a:rPr lang="en-US"/>
               <a:t>Third level</a:t>
             </a:r>
           </a:p>
           <a:p>
             <a:pPr lvl="3"/>
             <a:r>
-              <a:rPr lang="en-US" smtClean="0"/>
+              <a:rPr lang="en-US"/>
               <a:t>Fourth level</a:t>
             </a:r>
           </a:p>
           <a:p>
             <a:pPr lvl="4"/>
             <a:r>
-              <a:rPr lang="en-US" smtClean="0"/>
+              <a:rPr lang="en-US"/>
               <a:t>Fifth level</a:t>
             </a:r>
-            <a:endParaRPr lang="en-US"/>
           </a:p>
         </p:txBody>
       </p:sp>
@@ -8810,7 +9429,7 @@
               <a:pPr>
                 <a:defRPr/>
               </a:pPr>
-              <a:t>12/14/2020</a:t>
+              <a:t>2/16/2022</a:t>
             </a:fld>
             <a:endParaRPr lang="en-US"/>
           </a:p>
@@ -9159,7 +9778,7 @@
           <a:lstStyle/>
           <a:p>
             <a:r>
-              <a:rPr lang="en-US" sz="1400" b="1" dirty="0" smtClean="0">
+              <a:rPr lang="en-US" sz="1400" b="1" dirty="0">
                 <a:solidFill>
                   <a:srgbClr val="FFFFFF"/>
                 </a:solidFill>
@@ -9168,7 +9787,7 @@
               <a:t>Prepared</a:t>
             </a:r>
             <a:r>
-              <a:rPr lang="en-US" sz="1400" b="1" baseline="0" dirty="0" smtClean="0">
+              <a:rPr lang="en-US" sz="1400" b="1" baseline="0" dirty="0">
                 <a:solidFill>
                   <a:srgbClr val="FFFFFF"/>
                 </a:solidFill>
@@ -9222,23 +9841,8 @@
                 </a:solidFill>
                 <a:ea typeface="ＭＳ Ｐゴシック" charset="-128"/>
               </a:rPr>
-              <a:t>© RKU </a:t>
-            </a:r>
-            <a:r>
-              <a:rPr lang="en-US" sz="1400" dirty="0" smtClean="0">
-                <a:solidFill>
-                  <a:srgbClr val="FFFFFF"/>
-                </a:solidFill>
-                <a:ea typeface="ＭＳ Ｐゴシック" charset="-128"/>
-              </a:rPr>
-              <a:t>2014</a:t>
-            </a:r>
-            <a:endParaRPr lang="en-US" sz="1400" dirty="0">
-              <a:solidFill>
-                <a:srgbClr val="FFFFFF"/>
-              </a:solidFill>
-              <a:ea typeface="ＭＳ Ｐゴシック" charset="-128"/>
-            </a:endParaRPr>
+              <a:t>© RKU 2014</a:t>
+            </a:r>
           </a:p>
         </p:txBody>
       </p:sp>
@@ -9265,7 +9869,7 @@
           <a:p>
             <a:pPr algn="ctr"/>
             <a:r>
-              <a:rPr lang="en-IN" sz="2400" dirty="0" smtClean="0">
+              <a:rPr lang="en-IN" sz="2400" dirty="0">
                 <a:solidFill>
                   <a:schemeClr val="tx1"/>
                 </a:solidFill>
@@ -9276,7 +9880,7 @@
           <a:p>
             <a:pPr algn="ctr"/>
             <a:r>
-              <a:rPr lang="en-IN" sz="2400" dirty="0" smtClean="0">
+              <a:rPr lang="en-IN" sz="2400" dirty="0">
                 <a:solidFill>
                   <a:schemeClr val="tx1"/>
                 </a:solidFill>
@@ -9284,14 +9888,14 @@
               <a:t>Process</a:t>
             </a:r>
             <a:r>
-              <a:rPr lang="en-IN" sz="2400" baseline="0" dirty="0" smtClean="0">
+              <a:rPr lang="en-IN" sz="2400" baseline="0" dirty="0">
                 <a:solidFill>
                   <a:schemeClr val="tx1"/>
                 </a:solidFill>
               </a:rPr>
               <a:t> overview</a:t>
             </a:r>
-            <a:endParaRPr lang="en-IN" sz="2400" dirty="0" smtClean="0">
+            <a:endParaRPr lang="en-IN" sz="2400" dirty="0">
               <a:solidFill>
                 <a:schemeClr val="tx1"/>
               </a:solidFill>
@@ -9636,7 +10240,7 @@
               <a:buNone/>
             </a:pPr>
             <a:r>
-              <a:rPr lang="en-US" sz="4400" b="1" smtClean="0">
+              <a:rPr lang="en-US" sz="4400" b="1">
                 <a:latin typeface="Calibri" pitchFamily="34" charset="0"/>
               </a:rPr>
               <a:t>Chapter 13</a:t>
@@ -9647,7 +10251,7 @@
               <a:buFont typeface="Wingdings 2" pitchFamily="18" charset="2"/>
               <a:buNone/>
             </a:pPr>
-            <a:endParaRPr lang="en-US" sz="4400" b="1" smtClean="0">
+            <a:endParaRPr lang="en-US" sz="4400" b="1">
               <a:latin typeface="Calibri" pitchFamily="34" charset="0"/>
             </a:endParaRPr>
           </a:p>
@@ -9656,7 +10260,7 @@
               <a:buFont typeface="Wingdings 2" pitchFamily="18" charset="2"/>
               <a:buNone/>
             </a:pPr>
-            <a:endParaRPr lang="en-US" sz="4400" b="1" smtClean="0">
+            <a:endParaRPr lang="en-US" sz="4400" b="1">
               <a:latin typeface="Calibri" pitchFamily="34" charset="0"/>
             </a:endParaRPr>
           </a:p>
@@ -9666,7 +10270,7 @@
               <a:buNone/>
             </a:pPr>
             <a:r>
-              <a:rPr lang="en-US" sz="6600" b="1" smtClean="0">
+              <a:rPr lang="en-US" sz="6600" b="1">
                 <a:latin typeface="Calibri" pitchFamily="34" charset="0"/>
               </a:rPr>
               <a:t>Application Analysis</a:t>
@@ -9679,13 +10283,6 @@
   <p:clrMapOvr>
     <a:masterClrMapping/>
   </p:clrMapOvr>
-  <p:timing>
-    <p:tnLst>
-      <p:par>
-        <p:cTn id="1" dur="indefinite" restart="never" nodeType="tmRoot"/>
-      </p:par>
-    </p:tnLst>
-  </p:timing>
 </p:sld>
 </file>
 
@@ -9722,39 +10319,39 @@
           <a:lstStyle/>
           <a:p>
             <a:r>
-              <a:rPr lang="en-US" smtClean="0"/>
+              <a:rPr lang="en-US"/>
               <a:t>Keep similar level of detail for use cases</a:t>
             </a:r>
           </a:p>
           <a:p>
             <a:pPr lvl="1"/>
             <a:r>
-              <a:rPr lang="en-US" smtClean="0"/>
+              <a:rPr lang="en-US"/>
               <a:t>“Apply for loan”</a:t>
             </a:r>
           </a:p>
           <a:p>
             <a:pPr lvl="1"/>
             <a:r>
-              <a:rPr lang="en-US" smtClean="0"/>
+              <a:rPr lang="en-US"/>
               <a:t>It should not be “Withdraw cash from saving account using ATM” . Restate with “Make Withdrawal”</a:t>
             </a:r>
           </a:p>
           <a:p>
             <a:r>
-              <a:rPr lang="en-US" smtClean="0"/>
+              <a:rPr lang="en-US"/>
               <a:t>Now draw preliminary use case diagram. </a:t>
             </a:r>
           </a:p>
           <a:p>
             <a:r>
-              <a:rPr lang="en-US" smtClean="0"/>
+              <a:rPr lang="en-US"/>
               <a:t>Show actors and use cases, connect actors to use cases.</a:t>
             </a:r>
           </a:p>
           <a:p>
             <a:r>
-              <a:rPr lang="en-US" smtClean="0"/>
+              <a:rPr lang="en-US"/>
               <a:t>Usually, you can associate a use case with the actor that initiates it.</a:t>
             </a:r>
           </a:p>
@@ -9894,7 +10491,7 @@
           </a:bodyPr>
           <a:lstStyle/>
           <a:p>
-            <a:endParaRPr lang="en-IN" smtClean="0"/>
+            <a:endParaRPr lang="en-IN"/>
           </a:p>
         </p:txBody>
       </p:sp>
@@ -9957,13 +10554,6 @@
   <p:clrMapOvr>
     <a:masterClrMapping/>
   </p:clrMapOvr>
-  <p:timing>
-    <p:tnLst>
-      <p:par>
-        <p:cTn id="1" dur="indefinite" restart="never" nodeType="tmRoot"/>
-      </p:par>
-    </p:tnLst>
-  </p:timing>
 </p:sld>
 </file>
 
@@ -10004,30 +10594,30 @@
               <a:buNone/>
             </a:pPr>
             <a:r>
-              <a:rPr lang="en-US" b="1" u="sng" smtClean="0"/>
+              <a:rPr lang="en-US" b="1" u="sng"/>
               <a:t>9.Testing Access Paths</a:t>
             </a:r>
           </a:p>
           <a:p>
             <a:r>
-              <a:rPr lang="en-US" smtClean="0"/>
+              <a:rPr lang="en-US"/>
               <a:t>Verify that access paths exist for likely queries.</a:t>
             </a:r>
           </a:p>
           <a:p>
             <a:r>
-              <a:rPr lang="en-US" smtClean="0"/>
+              <a:rPr lang="en-US"/>
               <a:t>Trace access paths through the class model to see if they yield sensible results. </a:t>
             </a:r>
           </a:p>
           <a:p>
             <a:r>
-              <a:rPr lang="en-US" smtClean="0"/>
+              <a:rPr lang="en-US"/>
               <a:t>Make sure you have not overlooked any associations. </a:t>
             </a:r>
           </a:p>
           <a:p>
-            <a:endParaRPr lang="en-US" smtClean="0"/>
+            <a:endParaRPr lang="en-US"/>
           </a:p>
         </p:txBody>
       </p:sp>
@@ -10112,13 +10702,6 @@
   <p:clrMapOvr>
     <a:masterClrMapping/>
   </p:clrMapOvr>
-  <p:timing>
-    <p:tnLst>
-      <p:par>
-        <p:cTn id="1" dur="indefinite" restart="never" nodeType="tmRoot"/>
-      </p:par>
-    </p:tnLst>
-  </p:timing>
 </p:sld>
 </file>
 
@@ -10159,51 +10742,51 @@
               <a:buNone/>
             </a:pPr>
             <a:r>
-              <a:rPr lang="en-US" u="sng" smtClean="0"/>
+              <a:rPr lang="en-US" u="sng"/>
               <a:t>10. Iterating a Class model</a:t>
             </a:r>
           </a:p>
           <a:p>
             <a:r>
-              <a:rPr lang="en-US" smtClean="0"/>
+              <a:rPr lang="en-US"/>
               <a:t>A class model is rarely correct after a single pass.</a:t>
             </a:r>
           </a:p>
           <a:p>
             <a:r>
-              <a:rPr lang="en-US" smtClean="0"/>
+              <a:rPr lang="en-US"/>
               <a:t>If you find any deficiency, go back to an earlier stage if necessary to correct it. So iterate and refine the model. </a:t>
             </a:r>
           </a:p>
           <a:p>
             <a:r>
-              <a:rPr lang="en-US" smtClean="0"/>
+              <a:rPr lang="en-US"/>
               <a:t>There are some sing of missing classes.</a:t>
             </a:r>
           </a:p>
           <a:p>
             <a:pPr lvl="1"/>
             <a:r>
-              <a:rPr lang="en-US" smtClean="0"/>
+              <a:rPr lang="en-US"/>
               <a:t>Asymmetries in association and generalization.</a:t>
             </a:r>
           </a:p>
           <a:p>
             <a:pPr lvl="1"/>
             <a:r>
-              <a:rPr lang="en-US" smtClean="0"/>
+              <a:rPr lang="en-US"/>
               <a:t>Disparate attributes and operation on a class.</a:t>
             </a:r>
           </a:p>
           <a:p>
             <a:pPr lvl="1"/>
             <a:r>
-              <a:rPr lang="en-US" smtClean="0"/>
+              <a:rPr lang="en-US"/>
               <a:t>Difficulty in generalizing cleanly.</a:t>
             </a:r>
           </a:p>
           <a:p>
-            <a:endParaRPr lang="en-US" smtClean="0"/>
+            <a:endParaRPr lang="en-US"/>
           </a:p>
         </p:txBody>
       </p:sp>
@@ -10288,13 +10871,6 @@
   <p:clrMapOvr>
     <a:masterClrMapping/>
   </p:clrMapOvr>
-  <p:timing>
-    <p:tnLst>
-      <p:par>
-        <p:cTn id="1" dur="indefinite" restart="never" nodeType="tmRoot"/>
-      </p:par>
-    </p:tnLst>
-  </p:timing>
 </p:sld>
 </file>
 
@@ -10337,52 +10913,52 @@
           <a:p>
             <a:pPr lvl="1"/>
             <a:r>
-              <a:rPr lang="en-US" smtClean="0"/>
+              <a:rPr lang="en-US"/>
               <a:t>Duplicate association with same name and purpose.</a:t>
             </a:r>
           </a:p>
           <a:p>
             <a:pPr lvl="1"/>
             <a:r>
-              <a:rPr lang="en-US" smtClean="0"/>
+              <a:rPr lang="en-US"/>
               <a:t>A role that substantially shapes the semantics of a class. Ex. It mean converting association into a class. </a:t>
             </a:r>
           </a:p>
           <a:p>
             <a:r>
-              <a:rPr lang="en-US" smtClean="0"/>
+              <a:rPr lang="en-US"/>
               <a:t>Look out for missing associations</a:t>
             </a:r>
           </a:p>
           <a:p>
             <a:pPr lvl="1"/>
             <a:r>
-              <a:rPr lang="en-US" smtClean="0"/>
+              <a:rPr lang="en-US"/>
               <a:t>Missing access paths for operations</a:t>
             </a:r>
           </a:p>
           <a:p>
             <a:pPr lvl="1"/>
             <a:r>
-              <a:rPr lang="en-US" smtClean="0"/>
+              <a:rPr lang="en-US"/>
               <a:t>Lack of attributes, operations and association on a class.</a:t>
             </a:r>
           </a:p>
           <a:p>
             <a:pPr lvl="1"/>
             <a:r>
-              <a:rPr lang="en-US" smtClean="0"/>
+              <a:rPr lang="en-US"/>
               <a:t>Redundant information:</a:t>
             </a:r>
           </a:p>
           <a:p>
             <a:r>
-              <a:rPr lang="en-US" sz="2800" smtClean="0"/>
+              <a:rPr lang="en-US" sz="2800"/>
               <a:t>Adjust the placement of attributes and associations</a:t>
             </a:r>
           </a:p>
           <a:p>
-            <a:endParaRPr lang="en-US" sz="2800" smtClean="0"/>
+            <a:endParaRPr lang="en-US" sz="2800"/>
           </a:p>
         </p:txBody>
       </p:sp>
@@ -10467,13 +11043,6 @@
   <p:clrMapOvr>
     <a:masterClrMapping/>
   </p:clrMapOvr>
-  <p:timing>
-    <p:tnLst>
-      <p:par>
-        <p:cTn id="1" dur="indefinite" restart="never" nodeType="tmRoot"/>
-      </p:par>
-    </p:tnLst>
-  </p:timing>
 </p:sld>
 </file>
 
@@ -10527,7 +11096,7 @@
           </a:bodyPr>
           <a:lstStyle/>
           <a:p>
-            <a:endParaRPr lang="en-US" smtClean="0"/>
+            <a:endParaRPr lang="en-US"/>
           </a:p>
         </p:txBody>
       </p:sp>
@@ -10590,13 +11159,6 @@
   <p:clrMapOvr>
     <a:masterClrMapping/>
   </p:clrMapOvr>
-  <p:timing>
-    <p:tnLst>
-      <p:par>
-        <p:cTn id="1" dur="indefinite" restart="never" nodeType="tmRoot"/>
-      </p:par>
-    </p:tnLst>
-  </p:timing>
 </p:sld>
 </file>
 
@@ -10637,32 +11199,32 @@
               <a:buNone/>
             </a:pPr>
             <a:r>
-              <a:rPr lang="en-US" u="sng" smtClean="0"/>
+              <a:rPr lang="en-US" u="sng"/>
               <a:t>11.Shifting the level of abstraction</a:t>
             </a:r>
           </a:p>
           <a:p>
             <a:r>
-              <a:rPr lang="en-US" smtClean="0"/>
+              <a:rPr lang="en-US"/>
               <a:t>Abstraction makes a model more complex but can increase flexibility and reduce the number of classes.</a:t>
             </a:r>
           </a:p>
           <a:p>
             <a:r>
-              <a:rPr lang="en-US" smtClean="0"/>
+              <a:rPr lang="en-US"/>
               <a:t>In case of abstraction, we need to think in terms of pattern.</a:t>
             </a:r>
           </a:p>
           <a:p>
             <a:r>
-              <a:rPr lang="en-US" smtClean="0"/>
+              <a:rPr lang="en-US"/>
               <a:t>A pattern distills the knowledge of experts and provide a proven solutions to a general problem.</a:t>
             </a:r>
           </a:p>
           <a:p>
             <a:pPr lvl="1"/>
             <a:r>
-              <a:rPr lang="en-US" smtClean="0"/>
+              <a:rPr lang="en-US"/>
               <a:t>Ex. Management hierarchy.</a:t>
             </a:r>
           </a:p>
@@ -10749,13 +11311,6 @@
   <p:clrMapOvr>
     <a:masterClrMapping/>
   </p:clrMapOvr>
-  <p:timing>
-    <p:tnLst>
-      <p:par>
-        <p:cTn id="1" dur="indefinite" restart="never" nodeType="tmRoot"/>
-      </p:par>
-    </p:tnLst>
-  </p:timing>
 </p:sld>
 </file>
 
@@ -10882,13 +11437,6 @@
   <p:clrMapOvr>
     <a:masterClrMapping/>
   </p:clrMapOvr>
-  <p:timing>
-    <p:tnLst>
-      <p:par>
-        <p:cTn id="1" dur="indefinite" restart="never" nodeType="tmRoot"/>
-      </p:par>
-    </p:tnLst>
-  </p:timing>
 </p:sld>
 </file>
 
@@ -10929,30 +11477,30 @@
               <a:buNone/>
             </a:pPr>
             <a:r>
-              <a:rPr lang="en-US" u="sng" smtClean="0"/>
+              <a:rPr lang="en-US" u="sng"/>
               <a:t>12.Group classes into packages.</a:t>
             </a:r>
           </a:p>
           <a:p>
             <a:r>
-              <a:rPr lang="en-US" smtClean="0"/>
+              <a:rPr lang="en-US"/>
               <a:t>The last step of class modeling is to group classes into packages. </a:t>
             </a:r>
           </a:p>
           <a:p>
             <a:r>
-              <a:rPr lang="en-US" smtClean="0"/>
+              <a:rPr lang="en-US"/>
               <a:t>A package is a group of elements(classes, association, generalizations and  lesser packages) with common theme.</a:t>
             </a:r>
           </a:p>
           <a:p>
             <a:r>
-              <a:rPr lang="en-US" smtClean="0"/>
+              <a:rPr lang="en-US"/>
               <a:t>When you place classes and association in a package, you are making semantic statement.</a:t>
             </a:r>
           </a:p>
           <a:p>
-            <a:endParaRPr lang="en-US" smtClean="0"/>
+            <a:endParaRPr lang="en-US"/>
           </a:p>
         </p:txBody>
       </p:sp>
@@ -11037,13 +11585,6 @@
   <p:clrMapOvr>
     <a:masterClrMapping/>
   </p:clrMapOvr>
-  <p:timing>
-    <p:tnLst>
-      <p:par>
-        <p:cTn id="1" dur="indefinite" restart="never" nodeType="tmRoot"/>
-      </p:par>
-    </p:tnLst>
-  </p:timing>
 </p:sld>
 </file>
 
@@ -11080,34 +11621,34 @@
           <a:lstStyle/>
           <a:p>
             <a:r>
-              <a:rPr lang="en-US" smtClean="0"/>
+              <a:rPr lang="en-US"/>
               <a:t>Therefore, package might be:</a:t>
             </a:r>
           </a:p>
           <a:p>
             <a:pPr lvl="1"/>
             <a:r>
-              <a:rPr lang="en-US" smtClean="0"/>
+              <a:rPr lang="en-US"/>
               <a:t>Tellers – Cashier, Entry Station, Cashier Station, ATM</a:t>
             </a:r>
           </a:p>
           <a:p>
             <a:pPr lvl="1"/>
             <a:r>
-              <a:rPr lang="en-US" smtClean="0"/>
+              <a:rPr lang="en-US"/>
               <a:t>Accounts – Account, cash card, card authorization, customer, transactions, update, cashier transaction, remote transaction.</a:t>
             </a:r>
           </a:p>
           <a:p>
             <a:pPr lvl="1"/>
             <a:r>
-              <a:rPr lang="en-US" smtClean="0"/>
+              <a:rPr lang="en-US"/>
               <a:t>Bank- consortium, bank</a:t>
             </a:r>
           </a:p>
           <a:p>
             <a:r>
-              <a:rPr lang="en-US" smtClean="0"/>
+              <a:rPr lang="en-US"/>
               <a:t>Each package can add details to it.</a:t>
             </a:r>
           </a:p>
@@ -11230,42 +11771,42 @@
           <a:lstStyle/>
           <a:p>
             <a:r>
-              <a:rPr lang="en-US" smtClean="0"/>
+              <a:rPr lang="en-US"/>
               <a:t>The Following steps are performed in constructing a domain state model</a:t>
             </a:r>
           </a:p>
           <a:p>
             <a:pPr lvl="1"/>
             <a:r>
-              <a:rPr lang="en-US" smtClean="0"/>
+              <a:rPr lang="en-US"/>
               <a:t>Identifying classes with states </a:t>
             </a:r>
           </a:p>
           <a:p>
             <a:pPr lvl="1"/>
             <a:r>
-              <a:rPr lang="en-US" smtClean="0"/>
+              <a:rPr lang="en-US"/>
               <a:t>Finding states </a:t>
             </a:r>
           </a:p>
           <a:p>
             <a:pPr lvl="1"/>
             <a:r>
-              <a:rPr lang="en-US" smtClean="0"/>
+              <a:rPr lang="en-US"/>
               <a:t>Finding Events </a:t>
             </a:r>
           </a:p>
           <a:p>
             <a:pPr lvl="1"/>
             <a:r>
-              <a:rPr lang="en-US" smtClean="0"/>
+              <a:rPr lang="en-US"/>
               <a:t>Building state diagrams </a:t>
             </a:r>
           </a:p>
           <a:p>
             <a:pPr lvl="1"/>
             <a:r>
-              <a:rPr lang="en-US" smtClean="0"/>
+              <a:rPr lang="en-US"/>
               <a:t>Evaluating state diagrams </a:t>
             </a:r>
           </a:p>
@@ -11388,12 +11929,12 @@
           <a:lstStyle/>
           <a:p>
             <a:r>
-              <a:rPr lang="en-US" smtClean="0"/>
+              <a:rPr lang="en-US"/>
               <a:t>You should also write a one or more sentence for each use case.</a:t>
             </a:r>
           </a:p>
           <a:p>
-            <a:endParaRPr lang="en-US" smtClean="0"/>
+            <a:endParaRPr lang="en-US"/>
           </a:p>
         </p:txBody>
       </p:sp>
@@ -11550,61 +12091,61 @@
               <a:buNone/>
             </a:pPr>
             <a:r>
-              <a:rPr lang="en-US" u="sng" smtClean="0"/>
+              <a:rPr lang="en-US" u="sng"/>
               <a:t>1. Identifying Classes with states</a:t>
             </a:r>
           </a:p>
           <a:p>
             <a:r>
-              <a:rPr lang="en-US" smtClean="0"/>
+              <a:rPr lang="en-US"/>
               <a:t>Study list of domain classes.</a:t>
             </a:r>
           </a:p>
           <a:p>
             <a:r>
-              <a:rPr lang="en-US" smtClean="0"/>
+              <a:rPr lang="en-US"/>
               <a:t>Look for classes that can be characterized by a </a:t>
             </a:r>
             <a:r>
-              <a:rPr lang="en-US" i="1" smtClean="0"/>
+              <a:rPr lang="en-US" i="1"/>
               <a:t>progressive history or represent cyclic behavior</a:t>
             </a:r>
             <a:r>
-              <a:rPr lang="en-US" smtClean="0"/>
+              <a:rPr lang="en-US"/>
               <a:t>. </a:t>
             </a:r>
           </a:p>
           <a:p>
             <a:r>
-              <a:rPr lang="en-US" smtClean="0"/>
+              <a:rPr lang="en-US"/>
               <a:t>Identify significant states in the life cycle of an Object. Not every state occurs in every cycle.</a:t>
             </a:r>
           </a:p>
           <a:p>
             <a:pPr lvl="1"/>
             <a:r>
-              <a:rPr lang="en-US" smtClean="0"/>
+              <a:rPr lang="en-US"/>
               <a:t>ATM Example, </a:t>
             </a:r>
             <a:r>
-              <a:rPr lang="en-US" i="1" smtClean="0"/>
+              <a:rPr lang="en-US" i="1"/>
               <a:t>Account</a:t>
             </a:r>
             <a:r>
-              <a:rPr lang="en-US" smtClean="0"/>
+              <a:rPr lang="en-US"/>
               <a:t> is appropriate behavior for ATM. Life cycle of </a:t>
             </a:r>
             <a:r>
-              <a:rPr lang="en-US" i="1" smtClean="0"/>
+              <a:rPr lang="en-US" i="1"/>
               <a:t>Account</a:t>
             </a:r>
             <a:r>
-              <a:rPr lang="en-US" smtClean="0"/>
+              <a:rPr lang="en-US"/>
               <a:t> is progressive and cycling to and from problem states. 	</a:t>
             </a:r>
           </a:p>
           <a:p>
-            <a:endParaRPr lang="en-US" smtClean="0"/>
+            <a:endParaRPr lang="en-US"/>
           </a:p>
         </p:txBody>
       </p:sp>
@@ -11729,54 +12270,54 @@
               <a:buNone/>
             </a:pPr>
             <a:r>
-              <a:rPr lang="en-US" sz="4000" u="sng" smtClean="0"/>
+              <a:rPr lang="en-US" sz="4000" u="sng"/>
               <a:t>Finding States</a:t>
             </a:r>
           </a:p>
           <a:p>
             <a:r>
-              <a:rPr lang="en-US" smtClean="0"/>
+              <a:rPr lang="en-US"/>
               <a:t>List the state for each class.</a:t>
             </a:r>
           </a:p>
           <a:p>
             <a:r>
-              <a:rPr lang="en-US" smtClean="0"/>
+              <a:rPr lang="en-US"/>
               <a:t>Characterized the object by their</a:t>
             </a:r>
           </a:p>
           <a:p>
             <a:pPr lvl="1"/>
             <a:r>
-              <a:rPr lang="en-US" smtClean="0"/>
+              <a:rPr lang="en-US"/>
               <a:t>Attributes Values</a:t>
             </a:r>
           </a:p>
           <a:p>
             <a:pPr lvl="1"/>
             <a:r>
-              <a:rPr lang="en-US" smtClean="0"/>
+              <a:rPr lang="en-US"/>
               <a:t>Associations that may participants </a:t>
             </a:r>
           </a:p>
           <a:p>
             <a:pPr lvl="1"/>
             <a:r>
-              <a:rPr lang="en-US" smtClean="0"/>
+              <a:rPr lang="en-US"/>
               <a:t>Attributes and association that are meaningful in certain states only.</a:t>
             </a:r>
           </a:p>
           <a:p>
             <a:r>
-              <a:rPr lang="en-US" smtClean="0"/>
+              <a:rPr lang="en-US"/>
               <a:t>Avoid names that indicate how the state came.</a:t>
             </a:r>
           </a:p>
           <a:p>
-            <a:endParaRPr lang="en-US" smtClean="0"/>
-          </a:p>
-          <a:p>
-            <a:endParaRPr lang="en-US" smtClean="0"/>
+            <a:endParaRPr lang="en-US"/>
+          </a:p>
+          <a:p>
+            <a:endParaRPr lang="en-US"/>
           </a:p>
         </p:txBody>
       </p:sp>
@@ -11897,41 +12438,41 @@
           <a:lstStyle/>
           <a:p>
             <a:r>
-              <a:rPr lang="en-US" smtClean="0"/>
+              <a:rPr lang="en-US"/>
               <a:t>By looking at events and considering transitions among states, missing states will become clear.</a:t>
             </a:r>
           </a:p>
           <a:p>
             <a:r>
-              <a:rPr lang="en-US" smtClean="0"/>
+              <a:rPr lang="en-US"/>
               <a:t>Ex. Some states for Account</a:t>
             </a:r>
           </a:p>
           <a:p>
             <a:pPr lvl="1"/>
             <a:r>
-              <a:rPr lang="en-US" smtClean="0"/>
+              <a:rPr lang="en-US"/>
               <a:t>Normal (Normal access)</a:t>
             </a:r>
           </a:p>
           <a:p>
             <a:pPr lvl="1"/>
             <a:r>
-              <a:rPr lang="en-US" smtClean="0"/>
+              <a:rPr lang="en-US"/>
               <a:t>Closed ( Closed by customer)</a:t>
             </a:r>
           </a:p>
           <a:p>
             <a:pPr lvl="1"/>
             <a:r>
-              <a:rPr lang="en-US" smtClean="0"/>
+              <a:rPr lang="en-US"/>
               <a:t>Overdrawn ( withdrawal exceeds the balance)</a:t>
             </a:r>
           </a:p>
           <a:p>
             <a:pPr lvl="1"/>
             <a:r>
-              <a:rPr lang="en-US" smtClean="0"/>
+              <a:rPr lang="en-US"/>
               <a:t>Suspended ( blocked for some reason)</a:t>
             </a:r>
           </a:p>
@@ -12048,7 +12589,12 @@
             <p:ph idx="1"/>
           </p:nvPr>
         </p:nvSpPr>
-        <p:spPr/>
+        <p:spPr>
+          <a:xfrm>
+            <a:off x="438150" y="1116012"/>
+            <a:ext cx="8229600" cy="4625975"/>
+          </a:xfrm>
+        </p:spPr>
         <p:txBody>
           <a:bodyPr/>
           <a:lstStyle/>
@@ -12058,47 +12604,47 @@
               <a:buNone/>
             </a:pPr>
             <a:r>
-              <a:rPr lang="en-US" b="1" u="sng" smtClean="0"/>
+              <a:rPr lang="en-US" b="1" u="sng" dirty="0"/>
               <a:t>Finding Events</a:t>
             </a:r>
           </a:p>
           <a:p>
             <a:r>
-              <a:rPr lang="en-US" smtClean="0"/>
+              <a:rPr lang="en-US" dirty="0"/>
               <a:t>Now find events that cause transitions among states.</a:t>
             </a:r>
           </a:p>
           <a:p>
             <a:r>
-              <a:rPr lang="en-US" smtClean="0"/>
+              <a:rPr lang="en-US" dirty="0"/>
               <a:t>Think about stimuli (input) that cause a state to change.</a:t>
             </a:r>
           </a:p>
           <a:p>
             <a:r>
-              <a:rPr lang="en-US" smtClean="0"/>
+              <a:rPr lang="en-US" dirty="0"/>
               <a:t>Find other events that takes object into a specific states</a:t>
             </a:r>
           </a:p>
           <a:p>
             <a:pPr lvl="1"/>
             <a:r>
-              <a:rPr lang="en-US" smtClean="0"/>
+              <a:rPr lang="en-US" dirty="0"/>
               <a:t>Ex. Pickup receiver on telephone, it enters into </a:t>
             </a:r>
             <a:r>
-              <a:rPr lang="en-US" i="1" smtClean="0"/>
+              <a:rPr lang="en-US" i="1" dirty="0"/>
               <a:t>Dialing</a:t>
             </a:r>
             <a:r>
-              <a:rPr lang="en-US" smtClean="0"/>
+              <a:rPr lang="en-US" dirty="0"/>
               <a:t> State.</a:t>
             </a:r>
           </a:p>
           <a:p>
             <a:pPr lvl="1"/>
             <a:r>
-              <a:rPr lang="en-US" smtClean="0"/>
+              <a:rPr lang="en-US" dirty="0"/>
               <a:t>But many telephone has pushbuttons that invoke specific functions. </a:t>
             </a:r>
           </a:p>
@@ -12221,27 +12767,27 @@
           <a:lstStyle/>
           <a:p>
             <a:r>
-              <a:rPr lang="en-US" smtClean="0"/>
+              <a:rPr lang="en-US"/>
               <a:t>So there are some additional event that occur within a state and don’t cause a transitions.</a:t>
             </a:r>
           </a:p>
           <a:p>
             <a:r>
-              <a:rPr lang="en-US" smtClean="0"/>
+              <a:rPr lang="en-US"/>
               <a:t>For Domain State model, make </a:t>
             </a:r>
             <a:r>
-              <a:rPr lang="en-US" i="1" smtClean="0"/>
+              <a:rPr lang="en-US" i="1"/>
               <a:t>focus on events that cause transition among states.</a:t>
             </a:r>
           </a:p>
           <a:p>
             <a:r>
-              <a:rPr lang="en-US" smtClean="0"/>
+              <a:rPr lang="en-US"/>
               <a:t>Ex. Event includes: </a:t>
             </a:r>
             <a:r>
-              <a:rPr lang="en-US" i="1" smtClean="0"/>
+              <a:rPr lang="en-US" i="1"/>
               <a:t>close account, withdraw excess funds, repeated incorrect PIN, suspected fraud and Administrative action.</a:t>
             </a:r>
           </a:p>
@@ -12250,7 +12796,7 @@
               <a:buFont typeface="Wingdings 2" pitchFamily="18" charset="2"/>
               <a:buNone/>
             </a:pPr>
-            <a:endParaRPr lang="en-US" smtClean="0"/>
+            <a:endParaRPr lang="en-US"/>
           </a:p>
         </p:txBody>
       </p:sp>
@@ -12375,26 +12921,26 @@
               <a:buNone/>
             </a:pPr>
             <a:r>
-              <a:rPr lang="en-US" sz="3600" u="sng" smtClean="0"/>
+              <a:rPr lang="en-US" sz="3600" u="sng"/>
               <a:t>Building State diagrams</a:t>
             </a:r>
-            <a:endParaRPr lang="en-US" u="sng" smtClean="0"/>
-          </a:p>
-          <a:p>
-            <a:r>
-              <a:rPr lang="en-US" smtClean="0"/>
+            <a:endParaRPr lang="en-US" u="sng"/>
+          </a:p>
+          <a:p>
+            <a:r>
+              <a:rPr lang="en-US"/>
               <a:t>Determine for which state, each event applies.</a:t>
             </a:r>
           </a:p>
           <a:p>
             <a:r>
-              <a:rPr lang="en-US" smtClean="0"/>
+              <a:rPr lang="en-US"/>
               <a:t>Add transitions to show the change in state caused by the occurrence of an event when an object is in particular state. </a:t>
             </a:r>
           </a:p>
           <a:p>
             <a:r>
-              <a:rPr lang="en-US" smtClean="0"/>
+              <a:rPr lang="en-US"/>
               <a:t>Once you have specified the transitions, check does it represent an error or not? If yes then add transitions to error state. </a:t>
             </a:r>
           </a:p>
@@ -12637,7 +13183,12 @@
             <p:ph idx="1"/>
           </p:nvPr>
         </p:nvSpPr>
-        <p:spPr/>
+        <p:spPr>
+          <a:xfrm>
+            <a:off x="457200" y="1116012"/>
+            <a:ext cx="8229600" cy="4625975"/>
+          </a:xfrm>
+        </p:spPr>
         <p:txBody>
           <a:bodyPr/>
           <a:lstStyle/>
@@ -12647,43 +13198,43 @@
               <a:buNone/>
             </a:pPr>
             <a:r>
-              <a:rPr lang="en-US" sz="3600" u="sng" smtClean="0"/>
+              <a:rPr lang="en-US" sz="3600" u="sng" dirty="0"/>
               <a:t>Evaluating State Diagram</a:t>
             </a:r>
           </a:p>
           <a:p>
             <a:r>
-              <a:rPr lang="en-US" smtClean="0"/>
+              <a:rPr lang="en-US" dirty="0"/>
               <a:t>Examine each state model. Are all states connected? </a:t>
             </a:r>
           </a:p>
           <a:p>
             <a:r>
-              <a:rPr lang="en-US" smtClean="0"/>
+              <a:rPr lang="en-US" dirty="0"/>
               <a:t>Path from initial state to the final state?</a:t>
             </a:r>
           </a:p>
           <a:p>
             <a:r>
-              <a:rPr lang="en-US" smtClean="0"/>
+              <a:rPr lang="en-US" dirty="0"/>
               <a:t>Are the expected variations represent it?</a:t>
             </a:r>
           </a:p>
           <a:p>
             <a:r>
-              <a:rPr lang="en-US" smtClean="0"/>
+              <a:rPr lang="en-US" dirty="0"/>
               <a:t>Are there any dead states that terminate the cycle?</a:t>
             </a:r>
           </a:p>
           <a:p>
             <a:r>
-              <a:rPr lang="en-US" smtClean="0"/>
+              <a:rPr lang="en-US" dirty="0"/>
               <a:t>Find missing path and states from it.</a:t>
             </a:r>
           </a:p>
           <a:p>
             <a:r>
-              <a:rPr lang="en-US" smtClean="0"/>
+              <a:rPr lang="en-US" dirty="0"/>
               <a:t>When complete, it should indicate life cycle of the class.</a:t>
             </a:r>
           </a:p>
@@ -12894,7 +13445,7 @@
             </a:r>
           </a:p>
           <a:p>
-            <a:endParaRPr lang="en-US" dirty="0" smtClean="0"/>
+            <a:endParaRPr lang="en-US" dirty="0"/>
           </a:p>
         </p:txBody>
       </p:sp>
@@ -13345,14 +13896,14 @@
           </a:ln>
           <a:extLst>
             <a:ext uri="{909E8E84-426E-40DD-AFC4-6F175D3DCCD1}">
-              <a14:hiddenFill xmlns:a14="http://schemas.microsoft.com/office/drawing/2010/main" xmlns="">
+              <a14:hiddenFill xmlns:a14="http://schemas.microsoft.com/office/drawing/2010/main">
                 <a:solidFill>
                   <a:srgbClr val="FFFFFF"/>
                 </a:solidFill>
               </a14:hiddenFill>
             </a:ext>
             <a:ext uri="{91240B29-F687-4F45-9708-019B960494DF}">
-              <a14:hiddenLine xmlns:a14="http://schemas.microsoft.com/office/drawing/2010/main" xmlns="" w="9525">
+              <a14:hiddenLine xmlns:a14="http://schemas.microsoft.com/office/drawing/2010/main" w="9525">
                 <a:solidFill>
                   <a:srgbClr val="000000"/>
                 </a:solidFill>
@@ -13477,20 +14028,13 @@
     </p:spTree>
     <p:extLst>
       <p:ext uri="{BB962C8B-B14F-4D97-AF65-F5344CB8AC3E}">
-        <p14:creationId xmlns:p14="http://schemas.microsoft.com/office/powerpoint/2010/main" xmlns="" val="2039761831"/>
+        <p14:creationId xmlns:p14="http://schemas.microsoft.com/office/powerpoint/2010/main" val="2039761831"/>
       </p:ext>
     </p:extLst>
   </p:cSld>
   <p:clrMapOvr>
     <a:masterClrMapping/>
   </p:clrMapOvr>
-  <p:timing>
-    <p:tnLst>
-      <p:par>
-        <p:cTn id="1" dur="indefinite" restart="never" nodeType="tmRoot"/>
-      </p:par>
-    </p:tnLst>
-  </p:timing>
 </p:sld>
 </file>
 
@@ -13533,60 +14077,60 @@
           <a:p>
             <a:pPr eaLnBrk="1" hangingPunct="1"/>
             <a:r>
-              <a:rPr lang="en-US" smtClean="0"/>
+              <a:rPr lang="en-US"/>
               <a:t>Definition: Sharing of attributes &amp; operations (features) among classes based on hierarchical relationship.</a:t>
             </a:r>
           </a:p>
           <a:p>
             <a:pPr lvl="1" eaLnBrk="1" hangingPunct="1"/>
             <a:r>
-              <a:rPr lang="en-US" smtClean="0"/>
+              <a:rPr lang="en-US"/>
               <a:t>A </a:t>
             </a:r>
             <a:r>
-              <a:rPr lang="en-US" b="1" i="1" smtClean="0"/>
+              <a:rPr lang="en-US" b="1" i="1"/>
               <a:t>superclass</a:t>
             </a:r>
             <a:r>
-              <a:rPr lang="en-US" smtClean="0"/>
+              <a:rPr lang="en-US"/>
               <a:t> has general information that </a:t>
             </a:r>
             <a:r>
-              <a:rPr lang="en-US" b="1" i="1" smtClean="0"/>
+              <a:rPr lang="en-US" b="1" i="1"/>
               <a:t>subclass</a:t>
             </a:r>
             <a:r>
-              <a:rPr lang="en-US" smtClean="0"/>
+              <a:rPr lang="en-US"/>
               <a:t> refine and elaborate.</a:t>
             </a:r>
           </a:p>
           <a:p>
             <a:pPr lvl="1" eaLnBrk="1" hangingPunct="1"/>
             <a:r>
-              <a:rPr lang="en-US" smtClean="0"/>
+              <a:rPr lang="en-US"/>
               <a:t>Each </a:t>
             </a:r>
             <a:r>
-              <a:rPr lang="en-US" i="1" smtClean="0"/>
+              <a:rPr lang="en-US" i="1"/>
               <a:t>subclass</a:t>
             </a:r>
             <a:r>
-              <a:rPr lang="en-US" smtClean="0"/>
+              <a:rPr lang="en-US"/>
               <a:t> incorporates all the features of its </a:t>
             </a:r>
             <a:r>
-              <a:rPr lang="en-US" i="1" smtClean="0"/>
+              <a:rPr lang="en-US" i="1"/>
               <a:t>superclass</a:t>
             </a:r>
             <a:r>
-              <a:rPr lang="en-US" smtClean="0"/>
+              <a:rPr lang="en-US"/>
               <a:t> and adds its own features.</a:t>
             </a:r>
           </a:p>
           <a:p>
             <a:pPr lvl="1" eaLnBrk="1" hangingPunct="1"/>
             <a:r>
-              <a:rPr lang="en-US" smtClean="0"/>
+              <a:rPr lang="en-US"/>
               <a:t>In other words, defining new classes from the existing one. </a:t>
             </a:r>
           </a:p>
@@ -13614,14 +14158,14 @@
           </a:ln>
           <a:extLst>
             <a:ext uri="{909E8E84-426E-40DD-AFC4-6F175D3DCCD1}">
-              <a14:hiddenFill xmlns:a14="http://schemas.microsoft.com/office/drawing/2010/main" xmlns="">
+              <a14:hiddenFill xmlns:a14="http://schemas.microsoft.com/office/drawing/2010/main">
                 <a:solidFill>
                   <a:srgbClr val="FFFFFF"/>
                 </a:solidFill>
               </a14:hiddenFill>
             </a:ext>
             <a:ext uri="{91240B29-F687-4F45-9708-019B960494DF}">
-              <a14:hiddenLine xmlns:a14="http://schemas.microsoft.com/office/drawing/2010/main" xmlns="" w="9525">
+              <a14:hiddenLine xmlns:a14="http://schemas.microsoft.com/office/drawing/2010/main" w="9525">
                 <a:solidFill>
                   <a:srgbClr val="000000"/>
                 </a:solidFill>
@@ -13746,7 +14290,7 @@
     </p:spTree>
     <p:extLst>
       <p:ext uri="{BB962C8B-B14F-4D97-AF65-F5344CB8AC3E}">
-        <p14:creationId xmlns:p14="http://schemas.microsoft.com/office/powerpoint/2010/main" xmlns="" val="3328927751"/>
+        <p14:creationId xmlns:p14="http://schemas.microsoft.com/office/powerpoint/2010/main" val="3328927751"/>
       </p:ext>
     </p:extLst>
   </p:cSld>
@@ -13789,41 +14333,41 @@
           <a:lstStyle/>
           <a:p>
             <a:r>
-              <a:rPr lang="en-US" sz="3000" u="sng" smtClean="0"/>
+              <a:rPr lang="en-US" sz="3000" u="sng"/>
               <a:t>Initiate session: </a:t>
             </a:r>
             <a:r>
-              <a:rPr lang="en-US" sz="3000" smtClean="0"/>
+              <a:rPr lang="en-US" sz="3000"/>
               <a:t>ATM establish the identity of the user and make a list of accounts and actions.</a:t>
             </a:r>
           </a:p>
           <a:p>
             <a:r>
-              <a:rPr lang="en-US" sz="3000" u="sng" smtClean="0"/>
+              <a:rPr lang="en-US" sz="3000" u="sng"/>
               <a:t>Query Account: </a:t>
             </a:r>
             <a:r>
-              <a:rPr lang="en-US" sz="3000" smtClean="0"/>
+              <a:rPr lang="en-US" sz="3000"/>
               <a:t>System provides general data for an account, such as current balance, date of last transaction etc.</a:t>
             </a:r>
           </a:p>
           <a:p>
             <a:r>
-              <a:rPr lang="en-US" sz="3000" u="sng" smtClean="0"/>
+              <a:rPr lang="en-US" sz="3000" u="sng"/>
               <a:t>Process Transaction</a:t>
             </a:r>
             <a:r>
-              <a:rPr lang="en-US" sz="3000" smtClean="0"/>
+              <a:rPr lang="en-US" sz="3000"/>
               <a:t>: transaction like deposit, withdraw and transfer.</a:t>
             </a:r>
           </a:p>
           <a:p>
             <a:r>
-              <a:rPr lang="en-US" sz="3000" u="sng" smtClean="0"/>
+              <a:rPr lang="en-US" sz="3000" u="sng"/>
               <a:t>Transmit Data:</a:t>
             </a:r>
             <a:r>
-              <a:rPr lang="en-US" sz="3000" smtClean="0"/>
+              <a:rPr lang="en-US" sz="3000"/>
               <a:t> ATM uses the consortium’s facilities to communicate with the appropriate bank computers.</a:t>
             </a:r>
           </a:p>
@@ -13950,27 +14494,27 @@
               <a:buNone/>
             </a:pPr>
             <a:r>
-              <a:rPr lang="en-US" u="sng" smtClean="0"/>
+              <a:rPr lang="en-US" u="sng"/>
               <a:t>Note</a:t>
             </a:r>
             <a:r>
-              <a:rPr lang="en-US" smtClean="0"/>
+              <a:rPr lang="en-US"/>
               <a:t>: </a:t>
             </a:r>
             <a:r>
-              <a:rPr lang="en-US" i="1" smtClean="0"/>
+              <a:rPr lang="en-US" i="1"/>
               <a:t>subclasses</a:t>
             </a:r>
             <a:r>
-              <a:rPr lang="en-US" smtClean="0"/>
+              <a:rPr lang="en-US"/>
               <a:t> need not repeat the features of the </a:t>
             </a:r>
             <a:r>
-              <a:rPr lang="en-US" i="1" smtClean="0"/>
+              <a:rPr lang="en-US" i="1"/>
               <a:t>superclass</a:t>
             </a:r>
             <a:r>
-              <a:rPr lang="en-US" smtClean="0"/>
+              <a:rPr lang="en-US"/>
               <a:t>.</a:t>
             </a:r>
           </a:p>
@@ -13980,11 +14524,11 @@
               <a:buNone/>
             </a:pPr>
             <a:r>
-              <a:rPr lang="en-US" b="1" u="sng" smtClean="0"/>
+              <a:rPr lang="en-US" b="1" u="sng"/>
               <a:t>Advantage</a:t>
             </a:r>
             <a:r>
-              <a:rPr lang="en-US" smtClean="0"/>
+              <a:rPr lang="en-US"/>
               <a:t>: common features of several classes into a superclass can reduce repetition within design and programs.</a:t>
             </a:r>
           </a:p>
@@ -13993,10 +14537,10 @@
               <a:buFont typeface="Wingdings" panose="05000000000000000000" pitchFamily="2" charset="2"/>
               <a:buNone/>
             </a:pPr>
-            <a:endParaRPr lang="en-US" smtClean="0"/>
-          </a:p>
-          <a:p>
-            <a:endParaRPr lang="en-US" smtClean="0"/>
+            <a:endParaRPr lang="en-US"/>
+          </a:p>
+          <a:p>
+            <a:endParaRPr lang="en-US"/>
           </a:p>
         </p:txBody>
       </p:sp>
@@ -14022,14 +14566,14 @@
           </a:ln>
           <a:extLst>
             <a:ext uri="{909E8E84-426E-40DD-AFC4-6F175D3DCCD1}">
-              <a14:hiddenFill xmlns:a14="http://schemas.microsoft.com/office/drawing/2010/main" xmlns="">
+              <a14:hiddenFill xmlns:a14="http://schemas.microsoft.com/office/drawing/2010/main">
                 <a:solidFill>
                   <a:srgbClr val="FFFFFF"/>
                 </a:solidFill>
               </a14:hiddenFill>
             </a:ext>
             <a:ext uri="{91240B29-F687-4F45-9708-019B960494DF}">
-              <a14:hiddenLine xmlns:a14="http://schemas.microsoft.com/office/drawing/2010/main" xmlns="" w="9525">
+              <a14:hiddenLine xmlns:a14="http://schemas.microsoft.com/office/drawing/2010/main" w="9525">
                 <a:solidFill>
                   <a:srgbClr val="000000"/>
                 </a:solidFill>
@@ -14154,20 +14698,13 @@
     </p:spTree>
     <p:extLst>
       <p:ext uri="{BB962C8B-B14F-4D97-AF65-F5344CB8AC3E}">
-        <p14:creationId xmlns:p14="http://schemas.microsoft.com/office/powerpoint/2010/main" xmlns="" val="1591951173"/>
+        <p14:creationId xmlns:p14="http://schemas.microsoft.com/office/powerpoint/2010/main" val="1591951173"/>
       </p:ext>
     </p:extLst>
   </p:cSld>
   <p:clrMapOvr>
     <a:masterClrMapping/>
   </p:clrMapOvr>
-  <p:timing>
-    <p:tnLst>
-      <p:par>
-        <p:cTn id="1" dur="indefinite" restart="never" nodeType="tmRoot"/>
-      </p:par>
-    </p:tnLst>
-  </p:timing>
 </p:sld>
 </file>
 
@@ -14210,14 +14747,14 @@
           </a:ln>
           <a:extLst>
             <a:ext uri="{909E8E84-426E-40DD-AFC4-6F175D3DCCD1}">
-              <a14:hiddenFill xmlns:a14="http://schemas.microsoft.com/office/drawing/2010/main" xmlns="">
+              <a14:hiddenFill xmlns:a14="http://schemas.microsoft.com/office/drawing/2010/main">
                 <a:solidFill>
                   <a:srgbClr val="FFFFFF"/>
                 </a:solidFill>
               </a14:hiddenFill>
             </a:ext>
             <a:ext uri="{91240B29-F687-4F45-9708-019B960494DF}">
-              <a14:hiddenLine xmlns:a14="http://schemas.microsoft.com/office/drawing/2010/main" xmlns="" w="12700">
+              <a14:hiddenLine xmlns:a14="http://schemas.microsoft.com/office/drawing/2010/main" w="12700">
                 <a:solidFill>
                   <a:srgbClr val="000000"/>
                 </a:solidFill>
@@ -14420,14 +14957,14 @@
           </a:ln>
           <a:extLst>
             <a:ext uri="{909E8E84-426E-40DD-AFC4-6F175D3DCCD1}">
-              <a14:hiddenFill xmlns:a14="http://schemas.microsoft.com/office/drawing/2010/main" xmlns="">
+              <a14:hiddenFill xmlns:a14="http://schemas.microsoft.com/office/drawing/2010/main">
                 <a:solidFill>
                   <a:srgbClr val="FFFFFF"/>
                 </a:solidFill>
               </a14:hiddenFill>
             </a:ext>
             <a:ext uri="{91240B29-F687-4F45-9708-019B960494DF}">
-              <a14:hiddenLine xmlns:a14="http://schemas.microsoft.com/office/drawing/2010/main" xmlns="" w="12700">
+              <a14:hiddenLine xmlns:a14="http://schemas.microsoft.com/office/drawing/2010/main" w="12700">
                 <a:solidFill>
                   <a:srgbClr val="000000"/>
                 </a:solidFill>
@@ -14617,7 +15154,7 @@
           </a:ln>
           <a:extLst>
             <a:ext uri="{909E8E84-426E-40DD-AFC4-6F175D3DCCD1}">
-              <a14:hiddenFill xmlns:a14="http://schemas.microsoft.com/office/drawing/2010/main" xmlns="">
+              <a14:hiddenFill xmlns:a14="http://schemas.microsoft.com/office/drawing/2010/main">
                 <a:noFill/>
               </a14:hiddenFill>
             </a:ext>
@@ -14653,14 +15190,14 @@
           </a:ln>
           <a:extLst>
             <a:ext uri="{909E8E84-426E-40DD-AFC4-6F175D3DCCD1}">
-              <a14:hiddenFill xmlns:a14="http://schemas.microsoft.com/office/drawing/2010/main" xmlns="">
+              <a14:hiddenFill xmlns:a14="http://schemas.microsoft.com/office/drawing/2010/main">
                 <a:solidFill>
                   <a:srgbClr val="FFFFFF"/>
                 </a:solidFill>
               </a14:hiddenFill>
             </a:ext>
             <a:ext uri="{91240B29-F687-4F45-9708-019B960494DF}">
-              <a14:hiddenLine xmlns:a14="http://schemas.microsoft.com/office/drawing/2010/main" xmlns="" w="12700">
+              <a14:hiddenLine xmlns:a14="http://schemas.microsoft.com/office/drawing/2010/main" w="12700">
                 <a:solidFill>
                   <a:srgbClr val="000000"/>
                 </a:solidFill>
@@ -15186,7 +15723,7 @@
           </a:ln>
           <a:extLst>
             <a:ext uri="{909E8E84-426E-40DD-AFC4-6F175D3DCCD1}">
-              <a14:hiddenFill xmlns:a14="http://schemas.microsoft.com/office/drawing/2010/main" xmlns="">
+              <a14:hiddenFill xmlns:a14="http://schemas.microsoft.com/office/drawing/2010/main">
                 <a:noFill/>
               </a14:hiddenFill>
             </a:ext>
@@ -15222,14 +15759,14 @@
           </a:ln>
           <a:extLst>
             <a:ext uri="{909E8E84-426E-40DD-AFC4-6F175D3DCCD1}">
-              <a14:hiddenFill xmlns:a14="http://schemas.microsoft.com/office/drawing/2010/main" xmlns="">
+              <a14:hiddenFill xmlns:a14="http://schemas.microsoft.com/office/drawing/2010/main">
                 <a:solidFill>
                   <a:srgbClr val="FFFFFF"/>
                 </a:solidFill>
               </a14:hiddenFill>
             </a:ext>
             <a:ext uri="{91240B29-F687-4F45-9708-019B960494DF}">
-              <a14:hiddenLine xmlns:a14="http://schemas.microsoft.com/office/drawing/2010/main" xmlns="" w="9525">
+              <a14:hiddenLine xmlns:a14="http://schemas.microsoft.com/office/drawing/2010/main" w="9525">
                 <a:solidFill>
                   <a:srgbClr val="000000"/>
                 </a:solidFill>
@@ -15390,14 +15927,14 @@
           </a:ln>
           <a:extLst>
             <a:ext uri="{909E8E84-426E-40DD-AFC4-6F175D3DCCD1}">
-              <a14:hiddenFill xmlns:a14="http://schemas.microsoft.com/office/drawing/2010/main" xmlns="">
+              <a14:hiddenFill xmlns:a14="http://schemas.microsoft.com/office/drawing/2010/main">
                 <a:solidFill>
                   <a:srgbClr val="FFFFFF"/>
                 </a:solidFill>
               </a14:hiddenFill>
             </a:ext>
             <a:ext uri="{91240B29-F687-4F45-9708-019B960494DF}">
-              <a14:hiddenLine xmlns:a14="http://schemas.microsoft.com/office/drawing/2010/main" xmlns="" w="9525">
+              <a14:hiddenLine xmlns:a14="http://schemas.microsoft.com/office/drawing/2010/main" w="9525">
                 <a:solidFill>
                   <a:srgbClr val="000000"/>
                 </a:solidFill>
@@ -15522,7 +16059,7 @@
     </p:spTree>
     <p:extLst>
       <p:ext uri="{BB962C8B-B14F-4D97-AF65-F5344CB8AC3E}">
-        <p14:creationId xmlns:p14="http://schemas.microsoft.com/office/powerpoint/2010/main" xmlns="" val="68881033"/>
+        <p14:creationId xmlns:p14="http://schemas.microsoft.com/office/powerpoint/2010/main" val="68881033"/>
       </p:ext>
     </p:extLst>
   </p:cSld>
@@ -15908,14 +16445,14 @@
           </a:ln>
           <a:extLst>
             <a:ext uri="{909E8E84-426E-40DD-AFC4-6F175D3DCCD1}">
-              <a14:hiddenFill xmlns:a14="http://schemas.microsoft.com/office/drawing/2010/main" xmlns="">
+              <a14:hiddenFill xmlns:a14="http://schemas.microsoft.com/office/drawing/2010/main">
                 <a:solidFill>
                   <a:srgbClr val="FFFFFF"/>
                 </a:solidFill>
               </a14:hiddenFill>
             </a:ext>
             <a:ext uri="{91240B29-F687-4F45-9708-019B960494DF}">
-              <a14:hiddenLine xmlns:a14="http://schemas.microsoft.com/office/drawing/2010/main" xmlns="" w="9525">
+              <a14:hiddenLine xmlns:a14="http://schemas.microsoft.com/office/drawing/2010/main" w="9525">
                 <a:solidFill>
                   <a:srgbClr val="000000"/>
                 </a:solidFill>
@@ -16040,20 +16577,13 @@
     </p:spTree>
     <p:extLst>
       <p:ext uri="{BB962C8B-B14F-4D97-AF65-F5344CB8AC3E}">
-        <p14:creationId xmlns:p14="http://schemas.microsoft.com/office/powerpoint/2010/main" xmlns="" val="887604654"/>
+        <p14:creationId xmlns:p14="http://schemas.microsoft.com/office/powerpoint/2010/main" val="887604654"/>
       </p:ext>
     </p:extLst>
   </p:cSld>
   <p:clrMapOvr>
     <a:masterClrMapping/>
   </p:clrMapOvr>
-  <p:timing>
-    <p:tnLst>
-      <p:par>
-        <p:cTn id="1" dur="indefinite" restart="never" nodeType="tmRoot"/>
-      </p:par>
-    </p:tnLst>
-  </p:timing>
 </p:sld>
 </file>
 
@@ -16090,7 +16620,7 @@
           <a:lstStyle/>
           <a:p>
             <a:r>
-              <a:rPr lang="en-US" smtClean="0"/>
+              <a:rPr lang="en-US"/>
               <a:t>OO Development refers to the software life cycle.</a:t>
             </a:r>
           </a:p>
@@ -16100,7 +16630,7 @@
               <a:buNone/>
             </a:pPr>
             <a:r>
-              <a:rPr lang="en-US" smtClean="0"/>
+              <a:rPr lang="en-US"/>
               <a:t>	i.e. Planning, Analysis, Design &amp; Implementation</a:t>
             </a:r>
           </a:p>
@@ -16110,14 +16640,14 @@
               <a:buNone/>
             </a:pPr>
             <a:r>
-              <a:rPr lang="en-US" smtClean="0"/>
+              <a:rPr lang="en-US"/>
               <a:t>Why OO Development?</a:t>
             </a:r>
           </a:p>
           <a:p>
             <a:pPr eaLnBrk="1" hangingPunct="1"/>
             <a:r>
-              <a:rPr lang="en-US" smtClean="0"/>
+              <a:rPr lang="en-US"/>
               <a:t>In essence of OO development is the identification &amp; organization  of application concepts, rather than in a programming language.</a:t>
             </a:r>
           </a:p>
@@ -16126,7 +16656,7 @@
               <a:buFont typeface="Wingdings" panose="05000000000000000000" pitchFamily="2" charset="2"/>
               <a:buNone/>
             </a:pPr>
-            <a:endParaRPr lang="en-US" smtClean="0"/>
+            <a:endParaRPr lang="en-US"/>
           </a:p>
         </p:txBody>
       </p:sp>
@@ -16284,14 +16814,14 @@
           </a:ln>
           <a:extLst>
             <a:ext uri="{909E8E84-426E-40DD-AFC4-6F175D3DCCD1}">
-              <a14:hiddenFill xmlns:a14="http://schemas.microsoft.com/office/drawing/2010/main" xmlns="">
+              <a14:hiddenFill xmlns:a14="http://schemas.microsoft.com/office/drawing/2010/main">
                 <a:solidFill>
                   <a:srgbClr val="FFFFFF"/>
                 </a:solidFill>
               </a14:hiddenFill>
             </a:ext>
             <a:ext uri="{91240B29-F687-4F45-9708-019B960494DF}">
-              <a14:hiddenLine xmlns:a14="http://schemas.microsoft.com/office/drawing/2010/main" xmlns="" w="9525">
+              <a14:hiddenLine xmlns:a14="http://schemas.microsoft.com/office/drawing/2010/main" w="9525">
                 <a:solidFill>
                   <a:srgbClr val="000000"/>
                 </a:solidFill>
@@ -16416,20 +16946,13 @@
     </p:spTree>
     <p:extLst>
       <p:ext uri="{BB962C8B-B14F-4D97-AF65-F5344CB8AC3E}">
-        <p14:creationId xmlns:p14="http://schemas.microsoft.com/office/powerpoint/2010/main" xmlns="" val="1495673455"/>
+        <p14:creationId xmlns:p14="http://schemas.microsoft.com/office/powerpoint/2010/main" val="1495673455"/>
       </p:ext>
     </p:extLst>
   </p:cSld>
   <p:clrMapOvr>
     <a:masterClrMapping/>
   </p:clrMapOvr>
-  <p:timing>
-    <p:tnLst>
-      <p:par>
-        <p:cTn id="1" dur="indefinite" restart="never" nodeType="tmRoot"/>
-      </p:par>
-    </p:tnLst>
-  </p:timing>
 </p:sld>
 </file>
 
@@ -16467,29 +16990,29 @@
           <a:p>
             <a:pPr eaLnBrk="1" hangingPunct="1"/>
             <a:r>
-              <a:rPr lang="en-US" smtClean="0"/>
+              <a:rPr lang="en-US"/>
               <a:t>Earlier, OO community focused on implementation part rather than analysis and design.</a:t>
             </a:r>
           </a:p>
           <a:p>
             <a:pPr eaLnBrk="1" hangingPunct="1"/>
             <a:r>
-              <a:rPr lang="en-US" smtClean="0"/>
+              <a:rPr lang="en-US"/>
               <a:t>It focuses excessively on implementation mechanisms rather than the underlying thought process that support.</a:t>
             </a:r>
           </a:p>
           <a:p>
             <a:pPr eaLnBrk="1" hangingPunct="1"/>
             <a:r>
-              <a:rPr lang="en-US" smtClean="0"/>
+              <a:rPr lang="en-US"/>
               <a:t>An OO development approach encourage software developers </a:t>
             </a:r>
             <a:r>
-              <a:rPr lang="en-US" i="1" smtClean="0"/>
+              <a:rPr lang="en-US" i="1"/>
               <a:t>to work &amp;  thinks in</a:t>
             </a:r>
             <a:r>
-              <a:rPr lang="en-US" smtClean="0"/>
+              <a:rPr lang="en-US"/>
               <a:t> terms of the application throughout software life cycle.</a:t>
             </a:r>
           </a:p>
@@ -16649,14 +17172,14 @@
           </a:ln>
           <a:extLst>
             <a:ext uri="{909E8E84-426E-40DD-AFC4-6F175D3DCCD1}">
-              <a14:hiddenFill xmlns:a14="http://schemas.microsoft.com/office/drawing/2010/main" xmlns="">
+              <a14:hiddenFill xmlns:a14="http://schemas.microsoft.com/office/drawing/2010/main">
                 <a:solidFill>
                   <a:srgbClr val="FFFFFF"/>
                 </a:solidFill>
               </a14:hiddenFill>
             </a:ext>
             <a:ext uri="{91240B29-F687-4F45-9708-019B960494DF}">
-              <a14:hiddenLine xmlns:a14="http://schemas.microsoft.com/office/drawing/2010/main" xmlns="" w="9525">
+              <a14:hiddenLine xmlns:a14="http://schemas.microsoft.com/office/drawing/2010/main" w="9525">
                 <a:solidFill>
                   <a:srgbClr val="000000"/>
                 </a:solidFill>
@@ -16781,7 +17304,7 @@
     </p:spTree>
     <p:extLst>
       <p:ext uri="{BB962C8B-B14F-4D97-AF65-F5344CB8AC3E}">
-        <p14:creationId xmlns:p14="http://schemas.microsoft.com/office/powerpoint/2010/main" xmlns="" val="2095117473"/>
+        <p14:creationId xmlns:p14="http://schemas.microsoft.com/office/powerpoint/2010/main" val="2095117473"/>
       </p:ext>
     </p:extLst>
   </p:cSld>
@@ -16824,50 +17347,50 @@
           <a:lstStyle/>
           <a:p>
             <a:r>
-              <a:rPr lang="en-US" smtClean="0"/>
+              <a:rPr lang="en-US"/>
               <a:t>OO development is a </a:t>
             </a:r>
             <a:r>
-              <a:rPr lang="en-US" i="1" smtClean="0"/>
+              <a:rPr lang="en-US" i="1"/>
               <a:t>conceptual process independent</a:t>
             </a:r>
             <a:r>
-              <a:rPr lang="en-US" smtClean="0"/>
+              <a:rPr lang="en-US"/>
               <a:t> of a programming language until the final stage.</a:t>
             </a:r>
           </a:p>
           <a:p>
             <a:pPr eaLnBrk="1" hangingPunct="1"/>
             <a:r>
-              <a:rPr lang="en-US" smtClean="0"/>
+              <a:rPr lang="en-US"/>
               <a:t>OO development is </a:t>
             </a:r>
             <a:r>
-              <a:rPr lang="en-US" i="1" smtClean="0"/>
+              <a:rPr lang="en-US" i="1"/>
               <a:t>fundamentally a way of thinking</a:t>
             </a:r>
             <a:r>
-              <a:rPr lang="en-US" smtClean="0"/>
+              <a:rPr lang="en-US"/>
               <a:t> &amp; </a:t>
             </a:r>
             <a:r>
-              <a:rPr lang="en-US" u="sng" smtClean="0"/>
+              <a:rPr lang="en-US" u="sng"/>
               <a:t>not a programming technique</a:t>
             </a:r>
             <a:r>
-              <a:rPr lang="en-US" smtClean="0"/>
+              <a:rPr lang="en-US"/>
               <a:t>.</a:t>
             </a:r>
           </a:p>
           <a:p>
             <a:pPr eaLnBrk="1" hangingPunct="1"/>
             <a:r>
-              <a:rPr lang="en-US" smtClean="0"/>
+              <a:rPr lang="en-US"/>
               <a:t>It can serve as a medium for specification, analysis, documentation &amp; interfacing as well as for programming</a:t>
             </a:r>
           </a:p>
           <a:p>
-            <a:endParaRPr lang="en-US" smtClean="0"/>
+            <a:endParaRPr lang="en-US"/>
           </a:p>
         </p:txBody>
       </p:sp>
@@ -17025,14 +17548,14 @@
           </a:ln>
           <a:extLst>
             <a:ext uri="{909E8E84-426E-40DD-AFC4-6F175D3DCCD1}">
-              <a14:hiddenFill xmlns:a14="http://schemas.microsoft.com/office/drawing/2010/main" xmlns="">
+              <a14:hiddenFill xmlns:a14="http://schemas.microsoft.com/office/drawing/2010/main">
                 <a:solidFill>
                   <a:srgbClr val="FFFFFF"/>
                 </a:solidFill>
               </a14:hiddenFill>
             </a:ext>
             <a:ext uri="{91240B29-F687-4F45-9708-019B960494DF}">
-              <a14:hiddenLine xmlns:a14="http://schemas.microsoft.com/office/drawing/2010/main" xmlns="" w="9525">
+              <a14:hiddenLine xmlns:a14="http://schemas.microsoft.com/office/drawing/2010/main" w="9525">
                 <a:solidFill>
                   <a:srgbClr val="000000"/>
                 </a:solidFill>
@@ -17157,7 +17680,7 @@
     </p:spTree>
     <p:extLst>
       <p:ext uri="{BB962C8B-B14F-4D97-AF65-F5344CB8AC3E}">
-        <p14:creationId xmlns:p14="http://schemas.microsoft.com/office/powerpoint/2010/main" xmlns="" val="3461758710"/>
+        <p14:creationId xmlns:p14="http://schemas.microsoft.com/office/powerpoint/2010/main" val="3461758710"/>
       </p:ext>
     </p:extLst>
   </p:cSld>
@@ -17200,7 +17723,7 @@
           <a:lstStyle/>
           <a:p>
             <a:r>
-              <a:rPr lang="en-US" smtClean="0"/>
+              <a:rPr lang="en-US"/>
               <a:t>OO Development &amp; Graphical notation represents OO concept.</a:t>
             </a:r>
           </a:p>
@@ -17211,7 +17734,7 @@
               </a:lnSpc>
             </a:pPr>
             <a:r>
-              <a:rPr lang="en-US" smtClean="0"/>
+              <a:rPr lang="en-US"/>
               <a:t>OO process consists of building a model of an application &amp; then adding details to it during design.</a:t>
             </a:r>
           </a:p>
@@ -17222,7 +17745,7 @@
               </a:lnSpc>
             </a:pPr>
             <a:r>
-              <a:rPr lang="en-US" smtClean="0"/>
+              <a:rPr lang="en-US"/>
               <a:t>Same notation is used from </a:t>
             </a:r>
           </a:p>
@@ -17245,12 +17768,12 @@
           </a:p>
           <a:p>
             <a:r>
-              <a:rPr lang="en-US" smtClean="0"/>
+              <a:rPr lang="en-US"/>
               <a:t>So information is not lost or translated into the next stage [Reusability].</a:t>
             </a:r>
           </a:p>
           <a:p>
-            <a:endParaRPr lang="en-US" smtClean="0"/>
+            <a:endParaRPr lang="en-US"/>
           </a:p>
         </p:txBody>
       </p:sp>
@@ -17408,14 +17931,14 @@
           </a:ln>
           <a:extLst>
             <a:ext uri="{909E8E84-426E-40DD-AFC4-6F175D3DCCD1}">
-              <a14:hiddenFill xmlns:a14="http://schemas.microsoft.com/office/drawing/2010/main" xmlns="">
+              <a14:hiddenFill xmlns:a14="http://schemas.microsoft.com/office/drawing/2010/main">
                 <a:solidFill>
                   <a:srgbClr val="FFFFFF"/>
                 </a:solidFill>
               </a14:hiddenFill>
             </a:ext>
             <a:ext uri="{91240B29-F687-4F45-9708-019B960494DF}">
-              <a14:hiddenLine xmlns:a14="http://schemas.microsoft.com/office/drawing/2010/main" xmlns="" w="9525">
+              <a14:hiddenLine xmlns:a14="http://schemas.microsoft.com/office/drawing/2010/main" w="9525">
                 <a:solidFill>
                   <a:srgbClr val="000000"/>
                 </a:solidFill>
@@ -17540,7 +18063,7 @@
     </p:spTree>
     <p:extLst>
       <p:ext uri="{BB962C8B-B14F-4D97-AF65-F5344CB8AC3E}">
-        <p14:creationId xmlns:p14="http://schemas.microsoft.com/office/powerpoint/2010/main" xmlns="" val="2228166978"/>
+        <p14:creationId xmlns:p14="http://schemas.microsoft.com/office/powerpoint/2010/main" val="2228166978"/>
       </p:ext>
     </p:extLst>
   </p:cSld>
@@ -17586,7 +18109,7 @@
               <a:defRPr/>
             </a:pPr>
             <a:r>
-              <a:rPr lang="en-US" dirty="0" smtClean="0">
+              <a:rPr lang="en-US" dirty="0">
                 <a:solidFill>
                   <a:schemeClr val="accent3">
                     <a:lumMod val="75000"/>
@@ -17601,7 +18124,7 @@
               <a:defRPr/>
             </a:pPr>
             <a:r>
-              <a:rPr lang="en-US" dirty="0" smtClean="0"/>
+              <a:rPr lang="en-US" dirty="0"/>
               <a:t>Analysis</a:t>
             </a:r>
           </a:p>
@@ -17610,7 +18133,7 @@
               <a:defRPr/>
             </a:pPr>
             <a:r>
-              <a:rPr lang="en-US" dirty="0" smtClean="0"/>
+              <a:rPr lang="en-US" dirty="0"/>
               <a:t>System Design </a:t>
             </a:r>
           </a:p>
@@ -17619,7 +18142,7 @@
               <a:defRPr/>
             </a:pPr>
             <a:r>
-              <a:rPr lang="en-US" dirty="0" smtClean="0"/>
+              <a:rPr lang="en-US" dirty="0"/>
               <a:t>Class Design </a:t>
             </a:r>
           </a:p>
@@ -17628,10 +18151,9 @@
               <a:defRPr/>
             </a:pPr>
             <a:r>
-              <a:rPr lang="en-US" dirty="0" smtClean="0"/>
+              <a:rPr lang="en-US" dirty="0"/>
               <a:t>Implementation</a:t>
             </a:r>
-            <a:endParaRPr lang="en-US" dirty="0"/>
           </a:p>
         </p:txBody>
       </p:sp>
@@ -17789,14 +18311,14 @@
           </a:ln>
           <a:extLst>
             <a:ext uri="{909E8E84-426E-40DD-AFC4-6F175D3DCCD1}">
-              <a14:hiddenFill xmlns:a14="http://schemas.microsoft.com/office/drawing/2010/main" xmlns="">
+              <a14:hiddenFill xmlns:a14="http://schemas.microsoft.com/office/drawing/2010/main">
                 <a:solidFill>
                   <a:srgbClr val="FFFFFF"/>
                 </a:solidFill>
               </a14:hiddenFill>
             </a:ext>
             <a:ext uri="{91240B29-F687-4F45-9708-019B960494DF}">
-              <a14:hiddenLine xmlns:a14="http://schemas.microsoft.com/office/drawing/2010/main" xmlns="" w="9525">
+              <a14:hiddenLine xmlns:a14="http://schemas.microsoft.com/office/drawing/2010/main" w="9525">
                 <a:solidFill>
                   <a:srgbClr val="000000"/>
                 </a:solidFill>
@@ -17921,7 +18443,7 @@
     </p:spTree>
     <p:extLst>
       <p:ext uri="{BB962C8B-B14F-4D97-AF65-F5344CB8AC3E}">
-        <p14:creationId xmlns:p14="http://schemas.microsoft.com/office/powerpoint/2010/main" xmlns="" val="165694928"/>
+        <p14:creationId xmlns:p14="http://schemas.microsoft.com/office/powerpoint/2010/main" val="165694928"/>
       </p:ext>
     </p:extLst>
   </p:cSld>
@@ -17964,13 +18486,13 @@
           <a:lstStyle/>
           <a:p>
             <a:r>
-              <a:rPr lang="en-US" smtClean="0"/>
+              <a:rPr lang="en-US"/>
               <a:t>System Conception means origin of the system.</a:t>
             </a:r>
           </a:p>
           <a:p>
             <a:r>
-              <a:rPr lang="en-US" smtClean="0"/>
+              <a:rPr lang="en-US"/>
               <a:t>S/W development begins with </a:t>
             </a:r>
           </a:p>
@@ -17980,7 +18502,7 @@
               <a:buNone/>
             </a:pPr>
             <a:r>
-              <a:rPr lang="en-US" smtClean="0"/>
+              <a:rPr lang="en-US"/>
               <a:t>	- 	business analyst or users conceiving an 	application &amp; formulating tentative 	requirement.</a:t>
             </a:r>
           </a:p>
@@ -18140,14 +18662,14 @@
           </a:ln>
           <a:extLst>
             <a:ext uri="{909E8E84-426E-40DD-AFC4-6F175D3DCCD1}">
-              <a14:hiddenFill xmlns:a14="http://schemas.microsoft.com/office/drawing/2010/main" xmlns="">
+              <a14:hiddenFill xmlns:a14="http://schemas.microsoft.com/office/drawing/2010/main">
                 <a:solidFill>
                   <a:srgbClr val="FFFFFF"/>
                 </a:solidFill>
               </a14:hiddenFill>
             </a:ext>
             <a:ext uri="{91240B29-F687-4F45-9708-019B960494DF}">
-              <a14:hiddenLine xmlns:a14="http://schemas.microsoft.com/office/drawing/2010/main" xmlns="" w="9525">
+              <a14:hiddenLine xmlns:a14="http://schemas.microsoft.com/office/drawing/2010/main" w="9525">
                 <a:solidFill>
                   <a:srgbClr val="000000"/>
                 </a:solidFill>
@@ -18272,7 +18794,7 @@
     </p:spTree>
     <p:extLst>
       <p:ext uri="{BB962C8B-B14F-4D97-AF65-F5344CB8AC3E}">
-        <p14:creationId xmlns:p14="http://schemas.microsoft.com/office/powerpoint/2010/main" xmlns="" val="476842013"/>
+        <p14:creationId xmlns:p14="http://schemas.microsoft.com/office/powerpoint/2010/main" val="476842013"/>
       </p:ext>
     </p:extLst>
   </p:cSld>
@@ -18318,7 +18840,7 @@
               <a:defRPr/>
             </a:pPr>
             <a:r>
-              <a:rPr lang="en-US" dirty="0" smtClean="0"/>
+              <a:rPr lang="en-US" dirty="0"/>
               <a:t>System Conception</a:t>
             </a:r>
           </a:p>
@@ -18327,7 +18849,7 @@
               <a:defRPr/>
             </a:pPr>
             <a:r>
-              <a:rPr lang="en-US" dirty="0" smtClean="0">
+              <a:rPr lang="en-US" dirty="0">
                 <a:solidFill>
                   <a:schemeClr val="accent3">
                     <a:lumMod val="75000"/>
@@ -18342,7 +18864,7 @@
               <a:defRPr/>
             </a:pPr>
             <a:r>
-              <a:rPr lang="en-US" dirty="0" smtClean="0"/>
+              <a:rPr lang="en-US" dirty="0"/>
               <a:t>System Design </a:t>
             </a:r>
           </a:p>
@@ -18351,7 +18873,7 @@
               <a:defRPr/>
             </a:pPr>
             <a:r>
-              <a:rPr lang="en-US" dirty="0" smtClean="0"/>
+              <a:rPr lang="en-US" dirty="0"/>
               <a:t>Class Design </a:t>
             </a:r>
           </a:p>
@@ -18360,10 +18882,9 @@
               <a:defRPr/>
             </a:pPr>
             <a:r>
-              <a:rPr lang="en-US" dirty="0" smtClean="0"/>
+              <a:rPr lang="en-US" dirty="0"/>
               <a:t>Implementation</a:t>
             </a:r>
-            <a:endParaRPr lang="en-US" dirty="0"/>
           </a:p>
         </p:txBody>
       </p:sp>
@@ -18521,14 +19042,14 @@
           </a:ln>
           <a:extLst>
             <a:ext uri="{909E8E84-426E-40DD-AFC4-6F175D3DCCD1}">
-              <a14:hiddenFill xmlns:a14="http://schemas.microsoft.com/office/drawing/2010/main" xmlns="">
+              <a14:hiddenFill xmlns:a14="http://schemas.microsoft.com/office/drawing/2010/main">
                 <a:solidFill>
                   <a:srgbClr val="FFFFFF"/>
                 </a:solidFill>
               </a14:hiddenFill>
             </a:ext>
             <a:ext uri="{91240B29-F687-4F45-9708-019B960494DF}">
-              <a14:hiddenLine xmlns:a14="http://schemas.microsoft.com/office/drawing/2010/main" xmlns="" w="9525">
+              <a14:hiddenLine xmlns:a14="http://schemas.microsoft.com/office/drawing/2010/main" w="9525">
                 <a:solidFill>
                   <a:srgbClr val="000000"/>
                 </a:solidFill>
@@ -18653,7 +19174,7 @@
     </p:spTree>
     <p:extLst>
       <p:ext uri="{BB962C8B-B14F-4D97-AF65-F5344CB8AC3E}">
-        <p14:creationId xmlns:p14="http://schemas.microsoft.com/office/powerpoint/2010/main" xmlns="" val="388294391"/>
+        <p14:creationId xmlns:p14="http://schemas.microsoft.com/office/powerpoint/2010/main" val="388294391"/>
       </p:ext>
     </p:extLst>
   </p:cSld>
@@ -18700,31 +19221,31 @@
               <a:buNone/>
             </a:pPr>
             <a:r>
-              <a:rPr lang="en-US" smtClean="0"/>
+              <a:rPr lang="en-US"/>
               <a:t>Finding Initial and Final Events</a:t>
             </a:r>
           </a:p>
           <a:p>
             <a:r>
-              <a:rPr lang="en-US" smtClean="0"/>
+              <a:rPr lang="en-US"/>
               <a:t>Use case diagram does not show behavior clearly.</a:t>
             </a:r>
           </a:p>
           <a:p>
             <a:r>
-              <a:rPr lang="en-US" smtClean="0"/>
+              <a:rPr lang="en-US"/>
               <a:t>To Understand behavior, you must understand the execution sequences of each use cases. </a:t>
             </a:r>
           </a:p>
           <a:p>
             <a:r>
-              <a:rPr lang="en-US" smtClean="0"/>
+              <a:rPr lang="en-US"/>
               <a:t>Determine which actor initiate the use case.</a:t>
             </a:r>
           </a:p>
           <a:p>
             <a:r>
-              <a:rPr lang="en-US" smtClean="0"/>
+              <a:rPr lang="en-US"/>
               <a:t>In may case, initial event is request for services that use case provides.</a:t>
             </a:r>
           </a:p>
@@ -18850,7 +19371,7 @@
               <a:defRPr/>
             </a:pPr>
             <a:r>
-              <a:rPr lang="en-US" dirty="0" smtClean="0"/>
+              <a:rPr lang="en-US" dirty="0"/>
               <a:t>Task of Analyst</a:t>
             </a:r>
           </a:p>
@@ -18861,7 +19382,7 @@
               <a:defRPr/>
             </a:pPr>
             <a:r>
-              <a:rPr lang="en-US" dirty="0" smtClean="0"/>
+              <a:rPr lang="en-US" dirty="0"/>
               <a:t>Must work with the requester (client) to understand the problem, because problem statement are rarely complete or correct.</a:t>
             </a:r>
           </a:p>
@@ -18872,35 +19393,35 @@
               <a:defRPr/>
             </a:pPr>
             <a:r>
-              <a:rPr lang="en-US" dirty="0" smtClean="0"/>
+              <a:rPr lang="en-US" dirty="0"/>
               <a:t>To design the Analysis model which demonstrates </a:t>
             </a:r>
             <a:r>
-              <a:rPr lang="en-US" i="1" u="sng" dirty="0" smtClean="0"/>
+              <a:rPr lang="en-US" i="1" u="sng" dirty="0"/>
               <a:t>what </a:t>
             </a:r>
             <a:r>
-              <a:rPr lang="en-US" u="sng" dirty="0" smtClean="0"/>
+              <a:rPr lang="en-US" u="sng" dirty="0"/>
               <a:t>the desired system must do</a:t>
             </a:r>
             <a:r>
-              <a:rPr lang="en-US" dirty="0" smtClean="0"/>
+              <a:rPr lang="en-US" dirty="0"/>
               <a:t>, </a:t>
             </a:r>
             <a:r>
-              <a:rPr lang="en-US" u="sng" dirty="0" smtClean="0"/>
+              <a:rPr lang="en-US" u="sng" dirty="0"/>
               <a:t>not </a:t>
             </a:r>
             <a:r>
-              <a:rPr lang="en-US" i="1" u="sng" dirty="0" smtClean="0"/>
+              <a:rPr lang="en-US" i="1" u="sng" dirty="0"/>
               <a:t>how </a:t>
             </a:r>
             <a:r>
-              <a:rPr lang="en-US" u="sng" dirty="0" smtClean="0"/>
+              <a:rPr lang="en-US" u="sng" dirty="0"/>
               <a:t>it will be done</a:t>
             </a:r>
             <a:r>
-              <a:rPr lang="en-US" dirty="0" smtClean="0"/>
+              <a:rPr lang="en-US" dirty="0"/>
               <a:t>.</a:t>
             </a:r>
           </a:p>
@@ -18911,7 +19432,7 @@
               <a:defRPr/>
             </a:pPr>
             <a:r>
-              <a:rPr lang="en-US" dirty="0" smtClean="0"/>
+              <a:rPr lang="en-US" dirty="0"/>
               <a:t>Analyst is not concerned about implementation decision.</a:t>
             </a:r>
           </a:p>
@@ -19077,14 +19598,14 @@
           </a:ln>
           <a:extLst>
             <a:ext uri="{909E8E84-426E-40DD-AFC4-6F175D3DCCD1}">
-              <a14:hiddenFill xmlns:a14="http://schemas.microsoft.com/office/drawing/2010/main" xmlns="">
+              <a14:hiddenFill xmlns:a14="http://schemas.microsoft.com/office/drawing/2010/main">
                 <a:solidFill>
                   <a:srgbClr val="FFFFFF"/>
                 </a:solidFill>
               </a14:hiddenFill>
             </a:ext>
             <a:ext uri="{91240B29-F687-4F45-9708-019B960494DF}">
-              <a14:hiddenLine xmlns:a14="http://schemas.microsoft.com/office/drawing/2010/main" xmlns="" w="9525">
+              <a14:hiddenLine xmlns:a14="http://schemas.microsoft.com/office/drawing/2010/main" w="9525">
                 <a:solidFill>
                   <a:srgbClr val="000000"/>
                 </a:solidFill>
@@ -19209,7 +19730,7 @@
     </p:spTree>
     <p:extLst>
       <p:ext uri="{BB962C8B-B14F-4D97-AF65-F5344CB8AC3E}">
-        <p14:creationId xmlns:p14="http://schemas.microsoft.com/office/powerpoint/2010/main" xmlns="" val="3715856138"/>
+        <p14:creationId xmlns:p14="http://schemas.microsoft.com/office/powerpoint/2010/main" val="3715856138"/>
       </p:ext>
     </p:extLst>
   </p:cSld>
@@ -20199,14 +20720,14 @@
           </a:ln>
           <a:extLst>
             <a:ext uri="{909E8E84-426E-40DD-AFC4-6F175D3DCCD1}">
-              <a14:hiddenFill xmlns:a14="http://schemas.microsoft.com/office/drawing/2010/main" xmlns="">
+              <a14:hiddenFill xmlns:a14="http://schemas.microsoft.com/office/drawing/2010/main">
                 <a:solidFill>
                   <a:srgbClr val="FFFFFF"/>
                 </a:solidFill>
               </a14:hiddenFill>
             </a:ext>
             <a:ext uri="{91240B29-F687-4F45-9708-019B960494DF}">
-              <a14:hiddenLine xmlns:a14="http://schemas.microsoft.com/office/drawing/2010/main" xmlns="" w="9525">
+              <a14:hiddenLine xmlns:a14="http://schemas.microsoft.com/office/drawing/2010/main" w="9525">
                 <a:solidFill>
                   <a:srgbClr val="000000"/>
                 </a:solidFill>
@@ -20365,14 +20886,14 @@
           </a:ln>
           <a:extLst>
             <a:ext uri="{909E8E84-426E-40DD-AFC4-6F175D3DCCD1}">
-              <a14:hiddenFill xmlns:a14="http://schemas.microsoft.com/office/drawing/2010/main" xmlns="">
+              <a14:hiddenFill xmlns:a14="http://schemas.microsoft.com/office/drawing/2010/main">
                 <a:solidFill>
                   <a:srgbClr val="FFFFFF"/>
                 </a:solidFill>
               </a14:hiddenFill>
             </a:ext>
             <a:ext uri="{91240B29-F687-4F45-9708-019B960494DF}">
-              <a14:hiddenLine xmlns:a14="http://schemas.microsoft.com/office/drawing/2010/main" xmlns="" w="9525">
+              <a14:hiddenLine xmlns:a14="http://schemas.microsoft.com/office/drawing/2010/main" w="9525">
                 <a:solidFill>
                   <a:srgbClr val="000000"/>
                 </a:solidFill>
@@ -20497,20 +21018,13 @@
     </p:spTree>
     <p:extLst>
       <p:ext uri="{BB962C8B-B14F-4D97-AF65-F5344CB8AC3E}">
-        <p14:creationId xmlns:p14="http://schemas.microsoft.com/office/powerpoint/2010/main" xmlns="" val="1552821230"/>
+        <p14:creationId xmlns:p14="http://schemas.microsoft.com/office/powerpoint/2010/main" val="1552821230"/>
       </p:ext>
     </p:extLst>
   </p:cSld>
   <p:clrMapOvr>
     <a:masterClrMapping/>
   </p:clrMapOvr>
-  <p:timing>
-    <p:tnLst>
-      <p:par>
-        <p:cTn id="1" dur="indefinite" restart="never" nodeType="tmRoot"/>
-      </p:par>
-    </p:tnLst>
-  </p:timing>
 </p:sld>
 </file>
 
@@ -20555,19 +21069,19 @@
           <a:lstStyle/>
           <a:p>
             <a:r>
-              <a:rPr lang="en-US" smtClean="0"/>
+              <a:rPr lang="en-US"/>
               <a:t>System Conception</a:t>
             </a:r>
           </a:p>
           <a:p>
             <a:r>
-              <a:rPr lang="en-US" smtClean="0"/>
+              <a:rPr lang="en-US"/>
               <a:t>Analysis</a:t>
             </a:r>
           </a:p>
           <a:p>
             <a:r>
-              <a:rPr lang="en-US" smtClean="0">
+              <a:rPr lang="en-US">
                 <a:solidFill>
                   <a:srgbClr val="FF0000"/>
                 </a:solidFill>
@@ -20577,13 +21091,13 @@
           </a:p>
           <a:p>
             <a:r>
-              <a:rPr lang="en-US" smtClean="0"/>
+              <a:rPr lang="en-US"/>
               <a:t>Class Design </a:t>
             </a:r>
           </a:p>
           <a:p>
             <a:r>
-              <a:rPr lang="en-US" smtClean="0"/>
+              <a:rPr lang="en-US"/>
               <a:t>Implementation</a:t>
             </a:r>
           </a:p>
@@ -20750,14 +21264,14 @@
           </a:ln>
           <a:extLst>
             <a:ext uri="{909E8E84-426E-40DD-AFC4-6F175D3DCCD1}">
-              <a14:hiddenFill xmlns:a14="http://schemas.microsoft.com/office/drawing/2010/main" xmlns="">
+              <a14:hiddenFill xmlns:a14="http://schemas.microsoft.com/office/drawing/2010/main">
                 <a:solidFill>
                   <a:srgbClr val="FFFFFF"/>
                 </a:solidFill>
               </a14:hiddenFill>
             </a:ext>
             <a:ext uri="{91240B29-F687-4F45-9708-019B960494DF}">
-              <a14:hiddenLine xmlns:a14="http://schemas.microsoft.com/office/drawing/2010/main" xmlns="" w="9525">
+              <a14:hiddenLine xmlns:a14="http://schemas.microsoft.com/office/drawing/2010/main" w="9525">
                 <a:solidFill>
                   <a:srgbClr val="000000"/>
                 </a:solidFill>
@@ -20882,7 +21396,7 @@
     </p:spTree>
     <p:extLst>
       <p:ext uri="{BB962C8B-B14F-4D97-AF65-F5344CB8AC3E}">
-        <p14:creationId xmlns:p14="http://schemas.microsoft.com/office/powerpoint/2010/main" xmlns="" val="4012604808"/>
+        <p14:creationId xmlns:p14="http://schemas.microsoft.com/office/powerpoint/2010/main" val="4012604808"/>
       </p:ext>
     </p:extLst>
   </p:cSld>
@@ -20925,7 +21439,7 @@
           <a:lstStyle/>
           <a:p>
             <a:r>
-              <a:rPr lang="en-US" smtClean="0"/>
+              <a:rPr lang="en-US"/>
               <a:t>Task of system designer </a:t>
             </a:r>
           </a:p>
@@ -20935,7 +21449,7 @@
               <a:buNone/>
             </a:pPr>
             <a:r>
-              <a:rPr lang="en-US" smtClean="0"/>
+              <a:rPr lang="en-US"/>
               <a:t>	- must decide what performance      	characteristics to optimize.</a:t>
             </a:r>
           </a:p>
@@ -20945,7 +21459,7 @@
               <a:buNone/>
             </a:pPr>
             <a:r>
-              <a:rPr lang="en-US" smtClean="0"/>
+              <a:rPr lang="en-US"/>
               <a:t>	- choose strategy to attack the problem.</a:t>
             </a:r>
           </a:p>
@@ -20955,7 +21469,7 @@
               <a:buNone/>
             </a:pPr>
             <a:r>
-              <a:rPr lang="en-US" smtClean="0"/>
+              <a:rPr lang="en-US"/>
               <a:t>	- making tentative resource allocation.</a:t>
             </a:r>
           </a:p>
@@ -21027,14 +21541,14 @@
           </a:ln>
           <a:extLst>
             <a:ext uri="{909E8E84-426E-40DD-AFC4-6F175D3DCCD1}">
-              <a14:hiddenFill xmlns:a14="http://schemas.microsoft.com/office/drawing/2010/main" xmlns="">
+              <a14:hiddenFill xmlns:a14="http://schemas.microsoft.com/office/drawing/2010/main">
                 <a:solidFill>
                   <a:srgbClr val="FFFFFF"/>
                 </a:solidFill>
               </a14:hiddenFill>
             </a:ext>
             <a:ext uri="{91240B29-F687-4F45-9708-019B960494DF}">
-              <a14:hiddenLine xmlns:a14="http://schemas.microsoft.com/office/drawing/2010/main" xmlns="" w="9525">
+              <a14:hiddenLine xmlns:a14="http://schemas.microsoft.com/office/drawing/2010/main" w="9525">
                 <a:solidFill>
                   <a:srgbClr val="000000"/>
                 </a:solidFill>
@@ -21159,20 +21673,13 @@
     </p:spTree>
     <p:extLst>
       <p:ext uri="{BB962C8B-B14F-4D97-AF65-F5344CB8AC3E}">
-        <p14:creationId xmlns:p14="http://schemas.microsoft.com/office/powerpoint/2010/main" xmlns="" val="283335932"/>
+        <p14:creationId xmlns:p14="http://schemas.microsoft.com/office/powerpoint/2010/main" val="283335932"/>
       </p:ext>
     </p:extLst>
   </p:cSld>
   <p:clrMapOvr>
     <a:masterClrMapping/>
   </p:clrMapOvr>
-  <p:timing>
-    <p:tnLst>
-      <p:par>
-        <p:cTn id="1" dur="indefinite" restart="never" nodeType="tmRoot"/>
-      </p:par>
-    </p:tnLst>
-  </p:timing>
 </p:sld>
 </file>
 
@@ -21217,23 +21724,23 @@
           <a:lstStyle/>
           <a:p>
             <a:r>
-              <a:rPr lang="en-US" smtClean="0"/>
+              <a:rPr lang="en-US"/>
               <a:t>System Conception</a:t>
             </a:r>
           </a:p>
           <a:p>
             <a:r>
-              <a:rPr lang="en-US" smtClean="0"/>
+              <a:rPr lang="en-US"/>
               <a:t>Analysis</a:t>
             </a:r>
           </a:p>
           <a:p>
             <a:r>
-              <a:rPr lang="en-US" smtClean="0"/>
+              <a:rPr lang="en-US"/>
               <a:t>System Design</a:t>
             </a:r>
             <a:r>
-              <a:rPr lang="en-US" smtClean="0">
+              <a:rPr lang="en-US">
                 <a:solidFill>
                   <a:srgbClr val="FF0000"/>
                 </a:solidFill>
@@ -21243,7 +21750,7 @@
           </a:p>
           <a:p>
             <a:r>
-              <a:rPr lang="en-US" smtClean="0">
+              <a:rPr lang="en-US">
                 <a:solidFill>
                   <a:srgbClr val="FF0000"/>
                 </a:solidFill>
@@ -21251,13 +21758,13 @@
               <a:t>Class Design</a:t>
             </a:r>
             <a:r>
-              <a:rPr lang="en-US" smtClean="0"/>
+              <a:rPr lang="en-US"/>
               <a:t> </a:t>
             </a:r>
           </a:p>
           <a:p>
             <a:r>
-              <a:rPr lang="en-US" smtClean="0"/>
+              <a:rPr lang="en-US"/>
               <a:t>Implementation</a:t>
             </a:r>
           </a:p>
@@ -21424,14 +21931,14 @@
           </a:ln>
           <a:extLst>
             <a:ext uri="{909E8E84-426E-40DD-AFC4-6F175D3DCCD1}">
-              <a14:hiddenFill xmlns:a14="http://schemas.microsoft.com/office/drawing/2010/main" xmlns="">
+              <a14:hiddenFill xmlns:a14="http://schemas.microsoft.com/office/drawing/2010/main">
                 <a:solidFill>
                   <a:srgbClr val="FFFFFF"/>
                 </a:solidFill>
               </a14:hiddenFill>
             </a:ext>
             <a:ext uri="{91240B29-F687-4F45-9708-019B960494DF}">
-              <a14:hiddenLine xmlns:a14="http://schemas.microsoft.com/office/drawing/2010/main" xmlns="" w="9525">
+              <a14:hiddenLine xmlns:a14="http://schemas.microsoft.com/office/drawing/2010/main" w="9525">
                 <a:solidFill>
                   <a:srgbClr val="000000"/>
                 </a:solidFill>
@@ -21556,20 +22063,13 @@
     </p:spTree>
     <p:extLst>
       <p:ext uri="{BB962C8B-B14F-4D97-AF65-F5344CB8AC3E}">
-        <p14:creationId xmlns:p14="http://schemas.microsoft.com/office/powerpoint/2010/main" xmlns="" val="1540993795"/>
+        <p14:creationId xmlns:p14="http://schemas.microsoft.com/office/powerpoint/2010/main" val="1540993795"/>
       </p:ext>
     </p:extLst>
   </p:cSld>
   <p:clrMapOvr>
     <a:masterClrMapping/>
   </p:clrMapOvr>
-  <p:timing>
-    <p:tnLst>
-      <p:par>
-        <p:cTn id="1" dur="indefinite" restart="never" nodeType="tmRoot"/>
-      </p:par>
-    </p:tnLst>
-  </p:timing>
 </p:sld>
 </file>
 
@@ -21606,7 +22106,7 @@
           <a:lstStyle/>
           <a:p>
             <a:r>
-              <a:rPr lang="en-US" smtClean="0"/>
+              <a:rPr lang="en-US"/>
               <a:t>Task of class designer</a:t>
             </a:r>
           </a:p>
@@ -21616,7 +22116,7 @@
               <a:buNone/>
             </a:pPr>
             <a:r>
-              <a:rPr lang="en-US" smtClean="0"/>
+              <a:rPr lang="en-US"/>
               <a:t>	- add details to analysis model</a:t>
             </a:r>
           </a:p>
@@ -21626,15 +22126,15 @@
               <a:buNone/>
             </a:pPr>
             <a:r>
-              <a:rPr lang="en-US" smtClean="0"/>
+              <a:rPr lang="en-US"/>
               <a:t>	- They determine </a:t>
             </a:r>
             <a:r>
-              <a:rPr lang="en-US" i="1" smtClean="0"/>
+              <a:rPr lang="en-US" i="1"/>
               <a:t>data structures &amp; algorithm </a:t>
             </a:r>
             <a:r>
-              <a:rPr lang="en-US" smtClean="0"/>
+              <a:rPr lang="en-US"/>
               <a:t>for each of the operation of window class.</a:t>
             </a:r>
           </a:p>
@@ -21644,7 +22144,7 @@
               <a:buNone/>
             </a:pPr>
             <a:r>
-              <a:rPr lang="en-US" smtClean="0"/>
+              <a:rPr lang="en-US"/>
               <a:t>	- They elaborate both domain &amp; application  </a:t>
             </a:r>
           </a:p>
@@ -21654,7 +22154,7 @@
               <a:buNone/>
             </a:pPr>
             <a:r>
-              <a:rPr lang="en-US" smtClean="0"/>
+              <a:rPr lang="en-US"/>
               <a:t>		objects using same OO concept &amp; notation.</a:t>
             </a:r>
           </a:p>
@@ -21682,14 +22182,14 @@
           </a:ln>
           <a:extLst>
             <a:ext uri="{909E8E84-426E-40DD-AFC4-6F175D3DCCD1}">
-              <a14:hiddenFill xmlns:a14="http://schemas.microsoft.com/office/drawing/2010/main" xmlns="">
+              <a14:hiddenFill xmlns:a14="http://schemas.microsoft.com/office/drawing/2010/main">
                 <a:solidFill>
                   <a:srgbClr val="FFFFFF"/>
                 </a:solidFill>
               </a14:hiddenFill>
             </a:ext>
             <a:ext uri="{91240B29-F687-4F45-9708-019B960494DF}">
-              <a14:hiddenLine xmlns:a14="http://schemas.microsoft.com/office/drawing/2010/main" xmlns="" w="9525">
+              <a14:hiddenLine xmlns:a14="http://schemas.microsoft.com/office/drawing/2010/main" w="9525">
                 <a:solidFill>
                   <a:srgbClr val="000000"/>
                 </a:solidFill>
@@ -21814,20 +22314,13 @@
     </p:spTree>
     <p:extLst>
       <p:ext uri="{BB962C8B-B14F-4D97-AF65-F5344CB8AC3E}">
-        <p14:creationId xmlns:p14="http://schemas.microsoft.com/office/powerpoint/2010/main" xmlns="" val="3482960526"/>
+        <p14:creationId xmlns:p14="http://schemas.microsoft.com/office/powerpoint/2010/main" val="3482960526"/>
       </p:ext>
     </p:extLst>
   </p:cSld>
   <p:clrMapOvr>
     <a:masterClrMapping/>
   </p:clrMapOvr>
-  <p:timing>
-    <p:tnLst>
-      <p:par>
-        <p:cTn id="1" dur="indefinite" restart="never" nodeType="tmRoot"/>
-      </p:par>
-    </p:tnLst>
-  </p:timing>
 </p:sld>
 </file>
 
@@ -21872,23 +22365,23 @@
           <a:lstStyle/>
           <a:p>
             <a:r>
-              <a:rPr lang="en-US" smtClean="0"/>
+              <a:rPr lang="en-US"/>
               <a:t>System Conception</a:t>
             </a:r>
           </a:p>
           <a:p>
             <a:r>
-              <a:rPr lang="en-US" smtClean="0"/>
+              <a:rPr lang="en-US"/>
               <a:t>Analysis</a:t>
             </a:r>
           </a:p>
           <a:p>
             <a:r>
-              <a:rPr lang="en-US" smtClean="0"/>
+              <a:rPr lang="en-US"/>
               <a:t>System Design</a:t>
             </a:r>
             <a:r>
-              <a:rPr lang="en-US" smtClean="0">
+              <a:rPr lang="en-US">
                 <a:solidFill>
                   <a:srgbClr val="FF0000"/>
                 </a:solidFill>
@@ -21898,13 +22391,13 @@
           </a:p>
           <a:p>
             <a:r>
-              <a:rPr lang="en-US" smtClean="0"/>
+              <a:rPr lang="en-US"/>
               <a:t>Class Design </a:t>
             </a:r>
           </a:p>
           <a:p>
             <a:r>
-              <a:rPr lang="en-US" smtClean="0">
+              <a:rPr lang="en-US">
                 <a:solidFill>
                   <a:srgbClr val="FF0000"/>
                 </a:solidFill>
@@ -22075,14 +22568,14 @@
           </a:ln>
           <a:extLst>
             <a:ext uri="{909E8E84-426E-40DD-AFC4-6F175D3DCCD1}">
-              <a14:hiddenFill xmlns:a14="http://schemas.microsoft.com/office/drawing/2010/main" xmlns="">
+              <a14:hiddenFill xmlns:a14="http://schemas.microsoft.com/office/drawing/2010/main">
                 <a:solidFill>
                   <a:srgbClr val="FFFFFF"/>
                 </a:solidFill>
               </a14:hiddenFill>
             </a:ext>
             <a:ext uri="{91240B29-F687-4F45-9708-019B960494DF}">
-              <a14:hiddenLine xmlns:a14="http://schemas.microsoft.com/office/drawing/2010/main" xmlns="" w="9525">
+              <a14:hiddenLine xmlns:a14="http://schemas.microsoft.com/office/drawing/2010/main" w="9525">
                 <a:solidFill>
                   <a:srgbClr val="000000"/>
                 </a:solidFill>
@@ -22207,20 +22700,13 @@
     </p:spTree>
     <p:extLst>
       <p:ext uri="{BB962C8B-B14F-4D97-AF65-F5344CB8AC3E}">
-        <p14:creationId xmlns:p14="http://schemas.microsoft.com/office/powerpoint/2010/main" xmlns="" val="336822250"/>
+        <p14:creationId xmlns:p14="http://schemas.microsoft.com/office/powerpoint/2010/main" val="336822250"/>
       </p:ext>
     </p:extLst>
   </p:cSld>
   <p:clrMapOvr>
     <a:masterClrMapping/>
   </p:clrMapOvr>
-  <p:timing>
-    <p:tnLst>
-      <p:par>
-        <p:cTn id="1" dur="indefinite" restart="never" nodeType="tmRoot"/>
-      </p:par>
-    </p:tnLst>
-  </p:timing>
 </p:sld>
 </file>
 
@@ -22261,19 +22747,19 @@
               <a:buNone/>
             </a:pPr>
             <a:r>
-              <a:rPr lang="en-US" smtClean="0"/>
+              <a:rPr lang="en-US"/>
               <a:t>Task of Implementers :-</a:t>
             </a:r>
           </a:p>
           <a:p>
             <a:r>
-              <a:rPr lang="en-US" smtClean="0"/>
+              <a:rPr lang="en-US"/>
               <a:t>Translates the classes &amp; relationships developed during class design into particular programming language, database or hardware</a:t>
             </a:r>
           </a:p>
           <a:p>
             <a:r>
-              <a:rPr lang="en-US" smtClean="0"/>
+              <a:rPr lang="en-US"/>
               <a:t>During implementation, follow good software engineering practice so that traceability to the design is apparent (i.e. clear).</a:t>
             </a:r>
           </a:p>
@@ -22301,14 +22787,14 @@
           </a:ln>
           <a:extLst>
             <a:ext uri="{909E8E84-426E-40DD-AFC4-6F175D3DCCD1}">
-              <a14:hiddenFill xmlns:a14="http://schemas.microsoft.com/office/drawing/2010/main" xmlns="">
+              <a14:hiddenFill xmlns:a14="http://schemas.microsoft.com/office/drawing/2010/main">
                 <a:solidFill>
                   <a:srgbClr val="FFFFFF"/>
                 </a:solidFill>
               </a14:hiddenFill>
             </a:ext>
             <a:ext uri="{91240B29-F687-4F45-9708-019B960494DF}">
-              <a14:hiddenLine xmlns:a14="http://schemas.microsoft.com/office/drawing/2010/main" xmlns="" w="9525">
+              <a14:hiddenLine xmlns:a14="http://schemas.microsoft.com/office/drawing/2010/main" w="9525">
                 <a:solidFill>
                   <a:srgbClr val="000000"/>
                 </a:solidFill>
@@ -22433,20 +22919,13 @@
     </p:spTree>
     <p:extLst>
       <p:ext uri="{BB962C8B-B14F-4D97-AF65-F5344CB8AC3E}">
-        <p14:creationId xmlns:p14="http://schemas.microsoft.com/office/powerpoint/2010/main" xmlns="" val="2565919547"/>
+        <p14:creationId xmlns:p14="http://schemas.microsoft.com/office/powerpoint/2010/main" val="2565919547"/>
       </p:ext>
     </p:extLst>
   </p:cSld>
   <p:clrMapOvr>
     <a:masterClrMapping/>
   </p:clrMapOvr>
-  <p:timing>
-    <p:tnLst>
-      <p:par>
-        <p:cTn id="1" dur="indefinite" restart="never" nodeType="tmRoot"/>
-      </p:par>
-    </p:tnLst>
-  </p:timing>
 </p:sld>
 </file>
 
@@ -22600,14 +23079,14 @@
           </a:ln>
           <a:extLst>
             <a:ext uri="{909E8E84-426E-40DD-AFC4-6F175D3DCCD1}">
-              <a14:hiddenFill xmlns:a14="http://schemas.microsoft.com/office/drawing/2010/main" xmlns="">
+              <a14:hiddenFill xmlns:a14="http://schemas.microsoft.com/office/drawing/2010/main">
                 <a:solidFill>
                   <a:srgbClr val="FFFFFF"/>
                 </a:solidFill>
               </a14:hiddenFill>
             </a:ext>
             <a:ext uri="{91240B29-F687-4F45-9708-019B960494DF}">
-              <a14:hiddenLine xmlns:a14="http://schemas.microsoft.com/office/drawing/2010/main" xmlns="" w="9525">
+              <a14:hiddenLine xmlns:a14="http://schemas.microsoft.com/office/drawing/2010/main" w="9525">
                 <a:solidFill>
                   <a:srgbClr val="000000"/>
                 </a:solidFill>
@@ -22732,20 +23211,13 @@
     </p:spTree>
     <p:extLst>
       <p:ext uri="{BB962C8B-B14F-4D97-AF65-F5344CB8AC3E}">
-        <p14:creationId xmlns:p14="http://schemas.microsoft.com/office/powerpoint/2010/main" xmlns="" val="2952665820"/>
+        <p14:creationId xmlns:p14="http://schemas.microsoft.com/office/powerpoint/2010/main" val="2952665820"/>
       </p:ext>
     </p:extLst>
   </p:cSld>
   <p:clrMapOvr>
     <a:masterClrMapping/>
   </p:clrMapOvr>
-  <p:timing>
-    <p:tnLst>
-      <p:par>
-        <p:cTn id="1" dur="indefinite" restart="never" nodeType="tmRoot"/>
-      </p:par>
-    </p:tnLst>
-  </p:timing>
 </p:sld>
 </file>
 
@@ -23343,7 +23815,7 @@
           </a:ln>
           <a:extLst>
             <a:ext uri="{909E8E84-426E-40DD-AFC4-6F175D3DCCD1}">
-              <a14:hiddenFill xmlns:a14="http://schemas.microsoft.com/office/drawing/2010/main" xmlns="">
+              <a14:hiddenFill xmlns:a14="http://schemas.microsoft.com/office/drawing/2010/main">
                 <a:noFill/>
               </a14:hiddenFill>
             </a:ext>
@@ -23379,7 +23851,7 @@
           </a:ln>
           <a:extLst>
             <a:ext uri="{909E8E84-426E-40DD-AFC4-6F175D3DCCD1}">
-              <a14:hiddenFill xmlns:a14="http://schemas.microsoft.com/office/drawing/2010/main" xmlns="">
+              <a14:hiddenFill xmlns:a14="http://schemas.microsoft.com/office/drawing/2010/main">
                 <a:noFill/>
               </a14:hiddenFill>
             </a:ext>
@@ -23414,7 +23886,7 @@
           </a:ln>
           <a:extLst>
             <a:ext uri="{909E8E84-426E-40DD-AFC4-6F175D3DCCD1}">
-              <a14:hiddenFill xmlns:a14="http://schemas.microsoft.com/office/drawing/2010/main" xmlns="">
+              <a14:hiddenFill xmlns:a14="http://schemas.microsoft.com/office/drawing/2010/main">
                 <a:noFill/>
               </a14:hiddenFill>
             </a:ext>
@@ -23866,14 +24338,14 @@
           </a:ln>
           <a:extLst>
             <a:ext uri="{909E8E84-426E-40DD-AFC4-6F175D3DCCD1}">
-              <a14:hiddenFill xmlns:a14="http://schemas.microsoft.com/office/drawing/2010/main" xmlns="">
+              <a14:hiddenFill xmlns:a14="http://schemas.microsoft.com/office/drawing/2010/main">
                 <a:solidFill>
                   <a:srgbClr val="FFFFFF"/>
                 </a:solidFill>
               </a14:hiddenFill>
             </a:ext>
             <a:ext uri="{91240B29-F687-4F45-9708-019B960494DF}">
-              <a14:hiddenLine xmlns:a14="http://schemas.microsoft.com/office/drawing/2010/main" xmlns="" w="9525">
+              <a14:hiddenLine xmlns:a14="http://schemas.microsoft.com/office/drawing/2010/main" w="9525">
                 <a:solidFill>
                   <a:srgbClr val="000000"/>
                 </a:solidFill>
@@ -23998,20 +24470,13 @@
     </p:spTree>
     <p:extLst>
       <p:ext uri="{BB962C8B-B14F-4D97-AF65-F5344CB8AC3E}">
-        <p14:creationId xmlns:p14="http://schemas.microsoft.com/office/powerpoint/2010/main" xmlns="" val="1321996462"/>
+        <p14:creationId xmlns:p14="http://schemas.microsoft.com/office/powerpoint/2010/main" val="1321996462"/>
       </p:ext>
     </p:extLst>
   </p:cSld>
   <p:clrMapOvr>
     <a:masterClrMapping/>
   </p:clrMapOvr>
-  <p:timing>
-    <p:tnLst>
-      <p:par>
-        <p:cTn id="1" dur="indefinite" restart="never" nodeType="tmRoot"/>
-      </p:par>
-    </p:tnLst>
-  </p:timing>
 </p:sld>
 </file>
 
@@ -24048,54 +24513,54 @@
           <a:lstStyle/>
           <a:p>
             <a:r>
-              <a:rPr lang="en-US" smtClean="0"/>
+              <a:rPr lang="en-US"/>
               <a:t>In many cases, initial event is occurrence that triggers a chain of activity.</a:t>
             </a:r>
           </a:p>
           <a:p>
             <a:r>
-              <a:rPr lang="en-US" smtClean="0"/>
+              <a:rPr lang="en-US"/>
               <a:t>Similar, determine final event(s).</a:t>
             </a:r>
           </a:p>
           <a:p>
             <a:pPr lvl="1"/>
             <a:r>
-              <a:rPr lang="en-US" smtClean="0"/>
+              <a:rPr lang="en-US"/>
               <a:t>For ex. For “apply of loan” would continue until</a:t>
             </a:r>
           </a:p>
           <a:p>
             <a:pPr lvl="2"/>
             <a:r>
-              <a:rPr lang="en-US" sz="3200" smtClean="0"/>
+              <a:rPr lang="en-US" sz="3200"/>
               <a:t>Application submit</a:t>
             </a:r>
           </a:p>
           <a:p>
             <a:pPr lvl="2"/>
             <a:r>
-              <a:rPr lang="en-US" sz="3200" smtClean="0"/>
+              <a:rPr lang="en-US" sz="3200"/>
               <a:t>Loan grant or reject</a:t>
             </a:r>
           </a:p>
           <a:p>
             <a:pPr lvl="2"/>
             <a:r>
-              <a:rPr lang="en-US" sz="3200" smtClean="0"/>
+              <a:rPr lang="en-US" sz="3200"/>
               <a:t>Loan is delivered.</a:t>
             </a:r>
           </a:p>
           <a:p>
             <a:pPr lvl="2"/>
             <a:r>
-              <a:rPr lang="en-US" sz="3200" smtClean="0"/>
+              <a:rPr lang="en-US" sz="3200"/>
               <a:t>Paid off and Closed.</a:t>
             </a:r>
           </a:p>
           <a:p>
             <a:r>
-              <a:rPr lang="en-US" smtClean="0"/>
+              <a:rPr lang="en-US"/>
               <a:t>User must define the scope for termination.</a:t>
             </a:r>
           </a:p>
@@ -24425,7 +24890,6 @@
                 <a:headEnd/>
                 <a:tailEnd/>
               </a:ln>
-              <a:extLst/>
             </p:spPr>
           </p:cxnSp>
         </p:grpSp>
@@ -24613,7 +25077,6 @@
                 <a:headEnd/>
                 <a:tailEnd/>
               </a:ln>
-              <a:extLst/>
             </p:spPr>
           </p:cxnSp>
         </p:grpSp>
@@ -24642,7 +25105,6 @@
               <a:headEnd/>
               <a:tailEnd/>
             </a:ln>
-            <a:extLst/>
           </p:spPr>
         </p:cxnSp>
         <p:sp>
@@ -25107,20 +25569,13 @@
     </p:spTree>
     <p:extLst>
       <p:ext uri="{BB962C8B-B14F-4D97-AF65-F5344CB8AC3E}">
-        <p14:creationId xmlns:p14="http://schemas.microsoft.com/office/powerpoint/2010/main" xmlns="" val="4259353830"/>
+        <p14:creationId xmlns:p14="http://schemas.microsoft.com/office/powerpoint/2010/main" val="4259353830"/>
       </p:ext>
     </p:extLst>
   </p:cSld>
   <p:clrMapOvr>
     <a:masterClrMapping/>
   </p:clrMapOvr>
-  <p:timing>
-    <p:tnLst>
-      <p:par>
-        <p:cTn id="1" dur="indefinite" restart="never" nodeType="tmRoot"/>
-      </p:par>
-    </p:tnLst>
-  </p:timing>
 </p:sld>
 </file>
 
@@ -25515,20 +25970,13 @@
     </p:spTree>
     <p:extLst>
       <p:ext uri="{BB962C8B-B14F-4D97-AF65-F5344CB8AC3E}">
-        <p14:creationId xmlns:p14="http://schemas.microsoft.com/office/powerpoint/2010/main" xmlns="" val="1223337372"/>
+        <p14:creationId xmlns:p14="http://schemas.microsoft.com/office/powerpoint/2010/main" val="1223337372"/>
       </p:ext>
     </p:extLst>
   </p:cSld>
   <p:clrMapOvr>
     <a:masterClrMapping/>
   </p:clrMapOvr>
-  <p:timing>
-    <p:tnLst>
-      <p:par>
-        <p:cTn id="1" dur="indefinite" restart="never" nodeType="tmRoot"/>
-      </p:par>
-    </p:tnLst>
-  </p:timing>
 </p:sld>
 </file>
 
@@ -25888,20 +26336,13 @@
     </p:spTree>
     <p:extLst>
       <p:ext uri="{BB962C8B-B14F-4D97-AF65-F5344CB8AC3E}">
-        <p14:creationId xmlns:p14="http://schemas.microsoft.com/office/powerpoint/2010/main" xmlns="" val="1873711526"/>
+        <p14:creationId xmlns:p14="http://schemas.microsoft.com/office/powerpoint/2010/main" val="1873711526"/>
       </p:ext>
     </p:extLst>
   </p:cSld>
   <p:clrMapOvr>
     <a:masterClrMapping/>
   </p:clrMapOvr>
-  <p:timing>
-    <p:tnLst>
-      <p:par>
-        <p:cTn id="1" dur="indefinite" restart="never" nodeType="tmRoot"/>
-      </p:par>
-    </p:tnLst>
-  </p:timing>
 </p:sld>
 </file>
 
@@ -25951,7 +26392,7 @@
               <a:defRPr/>
             </a:pPr>
             <a:r>
-              <a:rPr lang="en-US" dirty="0" smtClean="0"/>
+              <a:rPr lang="en-US" dirty="0"/>
               <a:t>Use cases:</a:t>
             </a:r>
           </a:p>
@@ -25960,7 +26401,7 @@
               <a:defRPr/>
             </a:pPr>
             <a:r>
-              <a:rPr lang="en-US" dirty="0" smtClean="0"/>
+              <a:rPr lang="en-US" dirty="0"/>
               <a:t>Focus on functioning of system</a:t>
             </a:r>
           </a:p>
@@ -25969,11 +26410,11 @@
               <a:defRPr/>
             </a:pPr>
             <a:r>
-              <a:rPr lang="en-US" dirty="0" smtClean="0"/>
+              <a:rPr lang="en-US" dirty="0"/>
               <a:t>Simple mean, </a:t>
             </a:r>
             <a:r>
-              <a:rPr lang="en-US" b="1" i="1" dirty="0" smtClean="0"/>
+              <a:rPr lang="en-US" b="1" i="1" dirty="0"/>
               <a:t>what a system does for users</a:t>
             </a:r>
           </a:p>
@@ -25982,7 +26423,7 @@
               <a:defRPr/>
             </a:pPr>
             <a:r>
-              <a:rPr lang="en-US" dirty="0" smtClean="0"/>
+              <a:rPr lang="en-US" dirty="0"/>
               <a:t>Sequence diagram</a:t>
             </a:r>
           </a:p>
@@ -25991,7 +26432,7 @@
               <a:defRPr/>
             </a:pPr>
             <a:r>
-              <a:rPr lang="en-US" dirty="0" smtClean="0"/>
+              <a:rPr lang="en-US" dirty="0"/>
               <a:t>Shows the object that interact </a:t>
             </a:r>
           </a:p>
@@ -26000,7 +26441,7 @@
               <a:defRPr/>
             </a:pPr>
             <a:r>
-              <a:rPr lang="en-US" dirty="0" smtClean="0"/>
+              <a:rPr lang="en-US" dirty="0"/>
               <a:t>Time sequence of their interactions</a:t>
             </a:r>
           </a:p>
@@ -26009,7 +26450,7 @@
               <a:defRPr/>
             </a:pPr>
             <a:r>
-              <a:rPr lang="en-US" dirty="0" smtClean="0"/>
+              <a:rPr lang="en-US" dirty="0"/>
               <a:t>Activity diagram</a:t>
             </a:r>
           </a:p>
@@ -26018,7 +26459,7 @@
               <a:defRPr/>
             </a:pPr>
             <a:r>
-              <a:rPr lang="en-US" dirty="0" smtClean="0"/>
+              <a:rPr lang="en-US" dirty="0"/>
               <a:t>Elaborate important processing steps.</a:t>
             </a:r>
           </a:p>
@@ -26027,7 +26468,7 @@
               <a:defRPr/>
             </a:pPr>
             <a:r>
-              <a:rPr lang="en-US" dirty="0" smtClean="0"/>
+              <a:rPr lang="en-US" dirty="0"/>
               <a:t>Activity diagrams can be used to describe the business and operational step-by-step workflows of components in a system</a:t>
             </a:r>
           </a:p>
@@ -26035,7 +26476,7 @@
             <a:pPr marL="590565" lvl="1">
               <a:defRPr/>
             </a:pPr>
-            <a:endParaRPr lang="en-US" dirty="0" smtClean="0"/>
+            <a:endParaRPr lang="en-US" dirty="0"/>
           </a:p>
         </p:txBody>
       </p:sp>
@@ -26061,14 +26502,14 @@
           </a:ln>
           <a:extLst>
             <a:ext uri="{909E8E84-426E-40DD-AFC4-6F175D3DCCD1}">
-              <a14:hiddenFill xmlns:a14="http://schemas.microsoft.com/office/drawing/2010/main" xmlns="">
+              <a14:hiddenFill xmlns:a14="http://schemas.microsoft.com/office/drawing/2010/main">
                 <a:solidFill>
                   <a:srgbClr val="FFFFFF"/>
                 </a:solidFill>
               </a14:hiddenFill>
             </a:ext>
             <a:ext uri="{91240B29-F687-4F45-9708-019B960494DF}">
-              <a14:hiddenLine xmlns:a14="http://schemas.microsoft.com/office/drawing/2010/main" xmlns="" w="9525">
+              <a14:hiddenLine xmlns:a14="http://schemas.microsoft.com/office/drawing/2010/main" w="9525">
                 <a:solidFill>
                   <a:srgbClr val="000000"/>
                 </a:solidFill>
@@ -26193,20 +26634,13 @@
     </p:spTree>
     <p:extLst>
       <p:ext uri="{BB962C8B-B14F-4D97-AF65-F5344CB8AC3E}">
-        <p14:creationId xmlns:p14="http://schemas.microsoft.com/office/powerpoint/2010/main" xmlns="" val="2762841619"/>
+        <p14:creationId xmlns:p14="http://schemas.microsoft.com/office/powerpoint/2010/main" val="2762841619"/>
       </p:ext>
     </p:extLst>
   </p:cSld>
   <p:clrMapOvr>
     <a:masterClrMapping/>
   </p:clrMapOvr>
-  <p:timing>
-    <p:tnLst>
-      <p:par>
-        <p:cTn id="1" dur="indefinite" restart="never" nodeType="tmRoot"/>
-      </p:par>
-    </p:tnLst>
-  </p:timing>
 </p:sld>
 </file>
 
@@ -26375,32 +26809,32 @@
           <a:lstStyle/>
           <a:p>
             <a:r>
-              <a:rPr lang="en-US" b="1" dirty="0" smtClean="0"/>
+              <a:rPr lang="en-US" b="1" dirty="0"/>
               <a:t>Grady </a:t>
             </a:r>
             <a:r>
-              <a:rPr lang="en-US" b="1" dirty="0" err="1" smtClean="0"/>
+              <a:rPr lang="en-US" b="1" dirty="0" err="1"/>
               <a:t>Booch</a:t>
             </a:r>
-            <a:endParaRPr lang="en-US" b="1" dirty="0" smtClean="0"/>
-          </a:p>
-          <a:p>
-            <a:r>
-              <a:rPr lang="en-US" b="1" dirty="0" smtClean="0"/>
+            <a:endParaRPr lang="en-US" b="1" dirty="0"/>
+          </a:p>
+          <a:p>
+            <a:r>
+              <a:rPr lang="en-US" b="1" dirty="0"/>
               <a:t>James </a:t>
             </a:r>
             <a:r>
-              <a:rPr lang="en-US" b="1" dirty="0" err="1" smtClean="0"/>
+              <a:rPr lang="en-US" b="1" dirty="0" err="1"/>
               <a:t>Rumbaugh</a:t>
             </a:r>
             <a:r>
-              <a:rPr lang="en-US" b="1" dirty="0" smtClean="0"/>
+              <a:rPr lang="en-US" b="1" dirty="0"/>
               <a:t> </a:t>
             </a:r>
           </a:p>
           <a:p>
             <a:r>
-              <a:rPr lang="en-US" b="1" dirty="0" smtClean="0"/>
+              <a:rPr lang="en-US" b="1" dirty="0"/>
               <a:t>Ivar Jacobson</a:t>
             </a:r>
           </a:p>
@@ -26410,13 +26844,13 @@
               <a:buNone/>
             </a:pPr>
             <a:r>
-              <a:rPr lang="en-US" dirty="0" smtClean="0"/>
+              <a:rPr lang="en-US" dirty="0"/>
               <a:t>    Are the man behind Invention of  OO Modeling Technique.</a:t>
             </a:r>
           </a:p>
           <a:p>
             <a:r>
-              <a:rPr lang="en-US" dirty="0" smtClean="0"/>
+              <a:rPr lang="en-US" dirty="0"/>
               <a:t>Object Modeling Technique (OMT) concept evolved in  1991.</a:t>
             </a:r>
           </a:p>
@@ -26444,14 +26878,14 @@
           </a:ln>
           <a:extLst>
             <a:ext uri="{909E8E84-426E-40DD-AFC4-6F175D3DCCD1}">
-              <a14:hiddenFill xmlns:a14="http://schemas.microsoft.com/office/drawing/2010/main" xmlns="">
+              <a14:hiddenFill xmlns:a14="http://schemas.microsoft.com/office/drawing/2010/main">
                 <a:solidFill>
                   <a:srgbClr val="FFFFFF"/>
                 </a:solidFill>
               </a14:hiddenFill>
             </a:ext>
             <a:ext uri="{91240B29-F687-4F45-9708-019B960494DF}">
-              <a14:hiddenLine xmlns:a14="http://schemas.microsoft.com/office/drawing/2010/main" xmlns="" w="9525">
+              <a14:hiddenLine xmlns:a14="http://schemas.microsoft.com/office/drawing/2010/main" w="9525">
                 <a:solidFill>
                   <a:srgbClr val="000000"/>
                 </a:solidFill>
@@ -26576,20 +27010,13 @@
     </p:spTree>
     <p:extLst>
       <p:ext uri="{BB962C8B-B14F-4D97-AF65-F5344CB8AC3E}">
-        <p14:creationId xmlns:p14="http://schemas.microsoft.com/office/powerpoint/2010/main" xmlns="" val="2994917454"/>
+        <p14:creationId xmlns:p14="http://schemas.microsoft.com/office/powerpoint/2010/main" val="2994917454"/>
       </p:ext>
     </p:extLst>
   </p:cSld>
   <p:clrMapOvr>
     <a:masterClrMapping/>
   </p:clrMapOvr>
-  <p:timing>
-    <p:tnLst>
-      <p:par>
-        <p:cTn id="1" dur="indefinite" restart="never" nodeType="tmRoot"/>
-      </p:par>
-    </p:tnLst>
-  </p:timing>
 </p:sld>
 </file>
 
@@ -26758,13 +27185,13 @@
           <a:lstStyle/>
           <a:p>
             <a:r>
-              <a:rPr lang="en-US" smtClean="0"/>
+              <a:rPr lang="en-US"/>
               <a:t>In 1994 James Rumbaugh joined Rational (now the part of IBM) in 1994 &amp; began working with Grady Booch on UML Notations.</a:t>
             </a:r>
           </a:p>
           <a:p>
             <a:r>
-              <a:rPr lang="en-US" smtClean="0"/>
+              <a:rPr lang="en-US"/>
               <a:t>In 1995, Ivar Jacobson also joined Rational &amp; added his concept to the unification work.</a:t>
             </a:r>
           </a:p>
@@ -26791,14 +27218,14 @@
           <a:noFill/>
           <a:extLst>
             <a:ext uri="{909E8E84-426E-40DD-AFC4-6F175D3DCCD1}">
-              <a14:hiddenFill xmlns:a14="http://schemas.microsoft.com/office/drawing/2010/main" xmlns="">
+              <a14:hiddenFill xmlns:a14="http://schemas.microsoft.com/office/drawing/2010/main">
                 <a:solidFill>
                   <a:srgbClr val="FFFFFF"/>
                 </a:solidFill>
               </a14:hiddenFill>
             </a:ext>
             <a:ext uri="{91240B29-F687-4F45-9708-019B960494DF}">
-              <a14:hiddenLine xmlns:a14="http://schemas.microsoft.com/office/drawing/2010/main" xmlns="" w="9525">
+              <a14:hiddenLine xmlns:a14="http://schemas.microsoft.com/office/drawing/2010/main" w="9525">
                 <a:solidFill>
                   <a:srgbClr val="000000"/>
                 </a:solidFill>
@@ -26818,7 +27245,7 @@
           <a:lstStyle/>
           <a:p>
             <a:r>
-              <a:rPr lang="en-US" smtClean="0"/>
+              <a:rPr lang="en-US"/>
               <a:t> </a:t>
             </a:r>
           </a:p>
@@ -26846,14 +27273,14 @@
           </a:ln>
           <a:extLst>
             <a:ext uri="{909E8E84-426E-40DD-AFC4-6F175D3DCCD1}">
-              <a14:hiddenFill xmlns:a14="http://schemas.microsoft.com/office/drawing/2010/main" xmlns="">
+              <a14:hiddenFill xmlns:a14="http://schemas.microsoft.com/office/drawing/2010/main">
                 <a:solidFill>
                   <a:srgbClr val="FFFFFF"/>
                 </a:solidFill>
               </a14:hiddenFill>
             </a:ext>
             <a:ext uri="{91240B29-F687-4F45-9708-019B960494DF}">
-              <a14:hiddenLine xmlns:a14="http://schemas.microsoft.com/office/drawing/2010/main" xmlns="" w="9525">
+              <a14:hiddenLine xmlns:a14="http://schemas.microsoft.com/office/drawing/2010/main" w="9525">
                 <a:solidFill>
                   <a:srgbClr val="000000"/>
                 </a:solidFill>
@@ -26978,20 +27405,13 @@
     </p:spTree>
     <p:extLst>
       <p:ext uri="{BB962C8B-B14F-4D97-AF65-F5344CB8AC3E}">
-        <p14:creationId xmlns:p14="http://schemas.microsoft.com/office/powerpoint/2010/main" xmlns="" val="3161521108"/>
+        <p14:creationId xmlns:p14="http://schemas.microsoft.com/office/powerpoint/2010/main" val="3161521108"/>
       </p:ext>
     </p:extLst>
   </p:cSld>
   <p:clrMapOvr>
     <a:masterClrMapping/>
   </p:clrMapOvr>
-  <p:timing>
-    <p:tnLst>
-      <p:par>
-        <p:cTn id="1" dur="indefinite" restart="never" nodeType="tmRoot"/>
-      </p:par>
-    </p:tnLst>
-  </p:timing>
 </p:sld>
 </file>
 
@@ -27160,13 +27580,13 @@
           <a:lstStyle/>
           <a:p>
             <a:r>
-              <a:rPr lang="en-US" smtClean="0"/>
+              <a:rPr lang="en-US"/>
               <a:t>In 1996 the Object Management Group issued a request for proposals for standard OO modeling notation.</a:t>
             </a:r>
           </a:p>
           <a:p>
             <a:r>
-              <a:rPr lang="en-US" smtClean="0"/>
+              <a:rPr lang="en-US"/>
               <a:t>Later Rational led the final proposal team, with Booch, Rumbaugh &amp; Jacobson deeply involved.</a:t>
             </a:r>
           </a:p>
@@ -27193,14 +27613,14 @@
           <a:noFill/>
           <a:extLst>
             <a:ext uri="{909E8E84-426E-40DD-AFC4-6F175D3DCCD1}">
-              <a14:hiddenFill xmlns:a14="http://schemas.microsoft.com/office/drawing/2010/main" xmlns="">
+              <a14:hiddenFill xmlns:a14="http://schemas.microsoft.com/office/drawing/2010/main">
                 <a:solidFill>
                   <a:srgbClr val="FFFFFF"/>
                 </a:solidFill>
               </a14:hiddenFill>
             </a:ext>
             <a:ext uri="{91240B29-F687-4F45-9708-019B960494DF}">
-              <a14:hiddenLine xmlns:a14="http://schemas.microsoft.com/office/drawing/2010/main" xmlns="" w="9525">
+              <a14:hiddenLine xmlns:a14="http://schemas.microsoft.com/office/drawing/2010/main" w="9525">
                 <a:solidFill>
                   <a:srgbClr val="000000"/>
                 </a:solidFill>
@@ -27220,7 +27640,7 @@
           <a:lstStyle/>
           <a:p>
             <a:r>
-              <a:rPr lang="en-US" smtClean="0"/>
+              <a:rPr lang="en-US"/>
               <a:t> </a:t>
             </a:r>
           </a:p>
@@ -27248,14 +27668,14 @@
           </a:ln>
           <a:extLst>
             <a:ext uri="{909E8E84-426E-40DD-AFC4-6F175D3DCCD1}">
-              <a14:hiddenFill xmlns:a14="http://schemas.microsoft.com/office/drawing/2010/main" xmlns="">
+              <a14:hiddenFill xmlns:a14="http://schemas.microsoft.com/office/drawing/2010/main">
                 <a:solidFill>
                   <a:srgbClr val="FFFFFF"/>
                 </a:solidFill>
               </a14:hiddenFill>
             </a:ext>
             <a:ext uri="{91240B29-F687-4F45-9708-019B960494DF}">
-              <a14:hiddenLine xmlns:a14="http://schemas.microsoft.com/office/drawing/2010/main" xmlns="" w="9525">
+              <a14:hiddenLine xmlns:a14="http://schemas.microsoft.com/office/drawing/2010/main" w="9525">
                 <a:solidFill>
                   <a:srgbClr val="000000"/>
                 </a:solidFill>
@@ -27380,20 +27800,13 @@
     </p:spTree>
     <p:extLst>
       <p:ext uri="{BB962C8B-B14F-4D97-AF65-F5344CB8AC3E}">
-        <p14:creationId xmlns:p14="http://schemas.microsoft.com/office/powerpoint/2010/main" xmlns="" val="2532850784"/>
+        <p14:creationId xmlns:p14="http://schemas.microsoft.com/office/powerpoint/2010/main" val="2532850784"/>
       </p:ext>
     </p:extLst>
   </p:cSld>
   <p:clrMapOvr>
     <a:masterClrMapping/>
   </p:clrMapOvr>
-  <p:timing>
-    <p:tnLst>
-      <p:par>
-        <p:cTn id="1" dur="indefinite" restart="never" nodeType="tmRoot"/>
-      </p:par>
-    </p:tnLst>
-  </p:timing>
 </p:sld>
 </file>
 
@@ -27560,7 +27973,7 @@
           <a:blip r:embed="rId2">
             <a:extLst>
               <a:ext uri="{28A0092B-C50C-407E-A947-70E740481C1C}">
-                <a14:useLocalDpi xmlns:a14="http://schemas.microsoft.com/office/drawing/2010/main" xmlns="" val="0"/>
+                <a14:useLocalDpi xmlns:a14="http://schemas.microsoft.com/office/drawing/2010/main" val="0"/>
               </a:ext>
             </a:extLst>
           </a:blip>
@@ -27577,7 +27990,7 @@
           <a:noFill/>
           <a:extLst>
             <a:ext uri="{909E8E84-426E-40DD-AFC4-6F175D3DCCD1}">
-              <a14:hiddenFill xmlns:a14="http://schemas.microsoft.com/office/drawing/2010/main" xmlns="">
+              <a14:hiddenFill xmlns:a14="http://schemas.microsoft.com/office/drawing/2010/main">
                 <a:solidFill>
                   <a:schemeClr val="tx1"/>
                 </a:solidFill>
@@ -27607,14 +28020,14 @@
           <a:noFill/>
           <a:extLst>
             <a:ext uri="{909E8E84-426E-40DD-AFC4-6F175D3DCCD1}">
-              <a14:hiddenFill xmlns:a14="http://schemas.microsoft.com/office/drawing/2010/main" xmlns="">
+              <a14:hiddenFill xmlns:a14="http://schemas.microsoft.com/office/drawing/2010/main">
                 <a:solidFill>
                   <a:srgbClr val="FFFFFF"/>
                 </a:solidFill>
               </a14:hiddenFill>
             </a:ext>
             <a:ext uri="{91240B29-F687-4F45-9708-019B960494DF}">
-              <a14:hiddenLine xmlns:a14="http://schemas.microsoft.com/office/drawing/2010/main" xmlns="" w="9525">
+              <a14:hiddenLine xmlns:a14="http://schemas.microsoft.com/office/drawing/2010/main" w="9525">
                 <a:solidFill>
                   <a:srgbClr val="000000"/>
                 </a:solidFill>
@@ -27634,7 +28047,7 @@
           <a:lstStyle/>
           <a:p>
             <a:r>
-              <a:rPr lang="en-US" smtClean="0"/>
+              <a:rPr lang="en-US"/>
               <a:t> </a:t>
             </a:r>
           </a:p>
@@ -27662,14 +28075,14 @@
           </a:ln>
           <a:extLst>
             <a:ext uri="{909E8E84-426E-40DD-AFC4-6F175D3DCCD1}">
-              <a14:hiddenFill xmlns:a14="http://schemas.microsoft.com/office/drawing/2010/main" xmlns="">
+              <a14:hiddenFill xmlns:a14="http://schemas.microsoft.com/office/drawing/2010/main">
                 <a:solidFill>
                   <a:srgbClr val="FFFFFF"/>
                 </a:solidFill>
               </a14:hiddenFill>
             </a:ext>
             <a:ext uri="{91240B29-F687-4F45-9708-019B960494DF}">
-              <a14:hiddenLine xmlns:a14="http://schemas.microsoft.com/office/drawing/2010/main" xmlns="" w="9525">
+              <a14:hiddenLine xmlns:a14="http://schemas.microsoft.com/office/drawing/2010/main" w="9525">
                 <a:solidFill>
                   <a:srgbClr val="000000"/>
                 </a:solidFill>
@@ -27794,20 +28207,13 @@
     </p:spTree>
     <p:extLst>
       <p:ext uri="{BB962C8B-B14F-4D97-AF65-F5344CB8AC3E}">
-        <p14:creationId xmlns:p14="http://schemas.microsoft.com/office/powerpoint/2010/main" xmlns="" val="1786539698"/>
+        <p14:creationId xmlns:p14="http://schemas.microsoft.com/office/powerpoint/2010/main" val="1786539698"/>
       </p:ext>
     </p:extLst>
   </p:cSld>
   <p:clrMapOvr>
     <a:masterClrMapping/>
   </p:clrMapOvr>
-  <p:timing>
-    <p:tnLst>
-      <p:par>
-        <p:cTn id="1" dur="indefinite" restart="never" nodeType="tmRoot"/>
-      </p:par>
-    </p:tnLst>
-  </p:timing>
 </p:sld>
 </file>
 
@@ -27853,49 +28259,49 @@
           <a:p>
             <a:pPr marL="252052" indent="-252052"/>
             <a:r>
-              <a:rPr lang="en-US" smtClean="0"/>
+              <a:rPr lang="en-US"/>
               <a:t>OO themes are not unique  to OO systems, they are particularly well supported.</a:t>
             </a:r>
           </a:p>
           <a:p>
             <a:pPr marL="590565" lvl="1"/>
             <a:r>
-              <a:rPr lang="en-US" smtClean="0"/>
+              <a:rPr lang="en-US"/>
               <a:t>Abstraction</a:t>
             </a:r>
           </a:p>
           <a:p>
             <a:pPr marL="590565" lvl="1"/>
             <a:r>
-              <a:rPr lang="en-US" smtClean="0"/>
+              <a:rPr lang="en-US"/>
               <a:t>Encapsulation</a:t>
             </a:r>
           </a:p>
           <a:p>
             <a:pPr marL="590565" lvl="1"/>
             <a:r>
-              <a:rPr lang="en-US" smtClean="0"/>
+              <a:rPr lang="en-US"/>
               <a:t>Combining data and behavior</a:t>
             </a:r>
           </a:p>
           <a:p>
             <a:pPr marL="590565" lvl="1"/>
             <a:r>
-              <a:rPr lang="en-US" smtClean="0"/>
+              <a:rPr lang="en-US"/>
               <a:t>Sharing</a:t>
             </a:r>
           </a:p>
           <a:p>
             <a:pPr marL="590565" lvl="1"/>
             <a:r>
-              <a:rPr lang="en-US" smtClean="0"/>
+              <a:rPr lang="en-US"/>
               <a:t>Emphasis on the essence of an object</a:t>
             </a:r>
           </a:p>
           <a:p>
             <a:pPr marL="590565" lvl="1"/>
             <a:r>
-              <a:rPr lang="en-US" smtClean="0"/>
+              <a:rPr lang="en-US"/>
               <a:t>Synergy</a:t>
             </a:r>
           </a:p>
@@ -27923,14 +28329,14 @@
           </a:ln>
           <a:extLst>
             <a:ext uri="{909E8E84-426E-40DD-AFC4-6F175D3DCCD1}">
-              <a14:hiddenFill xmlns:a14="http://schemas.microsoft.com/office/drawing/2010/main" xmlns="">
+              <a14:hiddenFill xmlns:a14="http://schemas.microsoft.com/office/drawing/2010/main">
                 <a:solidFill>
                   <a:srgbClr val="FFFFFF"/>
                 </a:solidFill>
               </a14:hiddenFill>
             </a:ext>
             <a:ext uri="{91240B29-F687-4F45-9708-019B960494DF}">
-              <a14:hiddenLine xmlns:a14="http://schemas.microsoft.com/office/drawing/2010/main" xmlns="" w="9525">
+              <a14:hiddenLine xmlns:a14="http://schemas.microsoft.com/office/drawing/2010/main" w="9525">
                 <a:solidFill>
                   <a:srgbClr val="000000"/>
                 </a:solidFill>
@@ -28055,20 +28461,13 @@
     </p:spTree>
     <p:extLst>
       <p:ext uri="{BB962C8B-B14F-4D97-AF65-F5344CB8AC3E}">
-        <p14:creationId xmlns:p14="http://schemas.microsoft.com/office/powerpoint/2010/main" xmlns="" val="521755267"/>
+        <p14:creationId xmlns:p14="http://schemas.microsoft.com/office/powerpoint/2010/main" val="521755267"/>
       </p:ext>
     </p:extLst>
   </p:cSld>
   <p:clrMapOvr>
     <a:masterClrMapping/>
   </p:clrMapOvr>
-  <p:timing>
-    <p:tnLst>
-      <p:par>
-        <p:cTn id="1" dur="indefinite" restart="never" nodeType="tmRoot"/>
-      </p:par>
-    </p:tnLst>
-  </p:timing>
 </p:sld>
 </file>
 
@@ -28114,7 +28513,7 @@
           <a:p>
             <a:pPr marL="252052" indent="-252052"/>
             <a:r>
-              <a:rPr lang="en-US" b="1" u="sng" smtClean="0"/>
+              <a:rPr lang="en-US" b="1" u="sng"/>
               <a:t>Abstraction</a:t>
             </a:r>
             <a:r>
@@ -28155,7 +28554,7 @@
           <a:p>
             <a:pPr marL="590565" lvl="1"/>
             <a:r>
-              <a:rPr lang="en-US" smtClean="0"/>
+              <a:rPr lang="en-US"/>
               <a:t>Use of Abstraction:</a:t>
             </a:r>
           </a:p>
@@ -28169,7 +28568,7 @@
           <a:p>
             <a:pPr marL="590565" lvl="1"/>
             <a:r>
-              <a:rPr lang="en-US" smtClean="0"/>
+              <a:rPr lang="en-US"/>
               <a:t>Ability to abstract is probably the most important skill required for OO development.</a:t>
             </a:r>
             <a:endParaRPr lang="en-US" sz="2677"/>
@@ -28198,14 +28597,14 @@
           </a:ln>
           <a:extLst>
             <a:ext uri="{909E8E84-426E-40DD-AFC4-6F175D3DCCD1}">
-              <a14:hiddenFill xmlns:a14="http://schemas.microsoft.com/office/drawing/2010/main" xmlns="">
+              <a14:hiddenFill xmlns:a14="http://schemas.microsoft.com/office/drawing/2010/main">
                 <a:solidFill>
                   <a:srgbClr val="FFFFFF"/>
                 </a:solidFill>
               </a14:hiddenFill>
             </a:ext>
             <a:ext uri="{91240B29-F687-4F45-9708-019B960494DF}">
-              <a14:hiddenLine xmlns:a14="http://schemas.microsoft.com/office/drawing/2010/main" xmlns="" w="9525">
+              <a14:hiddenLine xmlns:a14="http://schemas.microsoft.com/office/drawing/2010/main" w="9525">
                 <a:solidFill>
                   <a:srgbClr val="000000"/>
                 </a:solidFill>
@@ -28330,20 +28729,13 @@
     </p:spTree>
     <p:extLst>
       <p:ext uri="{BB962C8B-B14F-4D97-AF65-F5344CB8AC3E}">
-        <p14:creationId xmlns:p14="http://schemas.microsoft.com/office/powerpoint/2010/main" xmlns="" val="2057181914"/>
+        <p14:creationId xmlns:p14="http://schemas.microsoft.com/office/powerpoint/2010/main" val="2057181914"/>
       </p:ext>
     </p:extLst>
   </p:cSld>
   <p:clrMapOvr>
     <a:masterClrMapping/>
   </p:clrMapOvr>
-  <p:timing>
-    <p:tnLst>
-      <p:par>
-        <p:cTn id="1" dur="indefinite" restart="never" nodeType="tmRoot"/>
-      </p:par>
-    </p:tnLst>
-  </p:timing>
 </p:sld>
 </file>
 
@@ -28385,49 +28777,49 @@
           <a:lstStyle/>
           <a:p>
             <a:r>
-              <a:rPr lang="en-US" smtClean="0"/>
+              <a:rPr lang="en-US"/>
               <a:t>For ATM Example:</a:t>
             </a:r>
           </a:p>
           <a:p>
             <a:pPr lvl="1"/>
             <a:r>
-              <a:rPr lang="en-US" smtClean="0"/>
+              <a:rPr lang="en-US"/>
               <a:t>Initiate session: </a:t>
             </a:r>
           </a:p>
           <a:p>
             <a:pPr lvl="2"/>
             <a:r>
-              <a:rPr lang="en-US" sz="2800" smtClean="0"/>
+              <a:rPr lang="en-US" sz="2800"/>
               <a:t>Initial Event is customer’s insertion of a cash card.</a:t>
             </a:r>
           </a:p>
           <a:p>
             <a:pPr lvl="2"/>
             <a:r>
-              <a:rPr lang="en-US" sz="2800" smtClean="0"/>
+              <a:rPr lang="en-US" sz="2800"/>
               <a:t>Two Final Event: system keeps cash card and system returns the cash card.</a:t>
             </a:r>
           </a:p>
           <a:p>
             <a:pPr lvl="1"/>
             <a:r>
-              <a:rPr lang="en-US" sz="3200" smtClean="0"/>
+              <a:rPr lang="en-US" sz="3200"/>
               <a:t>Query Account:</a:t>
             </a:r>
           </a:p>
           <a:p>
             <a:pPr lvl="2"/>
             <a:r>
-              <a:rPr lang="en-US" sz="2800" smtClean="0"/>
+              <a:rPr lang="en-US" sz="2800"/>
               <a:t>Initial Event is customer’s request for account data.</a:t>
             </a:r>
           </a:p>
           <a:p>
             <a:pPr lvl="2"/>
             <a:r>
-              <a:rPr lang="en-US" sz="2800" smtClean="0"/>
+              <a:rPr lang="en-US" sz="2800"/>
               <a:t>Final event is system retrieve data for customer.</a:t>
             </a:r>
           </a:p>
@@ -28555,14 +28947,14 @@
           <a:noFill/>
           <a:extLst>
             <a:ext uri="{909E8E84-426E-40DD-AFC4-6F175D3DCCD1}">
-              <a14:hiddenFill xmlns:a14="http://schemas.microsoft.com/office/drawing/2010/main" xmlns="">
+              <a14:hiddenFill xmlns:a14="http://schemas.microsoft.com/office/drawing/2010/main">
                 <a:solidFill>
                   <a:srgbClr val="FFFFFF"/>
                 </a:solidFill>
               </a14:hiddenFill>
             </a:ext>
             <a:ext uri="{91240B29-F687-4F45-9708-019B960494DF}">
-              <a14:hiddenLine xmlns:a14="http://schemas.microsoft.com/office/drawing/2010/main" xmlns="" w="9525">
+              <a14:hiddenLine xmlns:a14="http://schemas.microsoft.com/office/drawing/2010/main" w="9525">
                 <a:solidFill>
                   <a:srgbClr val="000000"/>
                 </a:solidFill>
@@ -28582,7 +28974,7 @@
           <a:lstStyle/>
           <a:p>
             <a:r>
-              <a:rPr lang="en-US" smtClean="0"/>
+              <a:rPr lang="en-US"/>
               <a:t> </a:t>
             </a:r>
           </a:p>
@@ -28652,7 +29044,7 @@
           <a:p>
             <a:pPr marL="1055103" lvl="2"/>
             <a:r>
-              <a:rPr lang="en-US" smtClean="0">
+              <a:rPr lang="en-US">
                 <a:latin typeface="Verdana" panose="020B0604030504040204" pitchFamily="34" charset="0"/>
               </a:rPr>
               <a:t>Improve performance,  Fix a bug, Consolidate code, Support porting</a:t>
@@ -28814,14 +29206,14 @@
           </a:ln>
           <a:extLst>
             <a:ext uri="{909E8E84-426E-40DD-AFC4-6F175D3DCCD1}">
-              <a14:hiddenFill xmlns:a14="http://schemas.microsoft.com/office/drawing/2010/main" xmlns="">
+              <a14:hiddenFill xmlns:a14="http://schemas.microsoft.com/office/drawing/2010/main">
                 <a:solidFill>
                   <a:srgbClr val="FFFFFF"/>
                 </a:solidFill>
               </a14:hiddenFill>
             </a:ext>
             <a:ext uri="{91240B29-F687-4F45-9708-019B960494DF}">
-              <a14:hiddenLine xmlns:a14="http://schemas.microsoft.com/office/drawing/2010/main" xmlns="" w="9525">
+              <a14:hiddenLine xmlns:a14="http://schemas.microsoft.com/office/drawing/2010/main" w="9525">
                 <a:solidFill>
                   <a:srgbClr val="000000"/>
                 </a:solidFill>
@@ -28946,20 +29338,13 @@
     </p:spTree>
     <p:extLst>
       <p:ext uri="{BB962C8B-B14F-4D97-AF65-F5344CB8AC3E}">
-        <p14:creationId xmlns:p14="http://schemas.microsoft.com/office/powerpoint/2010/main" xmlns="" val="569466683"/>
+        <p14:creationId xmlns:p14="http://schemas.microsoft.com/office/powerpoint/2010/main" val="569466683"/>
       </p:ext>
     </p:extLst>
   </p:cSld>
   <p:clrMapOvr>
     <a:masterClrMapping/>
   </p:clrMapOvr>
-  <p:timing>
-    <p:tnLst>
-      <p:par>
-        <p:cTn id="1" dur="indefinite" restart="never" nodeType="tmRoot"/>
-      </p:par>
-    </p:tnLst>
-  </p:timing>
 </p:sld>
 </file>
 
@@ -28996,12 +29381,12 @@
           <a:lstStyle/>
           <a:p>
             <a:r>
-              <a:rPr lang="en-US" smtClean="0"/>
+              <a:rPr lang="en-US"/>
               <a:t>Encapsulation is not unique to OO language but ability to combine data structure &amp; behavior in a single entity makes encapsulation cleaner &amp; powerful.</a:t>
             </a:r>
           </a:p>
           <a:p>
-            <a:endParaRPr lang="en-US" smtClean="0"/>
+            <a:endParaRPr lang="en-US"/>
           </a:p>
         </p:txBody>
       </p:sp>
@@ -29159,14 +29544,14 @@
           </a:ln>
           <a:extLst>
             <a:ext uri="{909E8E84-426E-40DD-AFC4-6F175D3DCCD1}">
-              <a14:hiddenFill xmlns:a14="http://schemas.microsoft.com/office/drawing/2010/main" xmlns="">
+              <a14:hiddenFill xmlns:a14="http://schemas.microsoft.com/office/drawing/2010/main">
                 <a:solidFill>
                   <a:srgbClr val="FFFFFF"/>
                 </a:solidFill>
               </a14:hiddenFill>
             </a:ext>
             <a:ext uri="{91240B29-F687-4F45-9708-019B960494DF}">
-              <a14:hiddenLine xmlns:a14="http://schemas.microsoft.com/office/drawing/2010/main" xmlns="" w="9525">
+              <a14:hiddenLine xmlns:a14="http://schemas.microsoft.com/office/drawing/2010/main" w="9525">
                 <a:solidFill>
                   <a:srgbClr val="000000"/>
                 </a:solidFill>
@@ -29291,20 +29676,13 @@
     </p:spTree>
     <p:extLst>
       <p:ext uri="{BB962C8B-B14F-4D97-AF65-F5344CB8AC3E}">
-        <p14:creationId xmlns:p14="http://schemas.microsoft.com/office/powerpoint/2010/main" xmlns="" val="3910331645"/>
+        <p14:creationId xmlns:p14="http://schemas.microsoft.com/office/powerpoint/2010/main" val="3910331645"/>
       </p:ext>
     </p:extLst>
   </p:cSld>
   <p:clrMapOvr>
     <a:masterClrMapping/>
   </p:clrMapOvr>
-  <p:timing>
-    <p:tnLst>
-      <p:par>
-        <p:cTn id="1" dur="indefinite" restart="never" nodeType="tmRoot"/>
-      </p:par>
-    </p:tnLst>
-  </p:timing>
 </p:sld>
 </file>
 
@@ -29346,14 +29724,14 @@
           <a:noFill/>
           <a:extLst>
             <a:ext uri="{909E8E84-426E-40DD-AFC4-6F175D3DCCD1}">
-              <a14:hiddenFill xmlns:a14="http://schemas.microsoft.com/office/drawing/2010/main" xmlns="">
+              <a14:hiddenFill xmlns:a14="http://schemas.microsoft.com/office/drawing/2010/main">
                 <a:solidFill>
                   <a:srgbClr val="FFFFFF"/>
                 </a:solidFill>
               </a14:hiddenFill>
             </a:ext>
             <a:ext uri="{91240B29-F687-4F45-9708-019B960494DF}">
-              <a14:hiddenLine xmlns:a14="http://schemas.microsoft.com/office/drawing/2010/main" xmlns="" w="9525">
+              <a14:hiddenLine xmlns:a14="http://schemas.microsoft.com/office/drawing/2010/main" w="9525">
                 <a:solidFill>
                   <a:srgbClr val="000000"/>
                 </a:solidFill>
@@ -29373,7 +29751,7 @@
           <a:lstStyle/>
           <a:p>
             <a:r>
-              <a:rPr lang="en-US" smtClean="0"/>
+              <a:rPr lang="en-US"/>
               <a:t> </a:t>
             </a:r>
           </a:p>
@@ -29416,7 +29794,7 @@
               <a:defRPr/>
             </a:pPr>
             <a:r>
-              <a:rPr lang="en-US" dirty="0" smtClean="0"/>
+              <a:rPr lang="en-US" dirty="0"/>
               <a:t>In non-OO code, to display the content of a window must distinguish the type of each figure, such as circle, polygon etc &amp; call the appropriate procedure to display it.</a:t>
             </a:r>
           </a:p>
@@ -29425,7 +29803,7 @@
               <a:defRPr/>
             </a:pPr>
             <a:r>
-              <a:rPr lang="en-US" dirty="0" smtClean="0"/>
+              <a:rPr lang="en-US" dirty="0"/>
               <a:t>In OO code, program invoke the “Draw” operations on each figure and each object implicitly decide which procedure to use, based on its class.</a:t>
             </a:r>
           </a:p>
@@ -29434,7 +29812,7 @@
               <a:defRPr/>
             </a:pPr>
             <a:r>
-              <a:rPr lang="en-US" dirty="0" smtClean="0"/>
+              <a:rPr lang="en-US" dirty="0"/>
               <a:t>So caller of an operation need not consider how many implementation exist.</a:t>
             </a:r>
           </a:p>
@@ -29594,14 +29972,14 @@
           </a:ln>
           <a:extLst>
             <a:ext uri="{909E8E84-426E-40DD-AFC4-6F175D3DCCD1}">
-              <a14:hiddenFill xmlns:a14="http://schemas.microsoft.com/office/drawing/2010/main" xmlns="">
+              <a14:hiddenFill xmlns:a14="http://schemas.microsoft.com/office/drawing/2010/main">
                 <a:solidFill>
                   <a:srgbClr val="FFFFFF"/>
                 </a:solidFill>
               </a14:hiddenFill>
             </a:ext>
             <a:ext uri="{91240B29-F687-4F45-9708-019B960494DF}">
-              <a14:hiddenLine xmlns:a14="http://schemas.microsoft.com/office/drawing/2010/main" xmlns="" w="9525">
+              <a14:hiddenLine xmlns:a14="http://schemas.microsoft.com/office/drawing/2010/main" w="9525">
                 <a:solidFill>
                   <a:srgbClr val="000000"/>
                 </a:solidFill>
@@ -29726,20 +30104,13 @@
     </p:spTree>
     <p:extLst>
       <p:ext uri="{BB962C8B-B14F-4D97-AF65-F5344CB8AC3E}">
-        <p14:creationId xmlns:p14="http://schemas.microsoft.com/office/powerpoint/2010/main" xmlns="" val="512915698"/>
+        <p14:creationId xmlns:p14="http://schemas.microsoft.com/office/powerpoint/2010/main" val="512915698"/>
       </p:ext>
     </p:extLst>
   </p:cSld>
   <p:clrMapOvr>
     <a:masterClrMapping/>
   </p:clrMapOvr>
-  <p:timing>
-    <p:tnLst>
-      <p:par>
-        <p:cTn id="1" dur="indefinite" restart="never" nodeType="tmRoot"/>
-      </p:par>
-    </p:tnLst>
-  </p:timing>
 </p:sld>
 </file>
 
@@ -29786,7 +30157,7 @@
               <a:t>In an OO system, the data structure hierarchy matches the operation inheritance hierarchy</a:t>
             </a:r>
             <a:r>
-              <a:rPr lang="en-US" smtClean="0"/>
+              <a:rPr lang="en-US"/>
               <a:t>.</a:t>
             </a:r>
           </a:p>
@@ -30240,14 +30611,14 @@
           </a:ln>
           <a:extLst>
             <a:ext uri="{909E8E84-426E-40DD-AFC4-6F175D3DCCD1}">
-              <a14:hiddenFill xmlns:a14="http://schemas.microsoft.com/office/drawing/2010/main" xmlns="">
+              <a14:hiddenFill xmlns:a14="http://schemas.microsoft.com/office/drawing/2010/main">
                 <a:solidFill>
                   <a:srgbClr val="FFFFFF"/>
                 </a:solidFill>
               </a14:hiddenFill>
             </a:ext>
             <a:ext uri="{91240B29-F687-4F45-9708-019B960494DF}">
-              <a14:hiddenLine xmlns:a14="http://schemas.microsoft.com/office/drawing/2010/main" xmlns="" w="9525">
+              <a14:hiddenLine xmlns:a14="http://schemas.microsoft.com/office/drawing/2010/main" w="9525">
                 <a:solidFill>
                   <a:srgbClr val="000000"/>
                 </a:solidFill>
@@ -30372,20 +30743,13 @@
     </p:spTree>
     <p:extLst>
       <p:ext uri="{BB962C8B-B14F-4D97-AF65-F5344CB8AC3E}">
-        <p14:creationId xmlns:p14="http://schemas.microsoft.com/office/powerpoint/2010/main" xmlns="" val="1577978548"/>
+        <p14:creationId xmlns:p14="http://schemas.microsoft.com/office/powerpoint/2010/main" val="1577978548"/>
       </p:ext>
     </p:extLst>
   </p:cSld>
   <p:clrMapOvr>
     <a:masterClrMapping/>
   </p:clrMapOvr>
-  <p:timing>
-    <p:tnLst>
-      <p:par>
-        <p:cTn id="1" dur="indefinite" restart="never" nodeType="tmRoot"/>
-      </p:par>
-    </p:tnLst>
-  </p:timing>
 </p:sld>
 </file>
 
@@ -30427,14 +30791,14 @@
           <a:noFill/>
           <a:extLst>
             <a:ext uri="{909E8E84-426E-40DD-AFC4-6F175D3DCCD1}">
-              <a14:hiddenFill xmlns:a14="http://schemas.microsoft.com/office/drawing/2010/main" xmlns="">
+              <a14:hiddenFill xmlns:a14="http://schemas.microsoft.com/office/drawing/2010/main">
                 <a:solidFill>
                   <a:srgbClr val="FFFFFF"/>
                 </a:solidFill>
               </a14:hiddenFill>
             </a:ext>
             <a:ext uri="{91240B29-F687-4F45-9708-019B960494DF}">
-              <a14:hiddenLine xmlns:a14="http://schemas.microsoft.com/office/drawing/2010/main" xmlns="" w="9525">
+              <a14:hiddenLine xmlns:a14="http://schemas.microsoft.com/office/drawing/2010/main" w="9525">
                 <a:solidFill>
                   <a:srgbClr val="000000"/>
                 </a:solidFill>
@@ -30454,7 +30818,7 @@
           <a:lstStyle/>
           <a:p>
             <a:r>
-              <a:rPr lang="en-US" smtClean="0"/>
+              <a:rPr lang="en-US"/>
               <a:t> </a:t>
             </a:r>
           </a:p>
@@ -30507,7 +30871,7 @@
               <a:rPr lang="en-US" sz="2585"/>
               <a:t>OO provides the tools  to build libraries ( or collection) of reusable component.</a:t>
             </a:r>
-            <a:endParaRPr lang="en-US" smtClean="0"/>
+            <a:endParaRPr lang="en-US"/>
           </a:p>
         </p:txBody>
       </p:sp>
@@ -30665,14 +31029,14 @@
           </a:ln>
           <a:extLst>
             <a:ext uri="{909E8E84-426E-40DD-AFC4-6F175D3DCCD1}">
-              <a14:hiddenFill xmlns:a14="http://schemas.microsoft.com/office/drawing/2010/main" xmlns="">
+              <a14:hiddenFill xmlns:a14="http://schemas.microsoft.com/office/drawing/2010/main">
                 <a:solidFill>
                   <a:srgbClr val="FFFFFF"/>
                 </a:solidFill>
               </a14:hiddenFill>
             </a:ext>
             <a:ext uri="{91240B29-F687-4F45-9708-019B960494DF}">
-              <a14:hiddenLine xmlns:a14="http://schemas.microsoft.com/office/drawing/2010/main" xmlns="" w="9525">
+              <a14:hiddenLine xmlns:a14="http://schemas.microsoft.com/office/drawing/2010/main" w="9525">
                 <a:solidFill>
                   <a:srgbClr val="000000"/>
                 </a:solidFill>
@@ -30797,20 +31161,13 @@
     </p:spTree>
     <p:extLst>
       <p:ext uri="{BB962C8B-B14F-4D97-AF65-F5344CB8AC3E}">
-        <p14:creationId xmlns:p14="http://schemas.microsoft.com/office/powerpoint/2010/main" xmlns="" val="1866084327"/>
+        <p14:creationId xmlns:p14="http://schemas.microsoft.com/office/powerpoint/2010/main" val="1866084327"/>
       </p:ext>
     </p:extLst>
   </p:cSld>
   <p:clrMapOvr>
     <a:masterClrMapping/>
   </p:clrMapOvr>
-  <p:timing>
-    <p:tnLst>
-      <p:par>
-        <p:cTn id="1" dur="indefinite" restart="never" nodeType="tmRoot"/>
-      </p:par>
-    </p:tnLst>
-  </p:timing>
 </p:sld>
 </file>
 
@@ -30852,7 +31209,7 @@
               <a:defRPr/>
             </a:pPr>
             <a:r>
-              <a:rPr lang="en-US" u="sng" dirty="0" smtClean="0"/>
+              <a:rPr lang="en-US" u="sng" dirty="0"/>
               <a:t>Emphasis on the essence of an object:</a:t>
             </a:r>
           </a:p>
@@ -30861,7 +31218,7 @@
               <a:defRPr/>
             </a:pPr>
             <a:r>
-              <a:rPr lang="en-US" dirty="0" smtClean="0"/>
+              <a:rPr lang="en-US" dirty="0"/>
               <a:t>In OO technology, focus is on what an objects is rather than how it is used.</a:t>
             </a:r>
           </a:p>
@@ -30870,7 +31227,7 @@
               <a:defRPr/>
             </a:pPr>
             <a:r>
-              <a:rPr lang="en-US" dirty="0" smtClean="0">
+              <a:rPr lang="en-US" dirty="0">
                 <a:latin typeface="Verdana" pitchFamily="34" charset="0"/>
               </a:rPr>
               <a:t>Use of an object depend on the details of application and often change during development.</a:t>
@@ -30881,12 +31238,12 @@
               <a:defRPr/>
             </a:pPr>
             <a:r>
-              <a:rPr lang="en-US" dirty="0" smtClean="0">
+              <a:rPr lang="en-US" dirty="0">
                 <a:latin typeface="Verdana" pitchFamily="34" charset="0"/>
               </a:rPr>
               <a:t>OO development greater emphasis on data structure &amp; lesser emphasis on procedure structure.</a:t>
             </a:r>
-            <a:endParaRPr lang="en-US" dirty="0" smtClean="0"/>
+            <a:endParaRPr lang="en-US" dirty="0"/>
           </a:p>
           <a:p>
             <a:pPr>
@@ -31050,14 +31407,14 @@
           </a:ln>
           <a:extLst>
             <a:ext uri="{909E8E84-426E-40DD-AFC4-6F175D3DCCD1}">
-              <a14:hiddenFill xmlns:a14="http://schemas.microsoft.com/office/drawing/2010/main" xmlns="">
+              <a14:hiddenFill xmlns:a14="http://schemas.microsoft.com/office/drawing/2010/main">
                 <a:solidFill>
                   <a:srgbClr val="FFFFFF"/>
                 </a:solidFill>
               </a14:hiddenFill>
             </a:ext>
             <a:ext uri="{91240B29-F687-4F45-9708-019B960494DF}">
-              <a14:hiddenLine xmlns:a14="http://schemas.microsoft.com/office/drawing/2010/main" xmlns="" w="9525">
+              <a14:hiddenLine xmlns:a14="http://schemas.microsoft.com/office/drawing/2010/main" w="9525">
                 <a:solidFill>
                   <a:srgbClr val="000000"/>
                 </a:solidFill>
@@ -31182,20 +31539,13 @@
     </p:spTree>
     <p:extLst>
       <p:ext uri="{BB962C8B-B14F-4D97-AF65-F5344CB8AC3E}">
-        <p14:creationId xmlns:p14="http://schemas.microsoft.com/office/powerpoint/2010/main" xmlns="" val="2569682336"/>
+        <p14:creationId xmlns:p14="http://schemas.microsoft.com/office/powerpoint/2010/main" val="2569682336"/>
       </p:ext>
     </p:extLst>
   </p:cSld>
   <p:clrMapOvr>
     <a:masterClrMapping/>
   </p:clrMapOvr>
-  <p:timing>
-    <p:tnLst>
-      <p:par>
-        <p:cTn id="1" dur="indefinite" restart="never" nodeType="tmRoot"/>
-      </p:par>
-    </p:tnLst>
-  </p:timing>
 </p:sld>
 </file>
 
@@ -31240,18 +31590,18 @@
               <a:t>Synergy :</a:t>
             </a:r>
             <a:r>
-              <a:rPr lang="en-US" smtClean="0"/>
+              <a:rPr lang="en-US"/>
               <a:t> </a:t>
             </a:r>
           </a:p>
           <a:p>
             <a:r>
-              <a:rPr lang="en-US" smtClean="0"/>
+              <a:rPr lang="en-US"/>
               <a:t>OO concepts can be used in isolation but together they complement each other synergistically.</a:t>
             </a:r>
           </a:p>
           <a:p>
-            <a:endParaRPr lang="en-US" smtClean="0"/>
+            <a:endParaRPr lang="en-US"/>
           </a:p>
         </p:txBody>
       </p:sp>
@@ -31409,14 +31759,14 @@
           </a:ln>
           <a:extLst>
             <a:ext uri="{909E8E84-426E-40DD-AFC4-6F175D3DCCD1}">
-              <a14:hiddenFill xmlns:a14="http://schemas.microsoft.com/office/drawing/2010/main" xmlns="">
+              <a14:hiddenFill xmlns:a14="http://schemas.microsoft.com/office/drawing/2010/main">
                 <a:solidFill>
                   <a:srgbClr val="FFFFFF"/>
                 </a:solidFill>
               </a14:hiddenFill>
             </a:ext>
             <a:ext uri="{91240B29-F687-4F45-9708-019B960494DF}">
-              <a14:hiddenLine xmlns:a14="http://schemas.microsoft.com/office/drawing/2010/main" xmlns="" w="9525">
+              <a14:hiddenLine xmlns:a14="http://schemas.microsoft.com/office/drawing/2010/main" w="9525">
                 <a:solidFill>
                   <a:srgbClr val="000000"/>
                 </a:solidFill>
@@ -31541,20 +31891,13 @@
     </p:spTree>
     <p:extLst>
       <p:ext uri="{BB962C8B-B14F-4D97-AF65-F5344CB8AC3E}">
-        <p14:creationId xmlns:p14="http://schemas.microsoft.com/office/powerpoint/2010/main" xmlns="" val="3790491775"/>
+        <p14:creationId xmlns:p14="http://schemas.microsoft.com/office/powerpoint/2010/main" val="3790491775"/>
       </p:ext>
     </p:extLst>
   </p:cSld>
   <p:clrMapOvr>
     <a:masterClrMapping/>
   </p:clrMapOvr>
-  <p:timing>
-    <p:tnLst>
-      <p:par>
-        <p:cTn id="1" dur="indefinite" restart="never" nodeType="tmRoot"/>
-      </p:par>
-    </p:tnLst>
-  </p:timing>
 </p:sld>
 </file>
 
@@ -31591,55 +31934,55 @@
           <a:lstStyle/>
           <a:p>
             <a:r>
-              <a:rPr lang="en-US" smtClean="0"/>
+              <a:rPr lang="en-US"/>
               <a:t>Process Transaction:</a:t>
             </a:r>
           </a:p>
           <a:p>
             <a:pPr lvl="1"/>
             <a:r>
-              <a:rPr lang="en-US" smtClean="0"/>
+              <a:rPr lang="en-US"/>
               <a:t>Initial event is customer’s initiation of transaction.</a:t>
             </a:r>
           </a:p>
           <a:p>
             <a:pPr lvl="1"/>
             <a:r>
-              <a:rPr lang="en-US" smtClean="0"/>
+              <a:rPr lang="en-US"/>
               <a:t>Two final event : committing or aborting it.</a:t>
             </a:r>
           </a:p>
           <a:p>
             <a:r>
-              <a:rPr lang="en-US" smtClean="0"/>
+              <a:rPr lang="en-US"/>
               <a:t>Transmit Data:</a:t>
             </a:r>
           </a:p>
           <a:p>
             <a:pPr lvl="1"/>
             <a:r>
-              <a:rPr lang="en-US" smtClean="0"/>
+              <a:rPr lang="en-US"/>
               <a:t>Initial event: </a:t>
             </a:r>
           </a:p>
           <a:p>
             <a:pPr lvl="2"/>
             <a:r>
-              <a:rPr lang="en-US" sz="2800" smtClean="0"/>
+              <a:rPr lang="en-US" sz="2800"/>
               <a:t>customer’s request for account data.</a:t>
             </a:r>
           </a:p>
           <a:p>
             <a:pPr lvl="2"/>
             <a:r>
-              <a:rPr lang="en-US" sz="2800" smtClean="0"/>
+              <a:rPr lang="en-US" sz="2800"/>
               <a:t>Recovery from network, power or kind of failure.</a:t>
             </a:r>
           </a:p>
           <a:p>
             <a:pPr lvl="1"/>
             <a:r>
-              <a:rPr lang="en-US" smtClean="0"/>
+              <a:rPr lang="en-US"/>
               <a:t>Final event: successful transmission of data.</a:t>
             </a:r>
           </a:p>
@@ -31758,7 +32101,7 @@
         </p:nvSpPr>
         <p:spPr>
           <a:xfrm>
-            <a:off x="246185" y="1447800"/>
+            <a:off x="246184" y="1069975"/>
             <a:ext cx="8651631" cy="5334000"/>
           </a:xfrm>
         </p:spPr>
@@ -31771,37 +32114,37 @@
               <a:buNone/>
             </a:pPr>
             <a:r>
-              <a:rPr lang="en-US" u="sng" smtClean="0"/>
+              <a:rPr lang="en-US" u="sng" dirty="0"/>
               <a:t>Preparing Normal Scenarios</a:t>
             </a:r>
           </a:p>
           <a:p>
             <a:r>
-              <a:rPr lang="en-US" smtClean="0"/>
+              <a:rPr lang="en-US" dirty="0"/>
               <a:t>For each use case, prepare one or more story base scenarios.</a:t>
             </a:r>
           </a:p>
           <a:p>
             <a:r>
-              <a:rPr lang="en-US" smtClean="0"/>
+              <a:rPr lang="en-US" dirty="0"/>
               <a:t>Scenario illustrate the major interactions, external display and information exchange.</a:t>
             </a:r>
           </a:p>
           <a:p>
             <a:r>
-              <a:rPr lang="en-US" smtClean="0"/>
+              <a:rPr lang="en-US" dirty="0"/>
               <a:t>Scenario is a sequence of events among a set of interacting objects.</a:t>
             </a:r>
           </a:p>
           <a:p>
             <a:r>
-              <a:rPr lang="en-US" smtClean="0"/>
+              <a:rPr lang="en-US" dirty="0"/>
               <a:t>Think in terms of sample interactions.</a:t>
             </a:r>
           </a:p>
           <a:p>
             <a:r>
-              <a:rPr lang="en-US" smtClean="0"/>
+              <a:rPr lang="en-US" dirty="0"/>
               <a:t>Sometime problem statement describes full interaction sequences, but most of time you will have invent.</a:t>
             </a:r>
           </a:p>
@@ -31924,26 +32267,26 @@
           <a:lstStyle/>
           <a:p>
             <a:r>
-              <a:rPr lang="en-US" smtClean="0"/>
+              <a:rPr lang="en-US"/>
               <a:t>So prepare scenarios for “normal” cases – interaction without any unusual inputs or error conditions.</a:t>
             </a:r>
           </a:p>
           <a:p>
             <a:r>
-              <a:rPr lang="en-US" smtClean="0"/>
+              <a:rPr lang="en-US"/>
               <a:t>Information values exchanged are event parameters.</a:t>
             </a:r>
           </a:p>
           <a:p>
             <a:pPr lvl="1"/>
             <a:r>
-              <a:rPr lang="en-US" smtClean="0"/>
+              <a:rPr lang="en-US"/>
               <a:t>Ex. Entered password has password value as a parameter.</a:t>
             </a:r>
           </a:p>
           <a:p>
             <a:r>
-              <a:rPr lang="en-US" smtClean="0"/>
+              <a:rPr lang="en-US"/>
               <a:t>So for each event, identify the actor that caused the event and the parameters of the events.</a:t>
             </a:r>
           </a:p>
@@ -32109,13 +32452,6 @@
   <p:clrMapOvr>
     <a:masterClrMapping/>
   </p:clrMapOvr>
-  <p:timing>
-    <p:tnLst>
-      <p:par>
-        <p:cTn id="1" dur="indefinite" restart="never" nodeType="tmRoot"/>
-      </p:par>
-    </p:tnLst>
-  </p:timing>
 </p:sld>
 </file>
 
@@ -32157,19 +32493,19 @@
           <a:lstStyle/>
           <a:p>
             <a:r>
-              <a:rPr lang="en-US" dirty="0" smtClean="0"/>
+              <a:rPr lang="en-US" dirty="0"/>
               <a:t>Application Interaction Model</a:t>
             </a:r>
           </a:p>
           <a:p>
             <a:r>
-              <a:rPr lang="en-US" dirty="0" smtClean="0"/>
+              <a:rPr lang="en-US" dirty="0"/>
               <a:t>Application Class Model</a:t>
             </a:r>
           </a:p>
           <a:p>
             <a:r>
-              <a:rPr lang="en-US" dirty="0" smtClean="0"/>
+              <a:rPr lang="en-US" dirty="0"/>
               <a:t>Overview of class Design</a:t>
             </a:r>
           </a:p>
@@ -32178,10 +32514,10 @@
               <a:buFont typeface="Wingdings 2" pitchFamily="18" charset="2"/>
               <a:buNone/>
             </a:pPr>
-            <a:endParaRPr lang="en-US" dirty="0" smtClean="0"/>
-          </a:p>
-          <a:p>
-            <a:endParaRPr lang="en-US" dirty="0" smtClean="0"/>
+            <a:endParaRPr lang="en-US" dirty="0"/>
+          </a:p>
+          <a:p>
+            <a:endParaRPr lang="en-US" dirty="0"/>
           </a:p>
         </p:txBody>
       </p:sp>
@@ -32271,25 +32607,25 @@
               <a:buNone/>
             </a:pPr>
             <a:r>
-              <a:rPr lang="en-US" smtClean="0"/>
+              <a:rPr lang="en-US"/>
               <a:t>Adding variations and Exception Scenarios</a:t>
             </a:r>
           </a:p>
           <a:p>
             <a:r>
-              <a:rPr lang="en-US" smtClean="0"/>
+              <a:rPr lang="en-US"/>
               <a:t>Once normal scenarios prepared, consider “Special” cases, such as omitted input, maximum and minimum values and repeated values.</a:t>
             </a:r>
           </a:p>
           <a:p>
             <a:r>
-              <a:rPr lang="en-US" smtClean="0"/>
+              <a:rPr lang="en-US"/>
               <a:t>Then consider “error” cases, including invalid values and failures to respond.</a:t>
             </a:r>
           </a:p>
           <a:p>
             <a:r>
-              <a:rPr lang="en-US" smtClean="0"/>
+              <a:rPr lang="en-US"/>
               <a:t>Consider various other kind of interactions also such as help request and status inquiries.</a:t>
             </a:r>
           </a:p>
@@ -32376,13 +32712,6 @@
   <p:clrMapOvr>
     <a:masterClrMapping/>
   </p:clrMapOvr>
-  <p:timing>
-    <p:tnLst>
-      <p:par>
-        <p:cTn id="1" dur="indefinite" restart="never" nodeType="tmRoot"/>
-      </p:par>
-    </p:tnLst>
-  </p:timing>
 </p:sld>
 </file>
 
@@ -32419,56 +32748,56 @@
           <a:lstStyle/>
           <a:p>
             <a:r>
-              <a:rPr lang="en-US" smtClean="0"/>
+              <a:rPr lang="en-US"/>
               <a:t>ATM Example:</a:t>
             </a:r>
           </a:p>
           <a:p>
             <a:pPr lvl="1"/>
             <a:r>
-              <a:rPr lang="en-US" smtClean="0"/>
+              <a:rPr lang="en-US"/>
               <a:t>ATM can’t read the card</a:t>
             </a:r>
           </a:p>
           <a:p>
             <a:pPr lvl="1"/>
             <a:r>
-              <a:rPr lang="en-US" smtClean="0"/>
+              <a:rPr lang="en-US"/>
               <a:t>Card has expired</a:t>
             </a:r>
           </a:p>
           <a:p>
             <a:pPr lvl="1"/>
             <a:r>
-              <a:rPr lang="en-US" smtClean="0"/>
+              <a:rPr lang="en-US"/>
               <a:t>ATM times out waiting for a response</a:t>
             </a:r>
           </a:p>
           <a:p>
             <a:pPr lvl="1"/>
             <a:r>
-              <a:rPr lang="en-US" smtClean="0"/>
+              <a:rPr lang="en-US"/>
               <a:t>Amount is invalid</a:t>
             </a:r>
           </a:p>
           <a:p>
             <a:pPr lvl="1"/>
             <a:r>
-              <a:rPr lang="en-US" smtClean="0"/>
+              <a:rPr lang="en-US"/>
               <a:t>Machine is out of cash or paper.</a:t>
             </a:r>
           </a:p>
           <a:p>
             <a:pPr lvl="1"/>
             <a:r>
-              <a:rPr lang="en-US" smtClean="0"/>
+              <a:rPr lang="en-US"/>
               <a:t>Communication lines are down.</a:t>
             </a:r>
           </a:p>
           <a:p>
             <a:pPr lvl="1"/>
             <a:r>
-              <a:rPr lang="en-US" smtClean="0"/>
+              <a:rPr lang="en-US"/>
               <a:t>Transaction rejected because of suspicious patterns of card usage.</a:t>
             </a:r>
           </a:p>
@@ -32600,31 +32929,31 @@
               <a:buNone/>
             </a:pPr>
             <a:r>
-              <a:rPr lang="en-US" u="sng" smtClean="0"/>
+              <a:rPr lang="en-US" u="sng"/>
               <a:t>Finding External Events</a:t>
             </a:r>
           </a:p>
           <a:p>
             <a:r>
-              <a:rPr lang="en-US" smtClean="0"/>
+              <a:rPr lang="en-US"/>
               <a:t>To find all external events – includes all inputs, decisions, interrupts, and interaction to or from users or external devices.</a:t>
             </a:r>
           </a:p>
           <a:p>
             <a:r>
-              <a:rPr lang="en-US" smtClean="0"/>
+              <a:rPr lang="en-US"/>
               <a:t>An Event can execute effects for a target object.</a:t>
             </a:r>
           </a:p>
           <a:p>
             <a:r>
-              <a:rPr lang="en-US" smtClean="0"/>
+              <a:rPr lang="en-US"/>
               <a:t>Use scenario to find out normal events, unusual event and error conditions.</a:t>
             </a:r>
           </a:p>
           <a:p>
             <a:r>
-              <a:rPr lang="en-US" smtClean="0"/>
+              <a:rPr lang="en-US"/>
               <a:t>In simple words, transmission of information to an object is Event.</a:t>
             </a:r>
           </a:p>
@@ -32747,46 +33076,46 @@
           <a:lstStyle/>
           <a:p>
             <a:r>
-              <a:rPr lang="en-US" smtClean="0"/>
+              <a:rPr lang="en-US"/>
               <a:t>For ex. </a:t>
             </a:r>
             <a:r>
-              <a:rPr lang="en-US" i="1" smtClean="0"/>
+              <a:rPr lang="en-US" i="1"/>
               <a:t>Enter password </a:t>
             </a:r>
             <a:r>
-              <a:rPr lang="en-US" smtClean="0"/>
+              <a:rPr lang="en-US"/>
               <a:t>is message from external </a:t>
             </a:r>
             <a:r>
-              <a:rPr lang="en-US" i="1" smtClean="0"/>
+              <a:rPr lang="en-US" i="1"/>
               <a:t>User</a:t>
             </a:r>
             <a:r>
-              <a:rPr lang="en-US" smtClean="0"/>
+              <a:rPr lang="en-US"/>
               <a:t> to application object </a:t>
             </a:r>
             <a:r>
-              <a:rPr lang="en-US" i="1" smtClean="0"/>
+              <a:rPr lang="en-US" i="1"/>
               <a:t>ATM.</a:t>
             </a:r>
           </a:p>
           <a:p>
             <a:r>
-              <a:rPr lang="en-US" smtClean="0"/>
+              <a:rPr lang="en-US"/>
               <a:t>Event instances whose values affect the flow of control should be different kinds of events.</a:t>
             </a:r>
           </a:p>
           <a:p>
             <a:pPr lvl="1"/>
             <a:r>
-              <a:rPr lang="en-US" smtClean="0"/>
+              <a:rPr lang="en-US"/>
               <a:t>Account OK, Bad Account and Bad Password are different events.</a:t>
             </a:r>
           </a:p>
           <a:p>
             <a:r>
-              <a:rPr lang="en-US" smtClean="0"/>
+              <a:rPr lang="en-US"/>
               <a:t>Based on event entered, prepared sequence diagram for it.</a:t>
             </a:r>
           </a:p>
@@ -32909,24 +33238,24 @@
           <a:lstStyle/>
           <a:p>
             <a:r>
-              <a:rPr lang="en-US" smtClean="0"/>
+              <a:rPr lang="en-US"/>
               <a:t>Prepare a sequence diagram for each scenario. </a:t>
             </a:r>
           </a:p>
           <a:p>
             <a:r>
-              <a:rPr lang="en-US" smtClean="0"/>
+              <a:rPr lang="en-US"/>
               <a:t>It shows participation in an interaction and sequences of message among them.</a:t>
             </a:r>
           </a:p>
           <a:p>
             <a:r>
-              <a:rPr lang="en-US" smtClean="0"/>
+              <a:rPr lang="en-US"/>
               <a:t>From sequence diagram, you can then summarize the events that each class sends and receives.</a:t>
             </a:r>
           </a:p>
           <a:p>
-            <a:endParaRPr lang="en-US" smtClean="0"/>
+            <a:endParaRPr lang="en-US"/>
           </a:p>
         </p:txBody>
       </p:sp>
@@ -33351,7 +33680,7 @@
               <a:buNone/>
             </a:pPr>
             <a:r>
-              <a:rPr lang="en-US" b="1" u="sng" smtClean="0"/>
+              <a:rPr lang="en-US" b="1" u="sng"/>
               <a:t>Preparing Activity diagrams for </a:t>
             </a:r>
           </a:p>
@@ -33361,30 +33690,30 @@
               <a:buNone/>
             </a:pPr>
             <a:r>
-              <a:rPr lang="en-US" b="1" u="sng" smtClean="0"/>
+              <a:rPr lang="en-US" b="1" u="sng"/>
               <a:t>Complex use Cases</a:t>
             </a:r>
           </a:p>
           <a:p>
             <a:r>
-              <a:rPr lang="en-US" smtClean="0"/>
+              <a:rPr lang="en-US"/>
               <a:t>Sequence diagram capture dialog and interplay between actors.</a:t>
             </a:r>
           </a:p>
           <a:p>
             <a:r>
-              <a:rPr lang="en-US" smtClean="0"/>
+              <a:rPr lang="en-US"/>
               <a:t>Do not clearly show alternatives and decisions.</a:t>
             </a:r>
           </a:p>
           <a:p>
             <a:r>
-              <a:rPr lang="en-US" smtClean="0"/>
+              <a:rPr lang="en-US"/>
               <a:t>Activity diagram let you consolidate all the behavior by documenting forks and merges in the control flow.</a:t>
             </a:r>
           </a:p>
           <a:p>
-            <a:endParaRPr lang="en-US" smtClean="0"/>
+            <a:endParaRPr lang="en-US"/>
           </a:p>
         </p:txBody>
       </p:sp>
@@ -33522,7 +33851,7 @@
           </a:bodyPr>
           <a:lstStyle/>
           <a:p>
-            <a:endParaRPr lang="en-US" smtClean="0"/>
+            <a:endParaRPr lang="en-US"/>
           </a:p>
         </p:txBody>
       </p:sp>
@@ -33625,30 +33954,30 @@
               <a:buNone/>
             </a:pPr>
             <a:r>
-              <a:rPr lang="en-US" sz="3600" u="sng" smtClean="0"/>
+              <a:rPr lang="en-US" sz="3600" u="sng"/>
               <a:t>Organizing Actors and Use cases</a:t>
             </a:r>
           </a:p>
           <a:p>
             <a:r>
-              <a:rPr lang="en-US" smtClean="0"/>
+              <a:rPr lang="en-US"/>
               <a:t>Next step to organize use cases with relationship (includes, extend and generalization) </a:t>
             </a:r>
           </a:p>
           <a:p>
             <a:r>
-              <a:rPr lang="en-US" smtClean="0"/>
+              <a:rPr lang="en-US"/>
               <a:t>It will helpful for large and complex systems.</a:t>
             </a:r>
           </a:p>
           <a:p>
             <a:r>
-              <a:rPr lang="en-US" smtClean="0"/>
+              <a:rPr lang="en-US"/>
               <a:t>For. Admin might be an operator with additional privileges.</a:t>
             </a:r>
           </a:p>
           <a:p>
-            <a:endParaRPr lang="en-US" smtClean="0"/>
+            <a:endParaRPr lang="en-US"/>
           </a:p>
         </p:txBody>
       </p:sp>
@@ -33770,42 +34099,42 @@
           <a:p>
             <a:pPr algn="just"/>
             <a:r>
-              <a:rPr lang="en-US" smtClean="0"/>
+              <a:rPr lang="en-US"/>
               <a:t>Most domain model focus on building a model of intrinsic concepts.</a:t>
             </a:r>
           </a:p>
           <a:p>
             <a:pPr algn="just"/>
             <a:r>
-              <a:rPr lang="en-US" smtClean="0"/>
+              <a:rPr lang="en-US"/>
               <a:t>While Application model focus on the details of the application and consider interaction.</a:t>
             </a:r>
           </a:p>
           <a:p>
             <a:pPr algn="just"/>
             <a:r>
-              <a:rPr lang="en-US" smtClean="0"/>
+              <a:rPr lang="en-US"/>
               <a:t>You can construct application interaction model with following steps:</a:t>
             </a:r>
           </a:p>
           <a:p>
             <a:pPr lvl="1" algn="just"/>
             <a:r>
-              <a:rPr lang="en-US" smtClean="0"/>
+              <a:rPr lang="en-US"/>
               <a:t>Determine the system boundary</a:t>
             </a:r>
           </a:p>
           <a:p>
             <a:pPr lvl="1" algn="just"/>
             <a:r>
-              <a:rPr lang="en-US" smtClean="0"/>
+              <a:rPr lang="en-US"/>
               <a:t>Find actor</a:t>
             </a:r>
           </a:p>
           <a:p>
             <a:pPr lvl="1" algn="just"/>
             <a:r>
-              <a:rPr lang="en-US" smtClean="0"/>
+              <a:rPr lang="en-US"/>
               <a:t>Find use cases</a:t>
             </a:r>
           </a:p>
@@ -34029,30 +34358,30 @@
               <a:buNone/>
             </a:pPr>
             <a:r>
-              <a:rPr lang="en-US" u="sng" smtClean="0"/>
+              <a:rPr lang="en-US" u="sng"/>
               <a:t>Checking Against the Domain Class model</a:t>
             </a:r>
           </a:p>
           <a:p>
             <a:r>
-              <a:rPr lang="en-US" smtClean="0"/>
+              <a:rPr lang="en-US"/>
               <a:t>Application and domain models should be mostly consistent.</a:t>
             </a:r>
           </a:p>
           <a:p>
             <a:r>
-              <a:rPr lang="en-US" smtClean="0"/>
+              <a:rPr lang="en-US"/>
               <a:t>The actors, use cases and scenarios are all based on classes and concept from domain model.</a:t>
             </a:r>
           </a:p>
           <a:p>
             <a:r>
-              <a:rPr lang="en-US" smtClean="0"/>
+              <a:rPr lang="en-US"/>
               <a:t>Cross check the application and domain models to ensure that there are no inconsistencies. </a:t>
             </a:r>
           </a:p>
           <a:p>
-            <a:endParaRPr lang="en-US" smtClean="0"/>
+            <a:endParaRPr lang="en-US"/>
           </a:p>
         </p:txBody>
       </p:sp>
@@ -34174,35 +34503,35 @@
           <a:p>
             <a:pPr algn="ctr"/>
             <a:r>
-              <a:rPr lang="en-US" b="1" dirty="0" smtClean="0"/>
+              <a:rPr lang="en-US" b="1" dirty="0"/>
               <a:t>Construct an application class model with following steps:</a:t>
             </a:r>
           </a:p>
           <a:p>
             <a:pPr lvl="1"/>
             <a:r>
-              <a:rPr lang="en-US" sz="3600" dirty="0" smtClean="0"/>
+              <a:rPr lang="en-US" sz="3600" dirty="0"/>
               <a:t>Specify User Interfaces</a:t>
             </a:r>
           </a:p>
           <a:p>
             <a:pPr lvl="1"/>
             <a:r>
-              <a:rPr lang="en-US" sz="3600" dirty="0" smtClean="0"/>
+              <a:rPr lang="en-US" sz="3600" dirty="0"/>
               <a:t>Define Boundary classes.</a:t>
             </a:r>
           </a:p>
           <a:p>
             <a:pPr lvl="1"/>
             <a:r>
-              <a:rPr lang="en-US" sz="3600" dirty="0" smtClean="0"/>
+              <a:rPr lang="en-US" sz="3600" dirty="0"/>
               <a:t>Determine controllers.</a:t>
             </a:r>
           </a:p>
           <a:p>
             <a:pPr lvl="1"/>
             <a:r>
-              <a:rPr lang="en-US" sz="3600" dirty="0" smtClean="0"/>
+              <a:rPr lang="en-US" sz="3600" dirty="0"/>
               <a:t>Check against the interaction model.</a:t>
             </a:r>
           </a:p>
@@ -34334,55 +34663,55 @@
               <a:buNone/>
             </a:pPr>
             <a:r>
-              <a:rPr lang="en-US" u="sng" dirty="0" smtClean="0"/>
+              <a:rPr lang="en-US" u="sng" dirty="0"/>
               <a:t>Specifying User Interface</a:t>
             </a:r>
           </a:p>
           <a:p>
             <a:r>
-              <a:rPr lang="en-US" dirty="0" smtClean="0"/>
+              <a:rPr lang="en-US" dirty="0"/>
               <a:t>Most interaction divided into two parts</a:t>
             </a:r>
           </a:p>
           <a:p>
             <a:pPr lvl="1"/>
             <a:r>
-              <a:rPr lang="en-US" dirty="0" smtClean="0"/>
+              <a:rPr lang="en-US" dirty="0"/>
               <a:t>Application Logic</a:t>
             </a:r>
           </a:p>
           <a:p>
             <a:pPr lvl="1"/>
             <a:r>
-              <a:rPr lang="en-US" dirty="0" smtClean="0"/>
+              <a:rPr lang="en-US" dirty="0"/>
               <a:t>User Interface</a:t>
             </a:r>
           </a:p>
           <a:p>
             <a:r>
-              <a:rPr lang="en-US" dirty="0" smtClean="0"/>
+              <a:rPr lang="en-US" dirty="0"/>
               <a:t>A </a:t>
             </a:r>
             <a:r>
-              <a:rPr lang="en-US" i="1" u="sng" dirty="0" smtClean="0"/>
+              <a:rPr lang="en-US" i="1" u="sng" dirty="0"/>
               <a:t>user interface </a:t>
             </a:r>
             <a:r>
-              <a:rPr lang="en-US" dirty="0" smtClean="0"/>
+              <a:rPr lang="en-US" dirty="0"/>
               <a:t>provides the user with way to access its objects, command (function/Features) and application options.</a:t>
             </a:r>
           </a:p>
           <a:p>
             <a:r>
-              <a:rPr lang="en-US" dirty="0" smtClean="0"/>
+              <a:rPr lang="en-US" dirty="0"/>
               <a:t>Same </a:t>
             </a:r>
             <a:r>
-              <a:rPr lang="en-US" i="1" u="sng" dirty="0" smtClean="0"/>
+              <a:rPr lang="en-US" i="1" u="sng" dirty="0"/>
               <a:t>program logic </a:t>
             </a:r>
             <a:r>
-              <a:rPr lang="en-US" dirty="0" smtClean="0"/>
+              <a:rPr lang="en-US" dirty="0"/>
               <a:t>can accept input from command lines, files, mouse buttons, touch pane, physical push buttons, or remote links.</a:t>
             </a:r>
           </a:p>
@@ -34505,19 +34834,19 @@
           <a:lstStyle/>
           <a:p>
             <a:r>
-              <a:rPr lang="en-US" smtClean="0"/>
+              <a:rPr lang="en-US"/>
               <a:t>It is acceptable to sketch out a sample interface to help you visualize the operation of an application.</a:t>
             </a:r>
           </a:p>
           <a:p>
             <a:r>
-              <a:rPr lang="en-US" smtClean="0"/>
+              <a:rPr lang="en-US"/>
               <a:t>Might need mock up the interface so that user can try it.</a:t>
             </a:r>
           </a:p>
           <a:p>
             <a:r>
-              <a:rPr lang="en-US" smtClean="0"/>
+              <a:rPr lang="en-US"/>
               <a:t>Dummy procedure can simulate application logic. It will help you to evaluate the “look and feel” of the user interface.</a:t>
             </a:r>
           </a:p>
@@ -34775,33 +35104,33 @@
               <a:buNone/>
             </a:pPr>
             <a:r>
-              <a:rPr lang="en-US" u="sng" smtClean="0"/>
+              <a:rPr lang="en-US" u="sng"/>
               <a:t>Defining Boundary Classes</a:t>
             </a:r>
           </a:p>
           <a:p>
             <a:r>
-              <a:rPr lang="en-US" smtClean="0"/>
+              <a:rPr lang="en-US"/>
               <a:t>It is always helpful to define boundary classes to isolate the inside of a system from the external world.</a:t>
             </a:r>
           </a:p>
           <a:p>
             <a:r>
-              <a:rPr lang="en-US" smtClean="0"/>
+              <a:rPr lang="en-US"/>
               <a:t>A </a:t>
             </a:r>
             <a:r>
-              <a:rPr lang="en-US" i="1" u="sng" smtClean="0"/>
+              <a:rPr lang="en-US" i="1" u="sng"/>
               <a:t>boundary class </a:t>
             </a:r>
             <a:r>
-              <a:rPr lang="en-US" smtClean="0"/>
+              <a:rPr lang="en-US"/>
               <a:t>is a class that provides a staging area for communication between a system and an external source.</a:t>
             </a:r>
           </a:p>
           <a:p>
             <a:r>
-              <a:rPr lang="en-US" smtClean="0"/>
+              <a:rPr lang="en-US"/>
               <a:t>It understand the format of one or more external sources and converts information  for transmission to and from the internal system.</a:t>
             </a:r>
           </a:p>
@@ -34924,12 +35253,12 @@
           <a:lstStyle/>
           <a:p>
             <a:r>
-              <a:rPr lang="en-US" smtClean="0"/>
+              <a:rPr lang="en-US"/>
               <a:t>For ex. To summarize the communication between ATM and consortium, we need to define boundary classes (CashCardBoundary, AccountBoundary).</a:t>
             </a:r>
           </a:p>
           <a:p>
-            <a:endParaRPr lang="en-US" smtClean="0"/>
+            <a:endParaRPr lang="en-US"/>
           </a:p>
         </p:txBody>
       </p:sp>
@@ -35050,52 +35379,52 @@
           <a:lstStyle/>
           <a:p>
             <a:r>
-              <a:rPr lang="en-US" smtClean="0"/>
+              <a:rPr lang="en-US"/>
               <a:t>Determining Controllers</a:t>
             </a:r>
           </a:p>
           <a:p>
             <a:r>
-              <a:rPr lang="en-US" smtClean="0"/>
+              <a:rPr lang="en-US"/>
               <a:t>A controller is active object that manages control within the application.</a:t>
             </a:r>
           </a:p>
           <a:p>
             <a:pPr lvl="1"/>
             <a:r>
-              <a:rPr lang="en-US" smtClean="0"/>
+              <a:rPr lang="en-US"/>
               <a:t>It receives signal from outside world.</a:t>
             </a:r>
           </a:p>
           <a:p>
             <a:pPr lvl="1"/>
             <a:r>
-              <a:rPr lang="en-US" smtClean="0"/>
+              <a:rPr lang="en-US"/>
               <a:t>Reacts to them</a:t>
             </a:r>
           </a:p>
           <a:p>
             <a:pPr lvl="1"/>
             <a:r>
-              <a:rPr lang="en-US" smtClean="0"/>
+              <a:rPr lang="en-US"/>
               <a:t>Invokes operation on the objects in the system.</a:t>
             </a:r>
           </a:p>
           <a:p>
             <a:pPr lvl="1"/>
             <a:r>
-              <a:rPr lang="en-US" smtClean="0"/>
+              <a:rPr lang="en-US"/>
               <a:t>Send signals to outside world.</a:t>
             </a:r>
           </a:p>
           <a:p>
             <a:r>
-              <a:rPr lang="en-US" smtClean="0"/>
+              <a:rPr lang="en-US"/>
               <a:t>A controller is piece of reified behavior captured in form of object.</a:t>
             </a:r>
           </a:p>
           <a:p>
-            <a:endParaRPr lang="en-US" smtClean="0"/>
+            <a:endParaRPr lang="en-US"/>
           </a:p>
         </p:txBody>
       </p:sp>
@@ -35216,26 +35545,26 @@
           <a:lstStyle/>
           <a:p>
             <a:r>
-              <a:rPr lang="en-US" smtClean="0"/>
+              <a:rPr lang="en-US"/>
               <a:t>For Ex. ATM has two major control loops.</a:t>
             </a:r>
           </a:p>
           <a:p>
             <a:pPr lvl="1"/>
             <a:r>
-              <a:rPr lang="en-US" smtClean="0"/>
+              <a:rPr lang="en-US"/>
               <a:t>Outer loop verifies customer and account.</a:t>
             </a:r>
           </a:p>
           <a:p>
             <a:pPr lvl="1"/>
             <a:r>
-              <a:rPr lang="en-US" smtClean="0"/>
+              <a:rPr lang="en-US"/>
               <a:t>Inner loop services transactions.</a:t>
             </a:r>
           </a:p>
           <a:p>
-            <a:endParaRPr lang="en-US" smtClean="0"/>
+            <a:endParaRPr lang="en-US"/>
           </a:p>
         </p:txBody>
       </p:sp>
@@ -35357,49 +35686,49 @@
           <a:p>
             <a:pPr lvl="1"/>
             <a:r>
-              <a:rPr lang="en-US" smtClean="0"/>
+              <a:rPr lang="en-US"/>
               <a:t>Find initial and final events</a:t>
             </a:r>
           </a:p>
           <a:p>
             <a:pPr lvl="1"/>
             <a:r>
-              <a:rPr lang="en-US" smtClean="0"/>
+              <a:rPr lang="en-US"/>
               <a:t>Prepare normal scenarios</a:t>
             </a:r>
           </a:p>
           <a:p>
             <a:pPr lvl="1"/>
             <a:r>
-              <a:rPr lang="en-US" smtClean="0"/>
+              <a:rPr lang="en-US"/>
               <a:t>Add variation and exception scenarios</a:t>
             </a:r>
           </a:p>
           <a:p>
             <a:pPr lvl="1"/>
             <a:r>
-              <a:rPr lang="en-US" smtClean="0"/>
+              <a:rPr lang="en-US"/>
               <a:t>Find external events.</a:t>
             </a:r>
           </a:p>
           <a:p>
             <a:pPr lvl="1"/>
             <a:r>
-              <a:rPr lang="en-US" smtClean="0"/>
+              <a:rPr lang="en-US"/>
               <a:t>Prepare activity diagram for complex use cases.</a:t>
             </a:r>
           </a:p>
           <a:p>
             <a:pPr lvl="1"/>
             <a:r>
-              <a:rPr lang="en-US" smtClean="0"/>
+              <a:rPr lang="en-US"/>
               <a:t>Organize actors and use cases</a:t>
             </a:r>
           </a:p>
           <a:p>
             <a:pPr lvl="1"/>
             <a:r>
-              <a:rPr lang="en-US" smtClean="0"/>
+              <a:rPr lang="en-US"/>
               <a:t>Check against the domain class model.</a:t>
             </a:r>
           </a:p>
@@ -35526,46 +35855,46 @@
               <a:buNone/>
             </a:pPr>
             <a:r>
-              <a:rPr lang="en-US" sz="3600" u="sng" smtClean="0"/>
+              <a:rPr lang="en-US" sz="3600" u="sng"/>
               <a:t>Checking against the Interaction Model</a:t>
             </a:r>
           </a:p>
           <a:p>
             <a:r>
-              <a:rPr lang="en-US" smtClean="0"/>
+              <a:rPr lang="en-US"/>
               <a:t>Once you build class model, go over the use cases and think about how they would work.</a:t>
             </a:r>
           </a:p>
           <a:p>
             <a:r>
-              <a:rPr lang="en-US" smtClean="0"/>
+              <a:rPr lang="en-US"/>
               <a:t>For Examples</a:t>
             </a:r>
           </a:p>
           <a:p>
             <a:pPr lvl="1"/>
             <a:r>
-              <a:rPr lang="en-US" smtClean="0"/>
+              <a:rPr lang="en-US"/>
               <a:t>user sends a command</a:t>
             </a:r>
           </a:p>
           <a:p>
             <a:pPr lvl="1"/>
             <a:r>
-              <a:rPr lang="en-US" smtClean="0"/>
+              <a:rPr lang="en-US"/>
               <a:t>Parameters of command must come from UI object.</a:t>
             </a:r>
           </a:p>
           <a:p>
             <a:pPr lvl="1"/>
             <a:r>
-              <a:rPr lang="en-US" smtClean="0"/>
+              <a:rPr lang="en-US"/>
               <a:t>Requesting a command itself must come from some controller.</a:t>
             </a:r>
           </a:p>
           <a:p>
             <a:r>
-              <a:rPr lang="en-US" smtClean="0"/>
+              <a:rPr lang="en-US"/>
               <a:t>Finally, simulate use case with the classes.</a:t>
             </a:r>
           </a:p>
@@ -36288,7 +36617,7 @@
               <a:t>› </a:t>
             </a:r>
             <a:r>
-              <a:rPr smtClean="0">
+              <a:rPr>
                 <a:solidFill>
                   <a:srgbClr val="454552"/>
                 </a:solidFill>
@@ -36298,7 +36627,7 @@
               <a:t>Br</a:t>
             </a:r>
             <a:r>
-              <a:rPr lang="en-US" dirty="0" smtClean="0">
+              <a:rPr lang="en-US" dirty="0">
                 <a:solidFill>
                   <a:srgbClr val="454552"/>
                 </a:solidFill>
@@ -36308,7 +36637,7 @@
               <a:t>e</a:t>
             </a:r>
             <a:r>
-              <a:rPr smtClean="0">
+              <a:rPr>
                 <a:solidFill>
                   <a:srgbClr val="454552"/>
                 </a:solidFill>
@@ -36335,30 +36664,20 @@
                 <a:latin typeface="Gill Sans MT"/>
                 <a:cs typeface="Gill Sans MT"/>
               </a:rPr>
-              <a:t>operation </a:t>
-            </a:r>
-            <a:r>
-              <a:rPr spc="-4" smtClean="0">
+              <a:t>operation i</a:t>
+            </a:r>
+            <a:r>
+              <a:rPr lang="en-US" spc="-4" dirty="0">
                 <a:solidFill>
                   <a:srgbClr val="454552"/>
                 </a:solidFill>
                 <a:latin typeface="Gill Sans MT"/>
                 <a:cs typeface="Gill Sans MT"/>
               </a:rPr>
-              <a:t>i</a:t>
-            </a:r>
-            <a:r>
-              <a:rPr lang="en-US" spc="-4" dirty="0" smtClean="0">
-                <a:solidFill>
-                  <a:srgbClr val="454552"/>
-                </a:solidFill>
-                <a:latin typeface="Gill Sans MT"/>
-                <a:cs typeface="Gill Sans MT"/>
-              </a:rPr>
               <a:t>n</a:t>
             </a:r>
             <a:r>
-              <a:rPr spc="-4" smtClean="0">
+              <a:rPr spc="-4">
                 <a:solidFill>
                   <a:srgbClr val="454552"/>
                 </a:solidFill>
@@ -36832,11 +37151,10 @@
               </a:spcBef>
             </a:pPr>
             <a:r>
-              <a:rPr lang="en-US" dirty="0" smtClean="0"/>
+              <a:rPr lang="en-US" dirty="0"/>
               <a:t>1.</a:t>
             </a:r>
             <a:r>
-              <a:rPr smtClean="0"/>
               <a:t>The </a:t>
             </a:r>
             <a:r>
@@ -38196,11 +38514,11 @@
               </a:spcBef>
             </a:pPr>
             <a:r>
-              <a:rPr lang="en-US" spc="-4" dirty="0" smtClean="0"/>
+              <a:rPr lang="en-US" spc="-4" dirty="0"/>
               <a:t>2.</a:t>
             </a:r>
             <a:r>
-              <a:rPr spc="-4" smtClean="0"/>
+              <a:rPr spc="-4"/>
               <a:t>Realizing </a:t>
             </a:r>
             <a:r>
@@ -39894,15 +40212,15 @@
               </a:spcBef>
             </a:pPr>
             <a:r>
-              <a:rPr lang="en-US" spc="-4" dirty="0" smtClean="0"/>
+              <a:rPr lang="en-US" spc="-4" dirty="0"/>
               <a:t>4.</a:t>
             </a:r>
             <a:r>
-              <a:rPr spc="-4" smtClean="0"/>
+              <a:rPr spc="-4"/>
               <a:t>Designing</a:t>
             </a:r>
             <a:r>
-              <a:rPr spc="-26" smtClean="0"/>
+              <a:rPr spc="-26"/>
               <a:t> </a:t>
             </a:r>
             <a:r>
@@ -40660,15 +40978,14 @@
               </a:spcBef>
             </a:pPr>
             <a:r>
-              <a:rPr lang="en-US" dirty="0" smtClean="0"/>
+              <a:rPr lang="en-US" dirty="0"/>
               <a:t>5.</a:t>
             </a:r>
             <a:r>
-              <a:rPr smtClean="0"/>
               <a:t>Recursing</a:t>
             </a:r>
             <a:r>
-              <a:rPr spc="-92" smtClean="0"/>
+              <a:rPr spc="-92"/>
               <a:t> </a:t>
             </a:r>
             <a:r>
@@ -41582,11 +41899,11 @@
               </a:spcBef>
             </a:pPr>
             <a:r>
-              <a:rPr lang="en-US" spc="-4" dirty="0" smtClean="0"/>
+              <a:rPr lang="en-US" spc="-4" dirty="0"/>
               <a:t>6.</a:t>
             </a:r>
             <a:r>
-              <a:rPr spc="-4" smtClean="0"/>
+              <a:rPr spc="-4"/>
               <a:t>Refactoring</a:t>
             </a:r>
             <a:endParaRPr spc="-4" dirty="0"/>
@@ -42200,55 +42517,55 @@
               <a:buNone/>
             </a:pPr>
             <a:r>
-              <a:rPr lang="en-US" smtClean="0"/>
+              <a:rPr lang="en-US"/>
               <a:t>Determine the system boundary</a:t>
             </a:r>
           </a:p>
           <a:p>
             <a:r>
-              <a:rPr lang="en-US" smtClean="0"/>
+              <a:rPr lang="en-US"/>
               <a:t>Must know scope of an application </a:t>
             </a:r>
             <a:r>
-              <a:rPr lang="en-US" i="1" smtClean="0"/>
+              <a:rPr lang="en-US" i="1"/>
               <a:t>to specify functionality</a:t>
             </a:r>
             <a:r>
-              <a:rPr lang="en-US" smtClean="0"/>
+              <a:rPr lang="en-US"/>
               <a:t>.</a:t>
             </a:r>
           </a:p>
           <a:p>
             <a:r>
-              <a:rPr lang="en-US" smtClean="0"/>
+              <a:rPr lang="en-US"/>
               <a:t>It means, you must decide </a:t>
             </a:r>
             <a:r>
-              <a:rPr lang="en-US" i="1" smtClean="0"/>
+              <a:rPr lang="en-US" i="1"/>
               <a:t>what system includes</a:t>
             </a:r>
             <a:r>
-              <a:rPr lang="en-US" smtClean="0"/>
+              <a:rPr lang="en-US"/>
               <a:t> and </a:t>
             </a:r>
             <a:r>
-              <a:rPr lang="en-US" i="1" smtClean="0"/>
+              <a:rPr lang="en-US" i="1"/>
               <a:t>what it omits.</a:t>
             </a:r>
           </a:p>
           <a:p>
             <a:r>
-              <a:rPr lang="en-US" smtClean="0"/>
+              <a:rPr lang="en-US"/>
               <a:t>If boundary is correct,  you can treat system as box where internal details are hidden and changeable. </a:t>
             </a:r>
           </a:p>
           <a:p>
             <a:r>
-              <a:rPr lang="en-US" smtClean="0"/>
+              <a:rPr lang="en-US"/>
               <a:t>At this state, </a:t>
             </a:r>
             <a:r>
-              <a:rPr lang="en-US" i="1" smtClean="0"/>
+              <a:rPr lang="en-US" i="1"/>
               <a:t>determine purpose of the system.</a:t>
             </a:r>
           </a:p>
@@ -42386,15 +42703,15 @@
               </a:spcBef>
             </a:pPr>
             <a:r>
-              <a:rPr lang="en-US" sz="2000" b="1" spc="4" dirty="0" smtClean="0"/>
+              <a:rPr lang="en-US" sz="2000" b="1" spc="4" dirty="0"/>
               <a:t>7.</a:t>
             </a:r>
             <a:r>
-              <a:rPr sz="2000" b="1" spc="4" smtClean="0"/>
+              <a:rPr sz="2000" b="1" spc="4"/>
               <a:t>Design</a:t>
             </a:r>
             <a:r>
-              <a:rPr sz="2000" b="1" spc="-35" smtClean="0"/>
+              <a:rPr sz="2000" b="1" spc="-35"/>
               <a:t> </a:t>
             </a:r>
             <a:r>
@@ -43088,11 +43405,10 @@
               </a:spcBef>
             </a:pPr>
             <a:r>
-              <a:rPr lang="en-US" dirty="0" smtClean="0"/>
+              <a:rPr lang="en-US" dirty="0"/>
               <a:t>8.</a:t>
             </a:r>
             <a:r>
-              <a:rPr smtClean="0"/>
               <a:t>Adjustment </a:t>
             </a:r>
             <a:r>
@@ -43611,11 +43927,11 @@
               </a:spcBef>
             </a:pPr>
             <a:r>
-              <a:rPr lang="en-US" spc="-4" dirty="0" smtClean="0"/>
+              <a:rPr lang="en-US" spc="-4" dirty="0"/>
               <a:t>9.</a:t>
             </a:r>
             <a:r>
-              <a:rPr spc="-4" smtClean="0"/>
+              <a:rPr spc="-4"/>
               <a:t>Organizing </a:t>
             </a:r>
             <a:r>
@@ -44428,7 +44744,7 @@
               <a:buNone/>
             </a:pPr>
             <a:r>
-              <a:rPr lang="en-US" sz="4400" b="1" smtClean="0">
+              <a:rPr lang="en-US" sz="4400" b="1">
                 <a:latin typeface="Calibri" pitchFamily="34" charset="0"/>
               </a:rPr>
               <a:t>Chapter 12</a:t>
@@ -44439,7 +44755,7 @@
               <a:buFont typeface="Wingdings 2" pitchFamily="18" charset="2"/>
               <a:buNone/>
             </a:pPr>
-            <a:endParaRPr lang="en-US" sz="4400" b="1" smtClean="0">
+            <a:endParaRPr lang="en-US" sz="4400" b="1">
               <a:latin typeface="Calibri" pitchFamily="34" charset="0"/>
             </a:endParaRPr>
           </a:p>
@@ -44448,7 +44764,7 @@
               <a:buFont typeface="Wingdings 2" pitchFamily="18" charset="2"/>
               <a:buNone/>
             </a:pPr>
-            <a:endParaRPr lang="en-US" sz="4400" b="1" smtClean="0">
+            <a:endParaRPr lang="en-US" sz="4400" b="1">
               <a:latin typeface="Calibri" pitchFamily="34" charset="0"/>
             </a:endParaRPr>
           </a:p>
@@ -44458,7 +44774,7 @@
               <a:buNone/>
             </a:pPr>
             <a:r>
-              <a:rPr lang="en-US" sz="6600" b="1" smtClean="0">
+              <a:rPr lang="en-US" sz="6600" b="1">
                 <a:latin typeface="Calibri" pitchFamily="34" charset="0"/>
               </a:rPr>
               <a:t>Domain Analysis</a:t>
@@ -44471,13 +44787,6 @@
   <p:clrMapOvr>
     <a:masterClrMapping/>
   </p:clrMapOvr>
-  <p:timing>
-    <p:tnLst>
-      <p:par>
-        <p:cTn id="1" dur="indefinite" restart="never" nodeType="tmRoot"/>
-      </p:par>
-    </p:tnLst>
-  </p:timing>
 </p:sld>
 </file>
 
@@ -44519,31 +44828,31 @@
           <a:lstStyle/>
           <a:p>
             <a:r>
-              <a:rPr lang="en-US" smtClean="0"/>
+              <a:rPr lang="en-US"/>
               <a:t>Introduction</a:t>
             </a:r>
           </a:p>
           <a:p>
             <a:r>
-              <a:rPr lang="en-US" smtClean="0"/>
+              <a:rPr lang="en-US"/>
               <a:t>Overview of Analysis</a:t>
             </a:r>
           </a:p>
           <a:p>
             <a:r>
-              <a:rPr lang="en-US" smtClean="0"/>
+              <a:rPr lang="en-US"/>
               <a:t>Domain Class Model</a:t>
             </a:r>
           </a:p>
           <a:p>
             <a:r>
-              <a:rPr lang="en-US" smtClean="0"/>
+              <a:rPr lang="en-US"/>
               <a:t>Domain State Model</a:t>
             </a:r>
           </a:p>
           <a:p>
             <a:r>
-              <a:rPr lang="en-US" smtClean="0"/>
+              <a:rPr lang="en-US"/>
               <a:t>Domain Interaction Model</a:t>
             </a:r>
           </a:p>
@@ -44552,10 +44861,10 @@
               <a:buFont typeface="Wingdings 2" pitchFamily="18" charset="2"/>
               <a:buNone/>
             </a:pPr>
-            <a:endParaRPr lang="en-US" smtClean="0"/>
-          </a:p>
-          <a:p>
-            <a:endParaRPr lang="en-US" smtClean="0"/>
+            <a:endParaRPr lang="en-US"/>
+          </a:p>
+          <a:p>
+            <a:endParaRPr lang="en-US"/>
           </a:p>
         </p:txBody>
       </p:sp>
@@ -44642,21 +44951,21 @@
           <a:p>
             <a:pPr algn="just"/>
             <a:r>
-              <a:rPr lang="en-US" smtClean="0"/>
+              <a:rPr lang="en-US"/>
               <a:t>During analysis, we build models and begin to understand the requirements deeply.</a:t>
             </a:r>
           </a:p>
           <a:p>
             <a:pPr algn="just"/>
             <a:r>
-              <a:rPr lang="en-US" smtClean="0"/>
+              <a:rPr lang="en-US"/>
               <a:t>To build a domain model, you must interview business expert, examine requirements statements, and study related requirements.</a:t>
             </a:r>
           </a:p>
           <a:p>
             <a:pPr algn="just"/>
             <a:r>
-              <a:rPr lang="en-US" smtClean="0"/>
+              <a:rPr lang="en-US"/>
               <a:t>Successful analysis model states what must be done, without restricting how it is done and avoid implementation decisions.</a:t>
             </a:r>
           </a:p>
@@ -44859,68 +45168,68 @@
           <a:lstStyle/>
           <a:p>
             <a:r>
-              <a:rPr lang="en-US" smtClean="0"/>
+              <a:rPr lang="en-US"/>
               <a:t>As fig. shows, analysis begin with </a:t>
             </a:r>
             <a:r>
-              <a:rPr lang="en-US" i="1" smtClean="0"/>
+              <a:rPr lang="en-US" i="1"/>
               <a:t>problem statement </a:t>
             </a:r>
             <a:r>
-              <a:rPr lang="en-US" smtClean="0"/>
+              <a:rPr lang="en-US"/>
               <a:t>during system conception.</a:t>
             </a:r>
           </a:p>
           <a:p>
             <a:r>
-              <a:rPr lang="en-US" smtClean="0"/>
+              <a:rPr lang="en-US"/>
               <a:t>Problem statement can be </a:t>
             </a:r>
             <a:r>
-              <a:rPr lang="en-US" i="1" smtClean="0"/>
+              <a:rPr lang="en-US" i="1"/>
               <a:t>incomplete or informal</a:t>
             </a:r>
             <a:r>
-              <a:rPr lang="en-US" smtClean="0"/>
+              <a:rPr lang="en-US"/>
               <a:t> but analysis makes it more </a:t>
             </a:r>
             <a:r>
-              <a:rPr lang="en-US" i="1" smtClean="0"/>
+              <a:rPr lang="en-US" i="1"/>
               <a:t>precise and expose ambiguities.</a:t>
             </a:r>
           </a:p>
           <a:p>
             <a:r>
-              <a:rPr lang="en-US" smtClean="0"/>
+              <a:rPr lang="en-US"/>
               <a:t>You must understand real-world  system described by the problem statement, and </a:t>
             </a:r>
             <a:r>
-              <a:rPr lang="en-US" i="1" smtClean="0"/>
+              <a:rPr lang="en-US" i="1"/>
               <a:t>abstract its essential features into a model</a:t>
             </a:r>
             <a:r>
-              <a:rPr lang="en-US" smtClean="0"/>
+              <a:rPr lang="en-US"/>
               <a:t>.</a:t>
             </a:r>
           </a:p>
           <a:p>
             <a:r>
-              <a:rPr lang="en-US" smtClean="0"/>
+              <a:rPr lang="en-US"/>
               <a:t>Sequence can be problem statement </a:t>
             </a:r>
             <a:r>
-              <a:rPr lang="en-US" smtClean="0">
+              <a:rPr lang="en-US">
                 <a:sym typeface="Wingdings" pitchFamily="2" charset="2"/>
               </a:rPr>
               <a:t> build model (Domain)   build model(application).</a:t>
             </a:r>
-            <a:endParaRPr lang="en-US" smtClean="0"/>
-          </a:p>
-          <a:p>
-            <a:endParaRPr lang="en-US" smtClean="0"/>
-          </a:p>
-          <a:p>
-            <a:endParaRPr lang="en-US" smtClean="0"/>
+            <a:endParaRPr lang="en-US"/>
+          </a:p>
+          <a:p>
+            <a:endParaRPr lang="en-US"/>
+          </a:p>
+          <a:p>
+            <a:endParaRPr lang="en-US"/>
           </a:p>
         </p:txBody>
       </p:sp>
@@ -45022,7 +45331,7 @@
               </a:lnSpc>
             </a:pPr>
             <a:r>
-              <a:rPr lang="en-US" sz="3600" smtClean="0">
+              <a:rPr lang="en-US" sz="3600">
                 <a:sym typeface="Wingdings" pitchFamily="2" charset="2"/>
               </a:rPr>
               <a:t>Analysis model addresses the three aspects of objects.</a:t>
@@ -45035,7 +45344,7 @@
               </a:lnSpc>
             </a:pPr>
             <a:r>
-              <a:rPr lang="en-US" sz="3200" smtClean="0">
+              <a:rPr lang="en-US" sz="3200">
                 <a:sym typeface="Wingdings" pitchFamily="2" charset="2"/>
               </a:rPr>
               <a:t>Static structure of objects (Class Model)</a:t>
@@ -45048,7 +45357,7 @@
               </a:lnSpc>
             </a:pPr>
             <a:r>
-              <a:rPr lang="en-US" sz="3200" smtClean="0">
+              <a:rPr lang="en-US" sz="3200">
                 <a:sym typeface="Wingdings" pitchFamily="2" charset="2"/>
               </a:rPr>
               <a:t>Interaction among objects ( Interaction Model)</a:t>
@@ -45061,7 +45370,7 @@
               </a:lnSpc>
             </a:pPr>
             <a:r>
-              <a:rPr lang="en-US" sz="3200" smtClean="0">
+              <a:rPr lang="en-US" sz="3200">
                 <a:sym typeface="Wingdings" pitchFamily="2" charset="2"/>
               </a:rPr>
               <a:t>Life-cycle histories of objects (State Model)</a:t>
@@ -45073,7 +45382,7 @@
                 <a:spcPct val="90000"/>
               </a:lnSpc>
             </a:pPr>
-            <a:endParaRPr lang="en-US" smtClean="0">
+            <a:endParaRPr lang="en-US">
               <a:sym typeface="Wingdings" pitchFamily="2" charset="2"/>
             </a:endParaRPr>
           </a:p>
@@ -45167,19 +45476,19 @@
           <a:lstStyle/>
           <a:p>
             <a:r>
-              <a:rPr lang="en-US" smtClean="0"/>
+              <a:rPr lang="en-US"/>
               <a:t>First step in analyzing the requirements is to construct a domain model. </a:t>
             </a:r>
           </a:p>
           <a:p>
             <a:r>
-              <a:rPr lang="en-US" smtClean="0"/>
+              <a:rPr lang="en-US"/>
               <a:t>Static structure of the real world system is captured. </a:t>
             </a:r>
           </a:p>
           <a:p>
             <a:r>
-              <a:rPr lang="en-US" smtClean="0"/>
+              <a:rPr lang="en-US"/>
               <a:t>The domain model describes real-world classes and their relationships to each other. </a:t>
             </a:r>
           </a:p>
@@ -45302,33 +45611,33 @@
           <a:lstStyle/>
           <a:p>
             <a:r>
-              <a:rPr lang="en-US" smtClean="0"/>
+              <a:rPr lang="en-US"/>
               <a:t>Don’t consider humans as part of system, </a:t>
             </a:r>
           </a:p>
           <a:p>
             <a:r>
-              <a:rPr lang="en-US" smtClean="0"/>
+              <a:rPr lang="en-US"/>
               <a:t>Ex. From problem statement (Chap 11), mentioned “ design system for human cashiers and Automatic Teller machine (ATM)..”</a:t>
             </a:r>
           </a:p>
           <a:p>
             <a:r>
-              <a:rPr lang="en-US" smtClean="0"/>
+              <a:rPr lang="en-US"/>
               <a:t>So here there will two different system is going to be design.</a:t>
             </a:r>
           </a:p>
           <a:p>
             <a:pPr lvl="1"/>
             <a:r>
-              <a:rPr lang="en-US" smtClean="0"/>
+              <a:rPr lang="en-US"/>
               <a:t>Human Cashier (Will be used at Bank)</a:t>
             </a:r>
           </a:p>
           <a:p>
             <a:pPr lvl="1"/>
             <a:r>
-              <a:rPr lang="en-US" smtClean="0"/>
+              <a:rPr lang="en-US"/>
               <a:t>ATM ( At ATM location). </a:t>
             </a:r>
           </a:p>
@@ -45338,11 +45647,11 @@
               <a:buNone/>
             </a:pPr>
             <a:r>
-              <a:rPr lang="en-US" b="1" u="sng" smtClean="0"/>
+              <a:rPr lang="en-US" b="1" u="sng"/>
               <a:t>Note:</a:t>
             </a:r>
             <a:r>
-              <a:rPr lang="en-US" smtClean="0"/>
+              <a:rPr lang="en-US"/>
               <a:t> Will focus on ATM behavior only.</a:t>
             </a:r>
           </a:p>
@@ -45468,7 +45777,7 @@
               <a:defRPr/>
             </a:pPr>
             <a:r>
-              <a:rPr lang="en-US" dirty="0" smtClean="0"/>
+              <a:rPr lang="en-US" dirty="0"/>
               <a:t>Information for the domain model comes from the </a:t>
             </a:r>
           </a:p>
@@ -45477,7 +45786,7 @@
               <a:defRPr/>
             </a:pPr>
             <a:r>
-              <a:rPr lang="en-US" dirty="0" smtClean="0"/>
+              <a:rPr lang="en-US" dirty="0"/>
               <a:t>Problem statement, </a:t>
             </a:r>
           </a:p>
@@ -45486,7 +45795,7 @@
               <a:defRPr/>
             </a:pPr>
             <a:r>
-              <a:rPr lang="en-US" dirty="0" smtClean="0"/>
+              <a:rPr lang="en-US" dirty="0"/>
               <a:t>Artifacts from related systems, </a:t>
             </a:r>
           </a:p>
@@ -45495,7 +45804,7 @@
               <a:defRPr/>
             </a:pPr>
             <a:r>
-              <a:rPr lang="en-US" dirty="0" smtClean="0"/>
+              <a:rPr lang="en-US" dirty="0"/>
               <a:t>Expert knowledge of the application domain  and</a:t>
             </a:r>
           </a:p>
@@ -45504,7 +45813,7 @@
               <a:defRPr/>
             </a:pPr>
             <a:r>
-              <a:rPr lang="en-US" dirty="0" smtClean="0"/>
+              <a:rPr lang="en-US" dirty="0"/>
               <a:t>General knowledge of the real world.</a:t>
             </a:r>
           </a:p>
@@ -45515,7 +45824,7 @@
               <a:defRPr/>
             </a:pPr>
             <a:r>
-              <a:rPr lang="en-US" dirty="0" smtClean="0"/>
+              <a:rPr lang="en-US" dirty="0"/>
               <a:t>The steps to be performed to construct a domain class model: </a:t>
             </a:r>
           </a:p>
@@ -45526,7 +45835,7 @@
               <a:defRPr/>
             </a:pPr>
             <a:r>
-              <a:rPr lang="en-US" dirty="0" smtClean="0"/>
+              <a:rPr lang="en-US" dirty="0"/>
               <a:t>Find Classes. </a:t>
             </a:r>
           </a:p>
@@ -45537,7 +45846,7 @@
               <a:defRPr/>
             </a:pPr>
             <a:r>
-              <a:rPr lang="en-US" dirty="0" smtClean="0"/>
+              <a:rPr lang="en-US" dirty="0"/>
               <a:t>Prepare a data dictionary. </a:t>
             </a:r>
           </a:p>
@@ -45545,19 +45854,19 @@
             <a:pPr>
               <a:defRPr/>
             </a:pPr>
-            <a:endParaRPr lang="en-US" dirty="0" smtClean="0"/>
+            <a:endParaRPr lang="en-US" dirty="0"/>
           </a:p>
           <a:p>
             <a:pPr>
               <a:defRPr/>
             </a:pPr>
-            <a:endParaRPr lang="en-US" dirty="0" smtClean="0"/>
+            <a:endParaRPr lang="en-US" dirty="0"/>
           </a:p>
           <a:p>
             <a:pPr>
               <a:defRPr/>
             </a:pPr>
-            <a:endParaRPr lang="en-US" dirty="0" smtClean="0"/>
+            <a:endParaRPr lang="en-US" dirty="0"/>
           </a:p>
         </p:txBody>
       </p:sp>
@@ -45682,7 +45991,7 @@
               <a:buAutoNum type="arabicPeriod" startAt="3"/>
             </a:pPr>
             <a:r>
-              <a:rPr lang="en-US" smtClean="0"/>
+              <a:rPr lang="en-US"/>
               <a:t>Find associations. </a:t>
             </a:r>
           </a:p>
@@ -45692,7 +46001,7 @@
               <a:buAutoNum type="arabicPeriod" startAt="3"/>
             </a:pPr>
             <a:r>
-              <a:rPr lang="en-US" smtClean="0"/>
+              <a:rPr lang="en-US"/>
               <a:t>Find attributes of objects and links. </a:t>
             </a:r>
           </a:p>
@@ -45702,7 +46011,7 @@
               <a:buAutoNum type="arabicPeriod" startAt="3"/>
             </a:pPr>
             <a:r>
-              <a:rPr lang="en-US" smtClean="0"/>
+              <a:rPr lang="en-US"/>
               <a:t>Organize and simplify classes using inheritance. </a:t>
             </a:r>
           </a:p>
@@ -45712,7 +46021,7 @@
               <a:buAutoNum type="arabicPeriod" startAt="3"/>
             </a:pPr>
             <a:r>
-              <a:rPr lang="en-US" smtClean="0"/>
+              <a:rPr lang="en-US"/>
               <a:t>Verify that access paths exist for likely queries. </a:t>
             </a:r>
           </a:p>
@@ -45722,7 +46031,7 @@
               <a:buAutoNum type="arabicPeriod" startAt="3"/>
             </a:pPr>
             <a:r>
-              <a:rPr lang="en-US" smtClean="0"/>
+              <a:rPr lang="en-US"/>
               <a:t>Iterate and refine the model. </a:t>
             </a:r>
           </a:p>
@@ -45732,7 +46041,7 @@
               <a:buAutoNum type="arabicPeriod" startAt="3"/>
             </a:pPr>
             <a:r>
-              <a:rPr lang="en-US" smtClean="0"/>
+              <a:rPr lang="en-US"/>
               <a:t>Reconsider the level of abstraction. </a:t>
             </a:r>
           </a:p>
@@ -45742,7 +46051,7 @@
               <a:buAutoNum type="arabicPeriod" startAt="3"/>
             </a:pPr>
             <a:r>
-              <a:rPr lang="en-US" smtClean="0"/>
+              <a:rPr lang="en-US"/>
               <a:t>Group classes into packages</a:t>
             </a:r>
           </a:p>
@@ -45869,39 +46178,39 @@
               <a:buNone/>
             </a:pPr>
             <a:r>
-              <a:rPr lang="en-US" b="1" u="sng" smtClean="0"/>
+              <a:rPr lang="en-US" b="1" u="sng"/>
               <a:t>1. Finding Classes</a:t>
             </a:r>
           </a:p>
           <a:p>
             <a:r>
-              <a:rPr lang="en-US" smtClean="0"/>
+              <a:rPr lang="en-US"/>
               <a:t>First Step, find relevant classes for objects from application domain.</a:t>
             </a:r>
           </a:p>
           <a:p>
             <a:pPr lvl="1"/>
             <a:r>
-              <a:rPr lang="en-US" smtClean="0"/>
+              <a:rPr lang="en-US"/>
               <a:t>It includes houses, person, machines etc.</a:t>
             </a:r>
           </a:p>
           <a:p>
             <a:r>
-              <a:rPr lang="en-US" smtClean="0"/>
+              <a:rPr lang="en-US"/>
               <a:t>Classes often correspond to nouns.</a:t>
             </a:r>
           </a:p>
           <a:p>
             <a:r>
-              <a:rPr lang="en-US" smtClean="0"/>
+              <a:rPr lang="en-US"/>
               <a:t>Eg- ” a reservation system sell tickets to performances at various theater”-</a:t>
             </a:r>
           </a:p>
           <a:p>
             <a:pPr lvl="1"/>
             <a:r>
-              <a:rPr lang="en-US" smtClean="0"/>
+              <a:rPr lang="en-US"/>
               <a:t>Tentative classes would be Reservation, System, Tickets, Performance and  Theaters.</a:t>
             </a:r>
           </a:p>
@@ -46024,25 +46333,25 @@
           <a:lstStyle/>
           <a:p>
             <a:r>
-              <a:rPr lang="en-US" smtClean="0"/>
+              <a:rPr lang="en-US"/>
               <a:t>Idea is to capture concepts. not all nouns are concepts, and concepts are also expressed in other parts of speech. </a:t>
             </a:r>
           </a:p>
           <a:p>
-            <a:endParaRPr lang="en-US" smtClean="0"/>
-          </a:p>
-          <a:p>
-            <a:endParaRPr lang="en-US" smtClean="0"/>
-          </a:p>
-          <a:p>
-            <a:endParaRPr lang="en-US" smtClean="0"/>
-          </a:p>
-          <a:p>
-            <a:endParaRPr lang="en-US" smtClean="0"/>
-          </a:p>
-          <a:p>
-            <a:r>
-              <a:rPr lang="en-US" smtClean="0"/>
+            <a:endParaRPr lang="en-US"/>
+          </a:p>
+          <a:p>
+            <a:endParaRPr lang="en-US"/>
+          </a:p>
+          <a:p>
+            <a:endParaRPr lang="en-US"/>
+          </a:p>
+          <a:p>
+            <a:endParaRPr lang="en-US"/>
+          </a:p>
+          <a:p>
+            <a:r>
+              <a:rPr lang="en-US"/>
               <a:t>For the Case study of the ATM: The following are the classes extracted from problem statement nouns.</a:t>
             </a:r>
           </a:p>
@@ -46319,13 +46628,6 @@
   <p:clrMapOvr>
     <a:masterClrMapping/>
   </p:clrMapOvr>
-  <p:timing>
-    <p:tnLst>
-      <p:par>
-        <p:cTn id="1" dur="indefinite" restart="never" nodeType="tmRoot"/>
-      </p:par>
-    </p:tnLst>
-  </p:timing>
 </p:sld>
 </file>
 
@@ -46362,7 +46664,7 @@
           <a:lstStyle/>
           <a:p>
             <a:r>
-              <a:rPr lang="en-US" smtClean="0"/>
+              <a:rPr lang="en-US"/>
               <a:t>Additional classes that do not appear directly in the statement but can be  identified from our knowledge    of the problem domain</a:t>
             </a:r>
           </a:p>
@@ -46513,13 +46815,6 @@
   <p:clrMapOvr>
     <a:masterClrMapping/>
   </p:clrMapOvr>
-  <p:timing>
-    <p:tnLst>
-      <p:par>
-        <p:cTn id="1" dur="indefinite" restart="never" nodeType="tmRoot"/>
-      </p:par>
-    </p:tnLst>
-  </p:timing>
 </p:sld>
 </file>
 
@@ -46565,62 +46860,62 @@
               <a:buNone/>
             </a:pPr>
             <a:r>
-              <a:rPr lang="en-US" sz="3400" b="1" u="sng" smtClean="0"/>
+              <a:rPr lang="en-US" sz="3400" b="1" u="sng"/>
               <a:t>2.Keeping the Right classes</a:t>
             </a:r>
           </a:p>
           <a:p>
             <a:r>
-              <a:rPr lang="en-US" sz="3400" smtClean="0"/>
+              <a:rPr lang="en-US" sz="3400"/>
               <a:t>Discard unnecessary and incorrect classes according to the following criteria.</a:t>
             </a:r>
           </a:p>
           <a:p>
             <a:r>
-              <a:rPr lang="en-US" sz="3400" b="1" u="sng" smtClean="0"/>
+              <a:rPr lang="en-US" sz="3400" b="1" u="sng"/>
               <a:t>Redundant classes:</a:t>
             </a:r>
             <a:r>
-              <a:rPr lang="en-US" sz="3400" smtClean="0"/>
+              <a:rPr lang="en-US" sz="3400"/>
               <a:t> If two classes express the same concept, you should keep the most </a:t>
             </a:r>
             <a:r>
-              <a:rPr lang="en-US" sz="3400" i="1" smtClean="0"/>
+              <a:rPr lang="en-US" sz="3400" i="1"/>
               <a:t>descriptive name</a:t>
             </a:r>
             <a:r>
-              <a:rPr lang="en-US" sz="3400" smtClean="0"/>
+              <a:rPr lang="en-US" sz="3400"/>
               <a:t>. </a:t>
             </a:r>
           </a:p>
           <a:p>
             <a:pPr lvl="1"/>
             <a:r>
-              <a:rPr lang="en-US" sz="3400" smtClean="0"/>
+              <a:rPr lang="en-US" sz="3400"/>
               <a:t>ATM example. </a:t>
             </a:r>
             <a:r>
-              <a:rPr lang="en-US" sz="3400" b="1" i="1" smtClean="0"/>
+              <a:rPr lang="en-US" sz="3400" b="1" i="1"/>
               <a:t>Customer</a:t>
             </a:r>
             <a:r>
-              <a:rPr lang="en-US" sz="3400" smtClean="0"/>
+              <a:rPr lang="en-US" sz="3400"/>
               <a:t> and </a:t>
             </a:r>
             <a:r>
-              <a:rPr lang="en-US" sz="3400" b="1" i="1" smtClean="0"/>
+              <a:rPr lang="en-US" sz="3400" b="1" i="1"/>
               <a:t>user</a:t>
             </a:r>
             <a:r>
-              <a:rPr lang="en-US" sz="3400" smtClean="0"/>
+              <a:rPr lang="en-US" sz="3400"/>
               <a:t> are redundant; we retain </a:t>
             </a:r>
             <a:r>
-              <a:rPr lang="en-US" sz="3400" b="1" i="1" smtClean="0"/>
+              <a:rPr lang="en-US" sz="3400" b="1" i="1"/>
               <a:t>customer</a:t>
             </a:r>
             <a:r>
-              <a:rPr lang="en-US" sz="3400" smtClean="0"/>
+              <a:rPr lang="en-US" sz="3400"/>
               <a:t> because it is more descriptive.</a:t>
             </a:r>
           </a:p>
@@ -46743,53 +47038,53 @@
           <a:lstStyle/>
           <a:p>
             <a:r>
-              <a:rPr lang="en-US" b="1" u="sng" smtClean="0"/>
+              <a:rPr lang="en-US" b="1" u="sng"/>
               <a:t>Irrelevant classes:  </a:t>
             </a:r>
             <a:r>
-              <a:rPr lang="en-US" smtClean="0"/>
+              <a:rPr lang="en-US"/>
               <a:t>If class has little or nothing do with application, eliminate it.</a:t>
             </a:r>
           </a:p>
           <a:p>
             <a:pPr lvl="1"/>
             <a:r>
-              <a:rPr lang="en-US" smtClean="0"/>
+              <a:rPr lang="en-US"/>
               <a:t>ATM Ex. </a:t>
             </a:r>
             <a:r>
-              <a:rPr lang="en-US" i="1" u="sng" smtClean="0"/>
+              <a:rPr lang="en-US" i="1" u="sng"/>
               <a:t>cost</a:t>
             </a:r>
             <a:r>
-              <a:rPr lang="en-US" smtClean="0"/>
+              <a:rPr lang="en-US"/>
               <a:t> is outside the scope of the ATM software.</a:t>
             </a:r>
           </a:p>
           <a:p>
             <a:r>
-              <a:rPr lang="en-US" b="1" u="sng" smtClean="0"/>
+              <a:rPr lang="en-US" b="1" u="sng"/>
               <a:t>Vague classes</a:t>
             </a:r>
             <a:r>
-              <a:rPr lang="en-US" smtClean="0"/>
+              <a:rPr lang="en-US"/>
               <a:t>: class should be specific.</a:t>
             </a:r>
           </a:p>
           <a:p>
             <a:pPr lvl="1"/>
             <a:r>
-              <a:rPr lang="en-US" smtClean="0"/>
+              <a:rPr lang="en-US"/>
               <a:t>ATM Example, System, Security provision, Banking network etc are not specific thing.</a:t>
             </a:r>
           </a:p>
           <a:p>
             <a:r>
-              <a:rPr lang="en-US" b="1" u="sng" smtClean="0"/>
+              <a:rPr lang="en-US" b="1" u="sng"/>
               <a:t>Attributes:</a:t>
             </a:r>
             <a:r>
-              <a:rPr lang="en-US" smtClean="0"/>
+              <a:rPr lang="en-US"/>
               <a:t> Names that primarily describe individual objects should be restated as attributes.</a:t>
             </a:r>
           </a:p>
@@ -46912,29 +47207,29 @@
           <a:lstStyle/>
           <a:p>
             <a:r>
-              <a:rPr lang="en-US" smtClean="0"/>
+              <a:rPr lang="en-US"/>
               <a:t>ATM Example,  Account Data, Cash, Transaction data are purely indicating attributes not a class.</a:t>
             </a:r>
           </a:p>
           <a:p>
             <a:r>
-              <a:rPr lang="en-US" b="1" u="sng" smtClean="0"/>
+              <a:rPr lang="en-US" b="1" u="sng"/>
               <a:t>Operations:</a:t>
             </a:r>
             <a:r>
-              <a:rPr lang="en-US" smtClean="0"/>
+              <a:rPr lang="en-US"/>
               <a:t> If a name describes an operation that is applied to objects and not manipulated in its own right, then it is not a class. </a:t>
             </a:r>
           </a:p>
           <a:p>
             <a:pPr lvl="1"/>
             <a:r>
-              <a:rPr lang="en-US" smtClean="0"/>
+              <a:rPr lang="en-US"/>
               <a:t>Eg-if we are simply building telephones, then call is part of the state model and not a class</a:t>
             </a:r>
           </a:p>
           <a:p>
-            <a:endParaRPr lang="en-US" smtClean="0"/>
+            <a:endParaRPr lang="en-US"/>
           </a:p>
         </p:txBody>
       </p:sp>
@@ -47056,29 +47351,29 @@
           <a:p>
             <a:pPr lvl="1"/>
             <a:r>
-              <a:rPr lang="en-US" smtClean="0"/>
+              <a:rPr lang="en-US"/>
               <a:t>But Billings system for telephone calls a Call would be important class with attributes date, time, origin and destination.</a:t>
             </a:r>
           </a:p>
           <a:p>
             <a:r>
-              <a:rPr lang="en-US" b="1" u="sng" smtClean="0"/>
+              <a:rPr lang="en-US" b="1" u="sng"/>
               <a:t>Roles:</a:t>
             </a:r>
             <a:r>
-              <a:rPr lang="en-US" smtClean="0"/>
+              <a:rPr lang="en-US"/>
               <a:t> The name of a class should reflect its intrinsic nature and not a role that it plays in an association.</a:t>
             </a:r>
           </a:p>
           <a:p>
             <a:pPr lvl="1"/>
             <a:r>
-              <a:rPr lang="en-US" smtClean="0"/>
+              <a:rPr lang="en-US"/>
               <a:t>Ex.Owner of a car in a car manufacturing database, not correct as a class. It can be a person( owner, driver, lessee)</a:t>
             </a:r>
           </a:p>
           <a:p>
-            <a:endParaRPr lang="en-US" smtClean="0"/>
+            <a:endParaRPr lang="en-US"/>
           </a:p>
         </p:txBody>
       </p:sp>
@@ -47203,46 +47498,46 @@
               <a:buNone/>
             </a:pPr>
             <a:r>
-              <a:rPr lang="en-US" u="sng" smtClean="0"/>
+              <a:rPr lang="en-US" u="sng"/>
               <a:t>Finding Actors</a:t>
             </a:r>
           </a:p>
           <a:p>
             <a:r>
-              <a:rPr lang="en-US" smtClean="0"/>
+              <a:rPr lang="en-US"/>
               <a:t>Identify the external object that interact directly with the system called </a:t>
             </a:r>
             <a:r>
-              <a:rPr lang="en-US" i="1" u="sng" smtClean="0"/>
+              <a:rPr lang="en-US" i="1" u="sng"/>
               <a:t>Actors</a:t>
             </a:r>
           </a:p>
           <a:p>
             <a:r>
-              <a:rPr lang="en-US" smtClean="0"/>
+              <a:rPr lang="en-US"/>
               <a:t>Actors includes</a:t>
             </a:r>
           </a:p>
           <a:p>
             <a:pPr lvl="1"/>
             <a:r>
-              <a:rPr lang="en-US" smtClean="0"/>
+              <a:rPr lang="en-US"/>
               <a:t>Humans, external devices and other software systems.</a:t>
             </a:r>
           </a:p>
           <a:p>
             <a:r>
-              <a:rPr lang="en-US" smtClean="0"/>
+              <a:rPr lang="en-US"/>
               <a:t>In finding actors, we are not searching for individual but for </a:t>
             </a:r>
             <a:r>
-              <a:rPr lang="en-US" i="1" smtClean="0"/>
+              <a:rPr lang="en-US" i="1"/>
               <a:t>standard behavior.</a:t>
             </a:r>
           </a:p>
           <a:p>
             <a:r>
-              <a:rPr lang="en-US" smtClean="0"/>
+              <a:rPr lang="en-US"/>
               <a:t>Each actor should be idealized.</a:t>
             </a:r>
           </a:p>
@@ -47365,42 +47660,42 @@
           <a:lstStyle/>
           <a:p>
             <a:r>
-              <a:rPr lang="en-US" b="1" u="sng" smtClean="0"/>
+              <a:rPr lang="en-US" b="1" u="sng"/>
               <a:t>Implementation Constructs:</a:t>
             </a:r>
             <a:r>
-              <a:rPr lang="en-US" smtClean="0"/>
+              <a:rPr lang="en-US"/>
               <a:t> Eliminate constructs from the analysis model that are irrelevant to the real world. </a:t>
             </a:r>
           </a:p>
           <a:p>
             <a:pPr lvl="1"/>
             <a:r>
-              <a:rPr lang="en-US" smtClean="0"/>
+              <a:rPr lang="en-US"/>
               <a:t>We may need them during design and not now.</a:t>
             </a:r>
           </a:p>
           <a:p>
             <a:pPr lvl="1"/>
             <a:r>
-              <a:rPr lang="en-US" smtClean="0"/>
+              <a:rPr lang="en-US"/>
               <a:t>Ex. Transaction Log class.</a:t>
             </a:r>
           </a:p>
           <a:p>
             <a:r>
-              <a:rPr lang="en-US" b="1" u="sng" smtClean="0"/>
+              <a:rPr lang="en-US" b="1" u="sng"/>
               <a:t>Derived classes: </a:t>
             </a:r>
             <a:r>
-              <a:rPr lang="en-US" smtClean="0"/>
+              <a:rPr lang="en-US"/>
               <a:t>As a general rule, omit classes that can be derived from other classes.</a:t>
             </a:r>
           </a:p>
           <a:p>
             <a:pPr lvl="1"/>
             <a:r>
-              <a:rPr lang="en-US" smtClean="0"/>
+              <a:rPr lang="en-US"/>
               <a:t>Mark all derived classes with a preceding slash(‘/’)in the class name.</a:t>
             </a:r>
           </a:p>
@@ -47540,7 +47835,7 @@
           </a:bodyPr>
           <a:lstStyle/>
           <a:p>
-            <a:endParaRPr lang="en-US" smtClean="0"/>
+            <a:endParaRPr lang="en-US"/>
           </a:p>
         </p:txBody>
       </p:sp>
@@ -47603,13 +47898,6 @@
   <p:clrMapOvr>
     <a:masterClrMapping/>
   </p:clrMapOvr>
-  <p:timing>
-    <p:tnLst>
-      <p:par>
-        <p:cTn id="1" dur="indefinite" restart="never" nodeType="tmRoot"/>
-      </p:par>
-    </p:tnLst>
-  </p:timing>
 </p:sld>
 </file>
 
@@ -47655,25 +47943,25 @@
               <a:buNone/>
             </a:pPr>
             <a:r>
-              <a:rPr lang="en-US" sz="3600" b="1" u="sng" smtClean="0"/>
+              <a:rPr lang="en-US" sz="3600" b="1" u="sng"/>
               <a:t>3. Preparing a Data Dictionary</a:t>
             </a:r>
           </a:p>
           <a:p>
             <a:r>
-              <a:rPr lang="en-US" sz="3600" smtClean="0"/>
+              <a:rPr lang="en-US" sz="3600"/>
               <a:t>Prepare a data dictionary for all modeling elements.</a:t>
             </a:r>
           </a:p>
           <a:p>
             <a:r>
-              <a:rPr lang="en-US" sz="3600" smtClean="0"/>
+              <a:rPr lang="en-US" sz="3600"/>
               <a:t>Describe the scope of the class within the current problem, including all assumptions or restrictions on its use.</a:t>
             </a:r>
           </a:p>
           <a:p>
             <a:r>
-              <a:rPr lang="en-US" sz="3600" smtClean="0"/>
+              <a:rPr lang="en-US" sz="3600"/>
               <a:t>It also describes associations, attributes, operations and enumeration values.</a:t>
             </a:r>
           </a:p>
@@ -47760,13 +48048,6 @@
   <p:clrMapOvr>
     <a:masterClrMapping/>
   </p:clrMapOvr>
-  <p:timing>
-    <p:tnLst>
-      <p:par>
-        <p:cTn id="1" dur="indefinite" restart="never" nodeType="tmRoot"/>
-      </p:par>
-    </p:tnLst>
-  </p:timing>
 </p:sld>
 </file>
 
@@ -47817,7 +48098,7 @@
           <a:lstStyle/>
           <a:p>
             <a:r>
-              <a:rPr lang="en-US" smtClean="0"/>
+              <a:rPr lang="en-US"/>
               <a:t> </a:t>
             </a:r>
           </a:p>
@@ -47844,37 +48125,37 @@
           <a:lstStyle/>
           <a:p>
             <a:r>
-              <a:rPr lang="en-US" sz="3600" smtClean="0"/>
+              <a:rPr lang="en-US" sz="3600"/>
               <a:t>Account, </a:t>
             </a:r>
           </a:p>
           <a:p>
             <a:r>
-              <a:rPr lang="en-US" sz="3600" smtClean="0"/>
+              <a:rPr lang="en-US" sz="3600"/>
               <a:t>ATM, </a:t>
             </a:r>
           </a:p>
           <a:p>
             <a:r>
-              <a:rPr lang="en-US" sz="3600" smtClean="0"/>
+              <a:rPr lang="en-US" sz="3600"/>
               <a:t>Bank, </a:t>
             </a:r>
           </a:p>
           <a:p>
             <a:r>
-              <a:rPr lang="en-US" sz="3600" smtClean="0"/>
+              <a:rPr lang="en-US" sz="3600"/>
               <a:t>BankComputer, </a:t>
             </a:r>
           </a:p>
           <a:p>
             <a:r>
-              <a:rPr lang="en-US" sz="3600" smtClean="0"/>
+              <a:rPr lang="en-US" sz="3600"/>
               <a:t>CashCard, </a:t>
             </a:r>
           </a:p>
           <a:p>
             <a:r>
-              <a:rPr lang="en-US" sz="3600" smtClean="0"/>
+              <a:rPr lang="en-US" sz="3600"/>
               <a:t>Cashier, </a:t>
             </a:r>
           </a:p>
@@ -47901,36 +48182,36 @@
           <a:lstStyle/>
           <a:p>
             <a:r>
-              <a:rPr lang="en-US" sz="3600" smtClean="0"/>
+              <a:rPr lang="en-US" sz="3600"/>
               <a:t>CashierStation </a:t>
             </a:r>
           </a:p>
           <a:p>
             <a:r>
-              <a:rPr lang="en-US" sz="3600" smtClean="0"/>
+              <a:rPr lang="en-US" sz="3600"/>
               <a:t>CentralComputer, </a:t>
             </a:r>
           </a:p>
           <a:p>
             <a:r>
-              <a:rPr lang="en-US" sz="3600" smtClean="0"/>
+              <a:rPr lang="en-US" sz="3600"/>
               <a:t>Consortium, </a:t>
             </a:r>
           </a:p>
           <a:p>
             <a:r>
-              <a:rPr lang="en-US" sz="3600" smtClean="0"/>
+              <a:rPr lang="en-US" sz="3600"/>
               <a:t>Customer, </a:t>
             </a:r>
           </a:p>
           <a:p>
             <a:r>
-              <a:rPr lang="en-US" sz="3600" smtClean="0"/>
+              <a:rPr lang="en-US" sz="3600"/>
               <a:t>Transaction</a:t>
             </a:r>
           </a:p>
           <a:p>
-            <a:endParaRPr lang="en-US" smtClean="0"/>
+            <a:endParaRPr lang="en-US"/>
           </a:p>
         </p:txBody>
       </p:sp>
@@ -48054,13 +48335,6 @@
   <p:clrMapOvr>
     <a:masterClrMapping/>
   </p:clrMapOvr>
-  <p:timing>
-    <p:tnLst>
-      <p:par>
-        <p:cTn id="1" dur="indefinite" restart="never" nodeType="tmRoot"/>
-      </p:par>
-    </p:tnLst>
-  </p:timing>
 </p:sld>
 </file>
 
@@ -48101,46 +48375,46 @@
               <a:buNone/>
             </a:pPr>
             <a:r>
-              <a:rPr lang="en-US" b="1" u="sng" smtClean="0"/>
+              <a:rPr lang="en-US" b="1" u="sng"/>
               <a:t>4. Finding Associations</a:t>
             </a:r>
           </a:p>
           <a:p>
             <a:r>
-              <a:rPr lang="en-US" smtClean="0"/>
+              <a:rPr lang="en-US"/>
               <a:t>Find A structural relationship between two or more classes is an association. </a:t>
             </a:r>
           </a:p>
           <a:p>
             <a:r>
-              <a:rPr lang="en-US" smtClean="0"/>
+              <a:rPr lang="en-US"/>
               <a:t>A reference from one class to another is an association.</a:t>
             </a:r>
           </a:p>
           <a:p>
             <a:r>
-              <a:rPr lang="en-US" smtClean="0"/>
+              <a:rPr lang="en-US"/>
               <a:t>Associations often correspond to verbs or verb phrases.</a:t>
             </a:r>
           </a:p>
           <a:p>
             <a:pPr lvl="1"/>
             <a:r>
-              <a:rPr lang="en-US" smtClean="0"/>
+              <a:rPr lang="en-US"/>
               <a:t>Ex. Physical Location ( part of, NextTo)</a:t>
             </a:r>
           </a:p>
           <a:p>
             <a:pPr lvl="1"/>
             <a:r>
-              <a:rPr lang="en-US" smtClean="0"/>
+              <a:rPr lang="en-US"/>
               <a:t>Directed Actions (Drives)</a:t>
             </a:r>
           </a:p>
           <a:p>
             <a:pPr lvl="1"/>
             <a:r>
-              <a:rPr lang="en-US" smtClean="0"/>
+              <a:rPr lang="en-US"/>
               <a:t>Communication (Talks To)</a:t>
             </a:r>
           </a:p>
@@ -48227,13 +48501,6 @@
   <p:clrMapOvr>
     <a:masterClrMapping/>
   </p:clrMapOvr>
-  <p:timing>
-    <p:tnLst>
-      <p:par>
-        <p:cTn id="1" dur="indefinite" restart="never" nodeType="tmRoot"/>
-      </p:par>
-    </p:tnLst>
-  </p:timing>
 </p:sld>
 </file>
 
@@ -48271,23 +48538,23 @@
           <a:p>
             <a:pPr lvl="1"/>
             <a:r>
-              <a:rPr lang="en-US" smtClean="0"/>
+              <a:rPr lang="en-US"/>
               <a:t>Ownership ( Has, Part of)</a:t>
             </a:r>
           </a:p>
           <a:p>
             <a:pPr lvl="1"/>
             <a:r>
-              <a:rPr lang="en-US" smtClean="0"/>
+              <a:rPr lang="en-US"/>
               <a:t>Satisfaction of condition ( WorksFor, Manages).</a:t>
             </a:r>
           </a:p>
           <a:p>
-            <a:endParaRPr lang="en-US" smtClean="0"/>
-          </a:p>
-          <a:p>
-            <a:r>
-              <a:rPr lang="en-US" smtClean="0"/>
+            <a:endParaRPr lang="en-US"/>
+          </a:p>
+          <a:p>
+            <a:r>
+              <a:rPr lang="en-US"/>
               <a:t>Idea here is to capture relationships</a:t>
             </a:r>
           </a:p>
@@ -48698,7 +48965,7 @@
               <a:buNone/>
             </a:pPr>
             <a:r>
-              <a:rPr lang="en-US" b="1" u="sng" smtClean="0"/>
+              <a:rPr lang="en-US" b="1" u="sng"/>
               <a:t>5. Keeping the Right Associations</a:t>
             </a:r>
           </a:p>
@@ -48708,51 +48975,51 @@
               <a:buNone/>
             </a:pPr>
             <a:r>
-              <a:rPr lang="en-US" smtClean="0"/>
+              <a:rPr lang="en-US"/>
               <a:t>Discard unnecessary and incorrect associations, using the following criteria:</a:t>
             </a:r>
           </a:p>
           <a:p>
             <a:r>
-              <a:rPr lang="en-US" i="1" u="sng" smtClean="0"/>
+              <a:rPr lang="en-US" i="1" u="sng"/>
               <a:t>Associations between eliminated classes:</a:t>
             </a:r>
             <a:r>
-              <a:rPr lang="en-US" i="1" smtClean="0"/>
+              <a:rPr lang="en-US" i="1"/>
               <a:t> </a:t>
             </a:r>
             <a:r>
-              <a:rPr lang="en-US" smtClean="0"/>
+              <a:rPr lang="en-US"/>
               <a:t>If you have eliminated one of classes then either you </a:t>
             </a:r>
             <a:r>
-              <a:rPr lang="en-US" i="1" smtClean="0"/>
+              <a:rPr lang="en-US" i="1"/>
               <a:t>eliminate association </a:t>
             </a:r>
             <a:r>
-              <a:rPr lang="en-US" smtClean="0"/>
+              <a:rPr lang="en-US"/>
               <a:t>or </a:t>
             </a:r>
             <a:r>
-              <a:rPr lang="en-US" i="1" smtClean="0"/>
+              <a:rPr lang="en-US" i="1"/>
               <a:t>restate</a:t>
             </a:r>
             <a:r>
-              <a:rPr lang="en-US" smtClean="0"/>
+              <a:rPr lang="en-US"/>
               <a:t> it.</a:t>
             </a:r>
           </a:p>
           <a:p>
             <a:pPr lvl="1"/>
             <a:r>
-              <a:rPr lang="en-US" i="1" smtClean="0"/>
+              <a:rPr lang="en-US" i="1"/>
               <a:t>Ex.  Banking Network includes cashier stations and ATMs.</a:t>
             </a:r>
           </a:p>
           <a:p>
             <a:pPr lvl="1"/>
             <a:r>
-              <a:rPr lang="en-US" i="1" smtClean="0"/>
+              <a:rPr lang="en-US" i="1"/>
               <a:t>ATM  dispenses cash</a:t>
             </a:r>
           </a:p>
@@ -48881,68 +49148,68 @@
           <a:p>
             <a:pPr lvl="1"/>
             <a:r>
-              <a:rPr lang="en-US" i="1" smtClean="0"/>
+              <a:rPr lang="en-US" i="1"/>
               <a:t>ATM prints receipts</a:t>
             </a:r>
           </a:p>
           <a:p>
             <a:pPr lvl="1"/>
             <a:r>
-              <a:rPr lang="en-US" i="1" smtClean="0"/>
+              <a:rPr lang="en-US" i="1"/>
               <a:t>Bank provide software</a:t>
             </a:r>
           </a:p>
           <a:p>
             <a:pPr lvl="1"/>
             <a:r>
-              <a:rPr lang="en-US" i="1" smtClean="0"/>
+              <a:rPr lang="en-US" i="1"/>
               <a:t>Cost apportioned to banks</a:t>
             </a:r>
           </a:p>
           <a:p>
             <a:pPr lvl="1"/>
             <a:r>
-              <a:rPr lang="en-US" i="1" smtClean="0"/>
+              <a:rPr lang="en-US" i="1"/>
               <a:t>System provides record keeping and</a:t>
             </a:r>
           </a:p>
           <a:p>
             <a:pPr lvl="1"/>
             <a:r>
-              <a:rPr lang="en-US" i="1" smtClean="0"/>
+              <a:rPr lang="en-US" i="1"/>
               <a:t>System provides security.</a:t>
             </a:r>
           </a:p>
           <a:p>
             <a:r>
-              <a:rPr lang="en-US" i="1" u="sng" smtClean="0"/>
+              <a:rPr lang="en-US" i="1" u="sng"/>
               <a:t>Irrelevant or implementation associations</a:t>
             </a:r>
             <a:r>
-              <a:rPr lang="en-US" u="sng" smtClean="0"/>
+              <a:rPr lang="en-US" u="sng"/>
               <a:t>:</a:t>
             </a:r>
             <a:r>
-              <a:rPr lang="en-US" smtClean="0"/>
+              <a:rPr lang="en-US"/>
               <a:t> Eliminate any association that deals with </a:t>
             </a:r>
             <a:r>
-              <a:rPr lang="en-US" i="1" smtClean="0"/>
+              <a:rPr lang="en-US" i="1"/>
               <a:t>implementation</a:t>
             </a:r>
             <a:r>
-              <a:rPr lang="en-US" smtClean="0"/>
+              <a:rPr lang="en-US"/>
               <a:t> or </a:t>
             </a:r>
             <a:r>
-              <a:rPr lang="en-US" i="1" smtClean="0"/>
+              <a:rPr lang="en-US" i="1"/>
               <a:t>outer problem statement.</a:t>
             </a:r>
           </a:p>
           <a:p>
             <a:pPr lvl="1"/>
             <a:r>
-              <a:rPr lang="en-US" i="1" smtClean="0"/>
+              <a:rPr lang="en-US" i="1"/>
               <a:t>Ex. System handles concurrent access (Implementation) </a:t>
             </a:r>
           </a:p>
@@ -49065,14 +49332,14 @@
           <a:lstStyle/>
           <a:p>
             <a:r>
-              <a:rPr lang="en-US" smtClean="0"/>
+              <a:rPr lang="en-US"/>
               <a:t>It is possible for different kinds of external to play the same actor.</a:t>
             </a:r>
           </a:p>
           <a:p>
             <a:pPr lvl="1"/>
             <a:r>
-              <a:rPr lang="en-US" smtClean="0"/>
+              <a:rPr lang="en-US"/>
               <a:t>Ex. ATM application, the actors are Customer, Bank and Consortium.</a:t>
             </a:r>
           </a:p>
@@ -49195,30 +49462,30 @@
           <a:lstStyle/>
           <a:p>
             <a:r>
-              <a:rPr lang="en-US" i="1" u="sng" smtClean="0"/>
+              <a:rPr lang="en-US" i="1" u="sng"/>
               <a:t>Actions</a:t>
             </a:r>
             <a:r>
-              <a:rPr lang="en-US" b="1" i="1" smtClean="0"/>
+              <a:rPr lang="en-US" b="1" i="1"/>
               <a:t>: </a:t>
             </a:r>
             <a:r>
-              <a:rPr lang="en-US" smtClean="0"/>
+              <a:rPr lang="en-US"/>
               <a:t>An association should describe a structural property of the application  domain not a transient event.</a:t>
             </a:r>
           </a:p>
           <a:p>
             <a:pPr lvl="1"/>
             <a:r>
-              <a:rPr lang="en-US" sz="3200" smtClean="0"/>
+              <a:rPr lang="en-US" sz="3200"/>
               <a:t>Ex. </a:t>
             </a:r>
             <a:r>
-              <a:rPr lang="en-US" sz="3200" i="1" smtClean="0"/>
+              <a:rPr lang="en-US" sz="3200" i="1"/>
               <a:t>ATM accepts Cash card </a:t>
             </a:r>
             <a:r>
-              <a:rPr lang="en-US" sz="3200" smtClean="0"/>
+              <a:rPr lang="en-US" sz="3200"/>
               <a:t>(Interaction cycle)</a:t>
             </a:r>
           </a:p>
@@ -49228,26 +49495,26 @@
               <a:buNone/>
             </a:pPr>
             <a:r>
-              <a:rPr lang="en-US" sz="3200" smtClean="0"/>
+              <a:rPr lang="en-US" sz="3200"/>
               <a:t>It is not a permanent relationship between ATM and Cash.</a:t>
             </a:r>
           </a:p>
           <a:p>
             <a:pPr lvl="1"/>
             <a:r>
-              <a:rPr lang="en-US" sz="3200" smtClean="0"/>
+              <a:rPr lang="en-US" sz="3200"/>
               <a:t>Eliminate </a:t>
             </a:r>
             <a:r>
-              <a:rPr lang="en-US" sz="3200" i="1" smtClean="0"/>
+              <a:rPr lang="en-US" sz="3200" i="1"/>
               <a:t>ATM interact with user</a:t>
             </a:r>
             <a:r>
-              <a:rPr lang="en-US" sz="3200" smtClean="0"/>
+              <a:rPr lang="en-US" sz="3200"/>
               <a:t>. </a:t>
             </a:r>
             <a:r>
-              <a:rPr lang="en-US" sz="3200" i="1" smtClean="0"/>
+              <a:rPr lang="en-US" sz="3200" i="1"/>
               <a:t>Central computer clears transactions with bank .</a:t>
             </a:r>
           </a:p>
@@ -49370,47 +49637,47 @@
           <a:lstStyle/>
           <a:p>
             <a:r>
-              <a:rPr lang="en-US" i="1" u="sng" smtClean="0"/>
+              <a:rPr lang="en-US" i="1" u="sng"/>
               <a:t>Ternary associations</a:t>
             </a:r>
             <a:r>
-              <a:rPr lang="en-US" smtClean="0"/>
+              <a:rPr lang="en-US"/>
               <a:t>: You can decompose most association among three or more classes into binary associations.</a:t>
             </a:r>
           </a:p>
           <a:p>
             <a:r>
-              <a:rPr lang="en-US" smtClean="0"/>
+              <a:rPr lang="en-US"/>
               <a:t>Always decomposed without losing information.</a:t>
             </a:r>
           </a:p>
           <a:p>
             <a:r>
-              <a:rPr lang="en-US" smtClean="0"/>
+              <a:rPr lang="en-US"/>
               <a:t>Ex. </a:t>
             </a:r>
             <a:r>
-              <a:rPr lang="en-US" i="1" smtClean="0"/>
+              <a:rPr lang="en-US" i="1"/>
               <a:t>Bank computer processes transaction against account</a:t>
             </a:r>
             <a:r>
-              <a:rPr lang="en-US" smtClean="0"/>
+              <a:rPr lang="en-US"/>
               <a:t> can be convert into </a:t>
             </a:r>
             <a:r>
-              <a:rPr lang="en-US" i="1" smtClean="0"/>
+              <a:rPr lang="en-US" i="1"/>
               <a:t>Bank computer processes transaction</a:t>
             </a:r>
             <a:r>
-              <a:rPr lang="en-US" smtClean="0"/>
+              <a:rPr lang="en-US"/>
               <a:t> and </a:t>
             </a:r>
             <a:r>
-              <a:rPr lang="en-US" i="1" smtClean="0"/>
+              <a:rPr lang="en-US" i="1"/>
               <a:t>transaction concern accounts</a:t>
             </a:r>
             <a:r>
-              <a:rPr lang="en-US" smtClean="0"/>
+              <a:rPr lang="en-US"/>
               <a:t>.</a:t>
             </a:r>
           </a:p>
@@ -49533,37 +49800,37 @@
           <a:lstStyle/>
           <a:p>
             <a:r>
-              <a:rPr lang="en-US" i="1" u="sng" smtClean="0"/>
+              <a:rPr lang="en-US" i="1" u="sng"/>
               <a:t>Derived associations </a:t>
             </a:r>
             <a:r>
-              <a:rPr lang="en-US" smtClean="0"/>
+              <a:rPr lang="en-US"/>
               <a:t>: Omit association and attributes, they may be redundant.</a:t>
             </a:r>
           </a:p>
           <a:p>
             <a:pPr lvl="1"/>
             <a:r>
-              <a:rPr lang="en-US" smtClean="0"/>
+              <a:rPr lang="en-US"/>
               <a:t>Ex. GrandParentOf can be defined in terms of pair of ParentOf.</a:t>
             </a:r>
           </a:p>
           <a:p>
             <a:pPr lvl="1"/>
             <a:r>
-              <a:rPr lang="en-US" smtClean="0"/>
+              <a:rPr lang="en-US"/>
               <a:t>Ex. youngerThan expresses condition on the birthdate  of two person, not additional information.</a:t>
             </a:r>
           </a:p>
           <a:p>
             <a:r>
-              <a:rPr lang="en-US" smtClean="0"/>
+              <a:rPr lang="en-US"/>
               <a:t>Derived association don’t add information, they useful for understanding.</a:t>
             </a:r>
           </a:p>
           <a:p>
             <a:pPr lvl="1"/>
-            <a:endParaRPr lang="en-US" smtClean="0"/>
+            <a:endParaRPr lang="en-US"/>
           </a:p>
         </p:txBody>
       </p:sp>
@@ -49688,87 +49955,87 @@
               <a:buNone/>
             </a:pPr>
             <a:r>
-              <a:rPr lang="en-US" b="1" u="sng" smtClean="0"/>
+              <a:rPr lang="en-US" b="1" u="sng"/>
               <a:t>Semantics of Association</a:t>
             </a:r>
           </a:p>
           <a:p>
             <a:r>
-              <a:rPr lang="en-US" i="1" u="sng" smtClean="0"/>
+              <a:rPr lang="en-US" i="1" u="sng"/>
               <a:t>Misnamed Association</a:t>
             </a:r>
             <a:r>
-              <a:rPr lang="en-US" i="1" smtClean="0"/>
+              <a:rPr lang="en-US" i="1"/>
               <a:t>: </a:t>
             </a:r>
             <a:r>
-              <a:rPr lang="en-US" smtClean="0"/>
+              <a:rPr lang="en-US"/>
               <a:t>Name are important to understanding and should be chosen with care.</a:t>
             </a:r>
           </a:p>
           <a:p>
             <a:pPr lvl="1"/>
             <a:r>
-              <a:rPr lang="en-US" smtClean="0"/>
+              <a:rPr lang="en-US"/>
               <a:t>Ex. </a:t>
             </a:r>
             <a:r>
-              <a:rPr lang="en-US" i="1" smtClean="0"/>
+              <a:rPr lang="en-US" i="1"/>
               <a:t>Bank computer maintain accounts</a:t>
             </a:r>
             <a:r>
-              <a:rPr lang="en-US" smtClean="0"/>
+              <a:rPr lang="en-US"/>
               <a:t>. Rephrase as </a:t>
             </a:r>
             <a:r>
-              <a:rPr lang="en-US" i="1" smtClean="0"/>
+              <a:rPr lang="en-US" i="1"/>
               <a:t>Bank hold account</a:t>
             </a:r>
             <a:r>
-              <a:rPr lang="en-US" smtClean="0"/>
+              <a:rPr lang="en-US"/>
               <a:t>.</a:t>
             </a:r>
           </a:p>
           <a:p>
             <a:r>
-              <a:rPr lang="en-US" i="1" u="sng" smtClean="0"/>
+              <a:rPr lang="en-US" i="1" u="sng"/>
               <a:t>Association End name</a:t>
             </a:r>
             <a:r>
-              <a:rPr lang="en-US" smtClean="0"/>
+              <a:rPr lang="en-US"/>
               <a:t>: Add association end name where appropriate.</a:t>
             </a:r>
           </a:p>
           <a:p>
             <a:pPr lvl="1"/>
             <a:r>
-              <a:rPr lang="en-US" smtClean="0"/>
+              <a:rPr lang="en-US"/>
               <a:t>Ex. </a:t>
             </a:r>
             <a:r>
-              <a:rPr lang="en-US" i="1" smtClean="0"/>
+              <a:rPr lang="en-US" i="1"/>
               <a:t>Person manages person</a:t>
             </a:r>
             <a:r>
-              <a:rPr lang="en-US" smtClean="0"/>
+              <a:rPr lang="en-US"/>
               <a:t>. It would be appropriate to give end names </a:t>
             </a:r>
             <a:r>
-              <a:rPr lang="en-US" i="1" smtClean="0"/>
+              <a:rPr lang="en-US" i="1"/>
               <a:t>boss</a:t>
             </a:r>
             <a:r>
-              <a:rPr lang="en-US" smtClean="0"/>
+              <a:rPr lang="en-US"/>
               <a:t> and </a:t>
             </a:r>
             <a:r>
-              <a:rPr lang="en-US" i="1" smtClean="0"/>
+              <a:rPr lang="en-US" i="1"/>
               <a:t>worker</a:t>
             </a:r>
           </a:p>
           <a:p>
             <a:pPr lvl="1"/>
-            <a:endParaRPr lang="en-US" smtClean="0"/>
+            <a:endParaRPr lang="en-US"/>
           </a:p>
         </p:txBody>
       </p:sp>
@@ -49889,32 +50156,32 @@
           <a:lstStyle/>
           <a:p>
             <a:r>
-              <a:rPr lang="en-US" i="1" u="sng" smtClean="0"/>
+              <a:rPr lang="en-US" i="1" u="sng"/>
               <a:t>Qualified Associations</a:t>
             </a:r>
             <a:r>
-              <a:rPr lang="en-US" smtClean="0"/>
+              <a:rPr lang="en-US"/>
               <a:t>: Most names are not globally unique. So context combines with the name to uniquely identify the object.</a:t>
             </a:r>
           </a:p>
           <a:p>
             <a:pPr lvl="1"/>
             <a:r>
-              <a:rPr lang="en-US" smtClean="0"/>
+              <a:rPr lang="en-US"/>
               <a:t>Ex. Company name unique within one state but may be duplicated in other state.</a:t>
             </a:r>
           </a:p>
           <a:p>
             <a:pPr lvl="1"/>
             <a:r>
-              <a:rPr lang="en-US" smtClean="0"/>
+              <a:rPr lang="en-US"/>
               <a:t>So combining State + Company name will uniquely identify company.</a:t>
             </a:r>
           </a:p>
           <a:p>
             <a:pPr lvl="1"/>
             <a:r>
-              <a:rPr lang="en-US" smtClean="0"/>
+              <a:rPr lang="en-US"/>
               <a:t>Ex. bankCode differentiate bank in a consortium.</a:t>
             </a:r>
           </a:p>
@@ -50037,55 +50304,55 @@
           <a:lstStyle/>
           <a:p>
             <a:r>
-              <a:rPr lang="en-US" i="1" u="sng" smtClean="0"/>
+              <a:rPr lang="en-US" i="1" u="sng"/>
               <a:t>Multiplicity</a:t>
             </a:r>
             <a:r>
-              <a:rPr lang="en-US" i="1" smtClean="0"/>
+              <a:rPr lang="en-US" i="1"/>
               <a:t>: </a:t>
             </a:r>
             <a:r>
-              <a:rPr lang="en-US" smtClean="0"/>
+              <a:rPr lang="en-US"/>
               <a:t>Don’t put much effort as it is often changes during analysis.</a:t>
             </a:r>
           </a:p>
           <a:p>
             <a:r>
-              <a:rPr lang="en-US" i="1" u="sng" smtClean="0"/>
+              <a:rPr lang="en-US" i="1" u="sng"/>
               <a:t>Missing Association</a:t>
             </a:r>
             <a:r>
-              <a:rPr lang="en-US" i="1" smtClean="0"/>
+              <a:rPr lang="en-US" i="1"/>
               <a:t>:</a:t>
             </a:r>
             <a:r>
-              <a:rPr lang="en-US" smtClean="0"/>
+              <a:rPr lang="en-US"/>
               <a:t> Add any missing association that are found during analysis.</a:t>
             </a:r>
           </a:p>
           <a:p>
             <a:pPr lvl="1"/>
             <a:r>
-              <a:rPr lang="en-US" i="1" smtClean="0"/>
+              <a:rPr lang="en-US" i="1"/>
               <a:t>Transaction entered on cashier station, Customers have accounts and transaction authorized by cash cards</a:t>
             </a:r>
             <a:r>
-              <a:rPr lang="en-US" smtClean="0"/>
+              <a:rPr lang="en-US"/>
               <a:t>. </a:t>
             </a:r>
           </a:p>
           <a:p>
             <a:pPr lvl="1"/>
             <a:r>
-              <a:rPr lang="en-US" smtClean="0"/>
+              <a:rPr lang="en-US"/>
               <a:t>To perform above, we need to introduce relationship from Cashier to cashier station. So association </a:t>
             </a:r>
             <a:r>
-              <a:rPr lang="en-US" i="1" smtClean="0"/>
+              <a:rPr lang="en-US" i="1"/>
               <a:t>Cashier authorized on cashier station</a:t>
             </a:r>
             <a:r>
-              <a:rPr lang="en-US" smtClean="0"/>
+              <a:rPr lang="en-US"/>
               <a:t> needed</a:t>
             </a:r>
           </a:p>
@@ -50208,61 +50475,61 @@
           <a:lstStyle/>
           <a:p>
             <a:r>
-              <a:rPr lang="en-US" i="1" u="sng" smtClean="0"/>
+              <a:rPr lang="en-US" i="1" u="sng"/>
               <a:t>Aggregation</a:t>
             </a:r>
             <a:r>
-              <a:rPr lang="en-US" smtClean="0"/>
+              <a:rPr lang="en-US"/>
               <a:t>: it is specially for mechanical parts or bills of material.</a:t>
             </a:r>
           </a:p>
           <a:p>
             <a:pPr lvl="1"/>
             <a:r>
-              <a:rPr lang="en-US" smtClean="0"/>
+              <a:rPr lang="en-US"/>
               <a:t>Don’t spend much time trying to defer between association and aggregation.</a:t>
             </a:r>
           </a:p>
           <a:p>
             <a:pPr lvl="1"/>
             <a:r>
-              <a:rPr lang="en-US" smtClean="0"/>
+              <a:rPr lang="en-US"/>
               <a:t>Ex. </a:t>
             </a:r>
             <a:r>
-              <a:rPr lang="en-US" i="1" smtClean="0"/>
+              <a:rPr lang="en-US" i="1"/>
               <a:t>Bank</a:t>
             </a:r>
             <a:r>
-              <a:rPr lang="en-US" smtClean="0"/>
+              <a:rPr lang="en-US"/>
               <a:t> is part of </a:t>
             </a:r>
             <a:r>
-              <a:rPr lang="en-US" i="1" smtClean="0"/>
+              <a:rPr lang="en-US" i="1"/>
               <a:t>Consortium</a:t>
             </a:r>
             <a:r>
-              <a:rPr lang="en-US" smtClean="0"/>
+              <a:rPr lang="en-US"/>
               <a:t> and indicate the relationship with </a:t>
             </a:r>
             <a:r>
-              <a:rPr lang="en-US" i="1" smtClean="0"/>
+              <a:rPr lang="en-US" i="1"/>
               <a:t>aggregation</a:t>
             </a:r>
             <a:r>
-              <a:rPr lang="en-US" smtClean="0"/>
+              <a:rPr lang="en-US"/>
               <a:t>.</a:t>
             </a:r>
           </a:p>
           <a:p>
             <a:r>
-              <a:rPr lang="en-US" smtClean="0"/>
+              <a:rPr lang="en-US"/>
               <a:t>Now combining all things together, class diagram prepare.</a:t>
             </a:r>
           </a:p>
           <a:p>
             <a:pPr lvl="1"/>
-            <a:endParaRPr lang="en-US" smtClean="0"/>
+            <a:endParaRPr lang="en-US"/>
           </a:p>
         </p:txBody>
       </p:sp>
@@ -50505,7 +50772,7 @@
         </p:nvSpPr>
         <p:spPr>
           <a:xfrm>
-            <a:off x="281354" y="1447801"/>
+            <a:off x="140677" y="1116012"/>
             <a:ext cx="8862646" cy="4625975"/>
           </a:xfrm>
         </p:spPr>
@@ -50518,48 +50785,56 @@
               <a:buNone/>
             </a:pPr>
             <a:r>
-              <a:rPr lang="en-US" b="1" i="1" u="sng" smtClean="0"/>
+              <a:rPr lang="en-US" b="1" i="1" u="sng" dirty="0"/>
               <a:t>6. Finding Attributes: </a:t>
             </a:r>
           </a:p>
           <a:p>
             <a:r>
-              <a:rPr lang="en-IN" smtClean="0"/>
+              <a:rPr lang="en-IN" dirty="0"/>
               <a:t>Attributes are data properties of objects like colour, weight etc.</a:t>
             </a:r>
           </a:p>
           <a:p>
             <a:r>
-              <a:rPr lang="en-IN" smtClean="0"/>
-              <a:t>Attributes usually correspond to nouns followed by possessive phrases, such as “the color of the car”</a:t>
-            </a:r>
-            <a:endParaRPr lang="en-US" smtClean="0"/>
-          </a:p>
-          <a:p>
-            <a:r>
-              <a:rPr lang="en-US" smtClean="0"/>
+              <a:rPr lang="en-IN" dirty="0"/>
+              <a:t>Attributes usually correspond to nouns followed by possessive phrases, such as “the </a:t>
+            </a:r>
+            <a:r>
+              <a:rPr lang="en-IN" dirty="0" err="1"/>
+              <a:t>color</a:t>
+            </a:r>
+            <a:r>
+              <a:rPr lang="en-IN" dirty="0"/>
+              <a:t> of the car”</a:t>
+            </a:r>
+            <a:endParaRPr lang="en-US" dirty="0"/>
+          </a:p>
+          <a:p>
+            <a:r>
+              <a:rPr lang="en-US" dirty="0"/>
               <a:t>Attributes are less likely to be fully described in problem statement.</a:t>
             </a:r>
           </a:p>
           <a:p>
             <a:r>
-              <a:rPr lang="en-US" smtClean="0"/>
+              <a:rPr lang="en-US" dirty="0"/>
               <a:t>Only consider attributes </a:t>
             </a:r>
             <a:r>
-              <a:rPr lang="en-US" i="1" smtClean="0"/>
+              <a:rPr lang="en-US" i="1" dirty="0"/>
               <a:t>directly relevant to application</a:t>
             </a:r>
             <a:r>
-              <a:rPr lang="en-US" smtClean="0"/>
+              <a:rPr lang="en-US" dirty="0"/>
               <a:t>. Get important attributes then add details to it.</a:t>
             </a:r>
           </a:p>
           <a:p>
-            <a:endParaRPr lang="en-US" smtClean="0"/>
-          </a:p>
-          <a:p>
-            <a:endParaRPr lang="en-US" smtClean="0"/>
+            <a:endParaRPr lang="en-US" dirty="0"/>
+          </a:p>
+          <a:p>
+            <a:endParaRPr lang="en-US" dirty="0"/>
           </a:p>
         </p:txBody>
       </p:sp>
@@ -50680,32 +50955,32 @@
           <a:lstStyle/>
           <a:p>
             <a:r>
-              <a:rPr lang="en-US" smtClean="0"/>
+              <a:rPr lang="en-US"/>
               <a:t>Avoid derived attributes.</a:t>
             </a:r>
           </a:p>
           <a:p>
             <a:pPr lvl="1"/>
             <a:r>
-              <a:rPr lang="en-US" smtClean="0"/>
+              <a:rPr lang="en-US"/>
               <a:t>EX. Age is derived from birthdate and currentTime</a:t>
             </a:r>
           </a:p>
           <a:p>
             <a:r>
-              <a:rPr lang="en-US" smtClean="0"/>
+              <a:rPr lang="en-US"/>
               <a:t>Looks for attributes on associations.</a:t>
             </a:r>
           </a:p>
           <a:p>
             <a:pPr lvl="1"/>
             <a:r>
-              <a:rPr lang="en-US" smtClean="0"/>
+              <a:rPr lang="en-US"/>
               <a:t>Ex. Workfor association attribute can be salary, title etc.</a:t>
             </a:r>
           </a:p>
           <a:p>
-            <a:endParaRPr lang="en-US" smtClean="0"/>
+            <a:endParaRPr lang="en-US"/>
           </a:p>
         </p:txBody>
       </p:sp>
@@ -50830,29 +51105,29 @@
               <a:buNone/>
             </a:pPr>
             <a:r>
-              <a:rPr lang="en-US" u="sng" smtClean="0"/>
+              <a:rPr lang="en-US" u="sng"/>
               <a:t>Finding Use Cases</a:t>
             </a:r>
           </a:p>
           <a:p>
             <a:r>
-              <a:rPr lang="en-US" smtClean="0"/>
+              <a:rPr lang="en-US"/>
               <a:t>For each actor, list the functionality different ways in which the actor uses the system called </a:t>
             </a:r>
             <a:r>
-              <a:rPr lang="en-US" i="1" u="sng" smtClean="0"/>
+              <a:rPr lang="en-US" i="1" u="sng"/>
               <a:t>Use Cases.</a:t>
             </a:r>
           </a:p>
           <a:p>
             <a:r>
-              <a:rPr lang="en-US" smtClean="0"/>
+              <a:rPr lang="en-US"/>
               <a:t>Use cases partition the functionality of a system into a small number of discrete units.</a:t>
             </a:r>
           </a:p>
           <a:p>
             <a:r>
-              <a:rPr lang="en-US" smtClean="0"/>
+              <a:rPr lang="en-US"/>
               <a:t>Each use cases should represent a kind of service that system provides – something that provides value to the actor.</a:t>
             </a:r>
           </a:p>
@@ -50969,7 +51244,12 @@
             <p:ph idx="1"/>
           </p:nvPr>
         </p:nvSpPr>
-        <p:spPr/>
+        <p:spPr>
+          <a:xfrm>
+            <a:off x="457200" y="1116012"/>
+            <a:ext cx="8229600" cy="4625975"/>
+          </a:xfrm>
+        </p:spPr>
         <p:txBody>
           <a:bodyPr/>
           <a:lstStyle/>
@@ -50979,60 +51259,60 @@
               <a:buNone/>
             </a:pPr>
             <a:r>
-              <a:rPr lang="en-US" b="1" u="sng" smtClean="0"/>
+              <a:rPr lang="en-US" b="1" u="sng" dirty="0"/>
               <a:t>7. Keeping the Right Attributes</a:t>
             </a:r>
           </a:p>
           <a:p>
             <a:r>
-              <a:rPr lang="en-IN" smtClean="0"/>
+              <a:rPr lang="en-IN" dirty="0"/>
               <a:t>Eliminate unnecessary and incorrect attributed with the following criteria:</a:t>
             </a:r>
           </a:p>
           <a:p>
             <a:r>
-              <a:rPr lang="en-US" smtClean="0"/>
+              <a:rPr lang="en-US" dirty="0"/>
               <a:t>Objects: if element is important rather than just its value, then it is an object.</a:t>
             </a:r>
           </a:p>
           <a:p>
             <a:pPr lvl="1"/>
             <a:r>
-              <a:rPr lang="en-US" smtClean="0"/>
+              <a:rPr lang="en-US" dirty="0"/>
               <a:t>Ex. </a:t>
             </a:r>
             <a:r>
-              <a:rPr lang="en-US" i="1" u="sng" smtClean="0"/>
+              <a:rPr lang="en-US" i="1" u="sng" dirty="0"/>
               <a:t>Boss</a:t>
             </a:r>
             <a:r>
-              <a:rPr lang="en-US" smtClean="0"/>
+              <a:rPr lang="en-US" dirty="0"/>
               <a:t> refers to a class and </a:t>
             </a:r>
             <a:r>
-              <a:rPr lang="en-US" i="1" u="sng" smtClean="0"/>
+              <a:rPr lang="en-US" i="1" u="sng" dirty="0"/>
               <a:t>Salary</a:t>
             </a:r>
             <a:r>
-              <a:rPr lang="en-US" smtClean="0"/>
+              <a:rPr lang="en-US" dirty="0"/>
               <a:t> is an attributes.</a:t>
             </a:r>
           </a:p>
           <a:p>
             <a:r>
-              <a:rPr lang="en-US" smtClean="0"/>
+              <a:rPr lang="en-US" dirty="0"/>
               <a:t>Name: Name often refer as Qualifier rather than attributes.</a:t>
             </a:r>
           </a:p>
           <a:p>
             <a:r>
-              <a:rPr lang="en-US" smtClean="0"/>
+              <a:rPr lang="en-US" dirty="0"/>
               <a:t>Name is an attribute when its use does not depend on context, </a:t>
             </a:r>
           </a:p>
           <a:p>
             <a:pPr lvl="1"/>
-            <a:endParaRPr lang="en-US" smtClean="0"/>
+            <a:endParaRPr lang="en-US" dirty="0"/>
           </a:p>
         </p:txBody>
       </p:sp>
@@ -51154,49 +51434,49 @@
           <a:p>
             <a:pPr lvl="1"/>
             <a:r>
-              <a:rPr lang="en-US" smtClean="0"/>
+              <a:rPr lang="en-US"/>
               <a:t>Ex. Names of person are not unique therefore its attributes.</a:t>
             </a:r>
           </a:p>
           <a:p>
             <a:r>
-              <a:rPr lang="en-US" smtClean="0"/>
+              <a:rPr lang="en-US"/>
               <a:t>Identifiers: it mean referencing objects used for some work.</a:t>
             </a:r>
           </a:p>
           <a:p>
             <a:pPr lvl="1"/>
             <a:r>
-              <a:rPr lang="en-US" smtClean="0"/>
+              <a:rPr lang="en-US"/>
               <a:t>Ex. ATM transaction always generate </a:t>
             </a:r>
             <a:r>
-              <a:rPr lang="en-US" i="1" smtClean="0"/>
+              <a:rPr lang="en-US" i="1"/>
               <a:t>Transaction ID </a:t>
             </a:r>
             <a:r>
-              <a:rPr lang="en-US" smtClean="0"/>
+              <a:rPr lang="en-US"/>
               <a:t>for each operation. So you can count </a:t>
             </a:r>
             <a:r>
-              <a:rPr lang="en-US" i="1" smtClean="0"/>
+              <a:rPr lang="en-US" i="1"/>
               <a:t>Transaction ID </a:t>
             </a:r>
             <a:r>
-              <a:rPr lang="en-US" smtClean="0"/>
+              <a:rPr lang="en-US"/>
               <a:t>as attributes.</a:t>
             </a:r>
           </a:p>
           <a:p>
             <a:r>
-              <a:rPr lang="en-US" smtClean="0"/>
+              <a:rPr lang="en-US"/>
               <a:t>Attributes on Association:</a:t>
             </a:r>
           </a:p>
           <a:p>
             <a:pPr lvl="1"/>
             <a:r>
-              <a:rPr lang="en-US" smtClean="0"/>
+              <a:rPr lang="en-US"/>
               <a:t>If value require the presence of link then attributes of the association should derived. </a:t>
             </a:r>
           </a:p>
@@ -51320,34 +51600,34 @@
           <a:p>
             <a:pPr lvl="1"/>
             <a:r>
-              <a:rPr lang="en-US" smtClean="0"/>
+              <a:rPr lang="en-US"/>
               <a:t>Ex. Workfor association attribute can be salary, title etc</a:t>
             </a:r>
           </a:p>
           <a:p>
             <a:r>
-              <a:rPr lang="en-US" smtClean="0"/>
+              <a:rPr lang="en-US"/>
               <a:t>Internal Values: if an attributes describes internal state of an object then eliminate it.</a:t>
             </a:r>
           </a:p>
           <a:p>
             <a:r>
-              <a:rPr lang="en-US" smtClean="0"/>
+              <a:rPr lang="en-US"/>
               <a:t>Fine Detail: Omit minor attributes that are unlikely to affect most operation.</a:t>
             </a:r>
           </a:p>
           <a:p>
             <a:r>
-              <a:rPr lang="en-US" u="sng" smtClean="0"/>
+              <a:rPr lang="en-US" u="sng"/>
               <a:t>Discordant attributes</a:t>
             </a:r>
             <a:r>
-              <a:rPr lang="en-US" smtClean="0"/>
+              <a:rPr lang="en-US"/>
               <a:t> :-  an attribute that seems completely different from and unrelated to all other attributes then remove it.</a:t>
             </a:r>
           </a:p>
           <a:p>
-            <a:endParaRPr lang="en-US" smtClean="0"/>
+            <a:endParaRPr lang="en-US"/>
           </a:p>
         </p:txBody>
       </p:sp>
@@ -51468,12 +51748,12 @@
           <a:lstStyle/>
           <a:p>
             <a:r>
-              <a:rPr lang="en-US" smtClean="0"/>
+              <a:rPr lang="en-US"/>
               <a:t>Boolean Attributes:  Convert Boolean attributes into enumeration.</a:t>
             </a:r>
           </a:p>
           <a:p>
-            <a:endParaRPr lang="en-US" smtClean="0"/>
+            <a:endParaRPr lang="en-US"/>
           </a:p>
         </p:txBody>
       </p:sp>
@@ -51724,47 +52004,47 @@
               <a:buNone/>
             </a:pPr>
             <a:r>
-              <a:rPr lang="en-US" b="1" u="sng" smtClean="0"/>
+              <a:rPr lang="en-US" b="1" u="sng"/>
               <a:t>8. Refining with Inheritance</a:t>
             </a:r>
           </a:p>
           <a:p>
             <a:r>
-              <a:rPr lang="en-US" smtClean="0"/>
+              <a:rPr lang="en-US"/>
               <a:t>Next step, to share common structure.</a:t>
             </a:r>
           </a:p>
           <a:p>
             <a:r>
-              <a:rPr lang="en-US" smtClean="0"/>
+              <a:rPr lang="en-US"/>
               <a:t>Apply in two directions:</a:t>
             </a:r>
           </a:p>
           <a:p>
             <a:pPr lvl="1"/>
             <a:r>
-              <a:rPr lang="en-US" sz="3200" smtClean="0"/>
+              <a:rPr lang="en-US" sz="3200"/>
               <a:t>Bottom Up</a:t>
             </a:r>
           </a:p>
           <a:p>
             <a:pPr lvl="2"/>
             <a:r>
-              <a:rPr lang="en-US" sz="2800" smtClean="0"/>
+              <a:rPr lang="en-US" sz="2800"/>
               <a:t>By Generalizing common aspects of existing classes into a superclass.</a:t>
             </a:r>
           </a:p>
           <a:p>
             <a:pPr lvl="1"/>
             <a:r>
-              <a:rPr lang="en-US" sz="3200" smtClean="0"/>
+              <a:rPr lang="en-US" sz="3200"/>
               <a:t>Top Down</a:t>
             </a:r>
           </a:p>
           <a:p>
             <a:pPr lvl="2"/>
             <a:r>
-              <a:rPr lang="en-US" sz="2800" smtClean="0"/>
+              <a:rPr lang="en-US" sz="2800"/>
               <a:t>By Specializing existing classes into multiple classes</a:t>
             </a:r>
           </a:p>
@@ -51887,55 +52167,55 @@
           <a:lstStyle/>
           <a:p>
             <a:r>
-              <a:rPr lang="en-US" b="1" u="sng" smtClean="0"/>
+              <a:rPr lang="en-US" b="1" u="sng"/>
               <a:t>Bottom Up Generalization:</a:t>
             </a:r>
           </a:p>
           <a:p>
             <a:pPr lvl="1"/>
             <a:r>
-              <a:rPr lang="en-US" smtClean="0"/>
+              <a:rPr lang="en-US"/>
               <a:t>Searching for classes(from bottom up) with similar attributes, associations and operation.</a:t>
             </a:r>
           </a:p>
           <a:p>
             <a:pPr lvl="1"/>
             <a:r>
-              <a:rPr lang="en-US" smtClean="0"/>
+              <a:rPr lang="en-US"/>
               <a:t>For each generalization, define a superclass to share common features.</a:t>
             </a:r>
           </a:p>
           <a:p>
             <a:pPr lvl="1"/>
             <a:r>
-              <a:rPr lang="en-US" smtClean="0"/>
+              <a:rPr lang="en-US"/>
               <a:t>May have to slightly redefine some attributes or classes to fit in. But don’t push too hard it create wrong generalization.</a:t>
             </a:r>
           </a:p>
           <a:p>
             <a:pPr lvl="1"/>
             <a:r>
-              <a:rPr lang="en-US" smtClean="0"/>
+              <a:rPr lang="en-US"/>
               <a:t>Ex. </a:t>
             </a:r>
             <a:r>
-              <a:rPr lang="en-US" i="1" smtClean="0"/>
+              <a:rPr lang="en-US" i="1"/>
               <a:t>RemoteTransactiona</a:t>
             </a:r>
             <a:r>
-              <a:rPr lang="en-US" smtClean="0"/>
+              <a:rPr lang="en-US"/>
               <a:t> and </a:t>
             </a:r>
             <a:r>
-              <a:rPr lang="en-US" i="1" smtClean="0"/>
+              <a:rPr lang="en-US" i="1"/>
               <a:t>CashierTransaction</a:t>
             </a:r>
             <a:r>
-              <a:rPr lang="en-US" smtClean="0"/>
+              <a:rPr lang="en-US"/>
               <a:t> are similar and can be generalized by </a:t>
             </a:r>
             <a:r>
-              <a:rPr lang="en-US" i="1" smtClean="0"/>
+              <a:rPr lang="en-US" i="1"/>
               <a:t>Transaction.</a:t>
             </a:r>
           </a:p>
@@ -52058,35 +52338,35 @@
           <a:lstStyle/>
           <a:p>
             <a:r>
-              <a:rPr lang="en-US" smtClean="0"/>
+              <a:rPr lang="en-US"/>
               <a:t>Top-Down Specialization:</a:t>
             </a:r>
           </a:p>
           <a:p>
             <a:pPr lvl="1"/>
             <a:r>
-              <a:rPr lang="en-US" sz="3600" smtClean="0"/>
+              <a:rPr lang="en-US" sz="3600"/>
               <a:t>It main derived from application domain itself.</a:t>
             </a:r>
           </a:p>
           <a:p>
             <a:pPr lvl="1"/>
             <a:r>
-              <a:rPr lang="en-US" sz="3600" smtClean="0"/>
+              <a:rPr lang="en-US" sz="3600"/>
               <a:t>Look for noun phrases composed of adjectives:</a:t>
             </a:r>
           </a:p>
           <a:p>
             <a:pPr lvl="2"/>
             <a:r>
-              <a:rPr lang="en-US" sz="3200" smtClean="0"/>
+              <a:rPr lang="en-US" sz="3200"/>
               <a:t>Fixed menu, sliding menu and text menu.</a:t>
             </a:r>
           </a:p>
           <a:p>
             <a:pPr lvl="1"/>
             <a:r>
-              <a:rPr lang="en-US" sz="3600" smtClean="0"/>
+              <a:rPr lang="en-US" sz="3600"/>
               <a:t>Avoid excessive refinement.</a:t>
             </a:r>
           </a:p>
@@ -52210,73 +52490,73 @@
           <a:p>
             <a:pPr algn="just"/>
             <a:r>
-              <a:rPr lang="en-US" u="sng" smtClean="0"/>
+              <a:rPr lang="en-US" u="sng"/>
               <a:t>Generalization Vs. enumeration</a:t>
             </a:r>
             <a:r>
-              <a:rPr lang="en-US" smtClean="0"/>
+              <a:rPr lang="en-US"/>
               <a:t> :-  </a:t>
             </a:r>
           </a:p>
           <a:p>
             <a:pPr lvl="1" algn="just"/>
             <a:r>
-              <a:rPr lang="en-US" smtClean="0"/>
+              <a:rPr lang="en-US"/>
               <a:t>Generalization is all about common structure</a:t>
             </a:r>
           </a:p>
           <a:p>
             <a:pPr lvl="1" algn="just"/>
             <a:r>
-              <a:rPr lang="en-US" smtClean="0"/>
+              <a:rPr lang="en-US"/>
               <a:t>Enumeration is all about list of values.</a:t>
             </a:r>
           </a:p>
           <a:p>
             <a:pPr lvl="1" algn="just"/>
             <a:r>
-              <a:rPr lang="en-US" smtClean="0"/>
+              <a:rPr lang="en-US"/>
               <a:t>Ex. </a:t>
             </a:r>
             <a:r>
-              <a:rPr lang="en-US" i="1" smtClean="0"/>
+              <a:rPr lang="en-US" i="1"/>
               <a:t>CurrentAccount</a:t>
             </a:r>
             <a:r>
-              <a:rPr lang="en-US" smtClean="0"/>
+              <a:rPr lang="en-US"/>
               <a:t> and </a:t>
             </a:r>
             <a:r>
-              <a:rPr lang="en-US" i="1" smtClean="0"/>
+              <a:rPr lang="en-US" i="1"/>
               <a:t>SavingAccount</a:t>
             </a:r>
             <a:r>
-              <a:rPr lang="en-US" smtClean="0"/>
+              <a:rPr lang="en-US"/>
               <a:t> share common structure but it does not affect  behavior within the ATM application. So </a:t>
             </a:r>
             <a:r>
-              <a:rPr lang="en-US" i="1" u="sng" smtClean="0"/>
+              <a:rPr lang="en-US" i="1" u="sng"/>
               <a:t>Type</a:t>
             </a:r>
             <a:r>
-              <a:rPr lang="en-US" smtClean="0"/>
+              <a:rPr lang="en-US"/>
               <a:t> can  introduces as attributes of account and enumerate it.</a:t>
             </a:r>
           </a:p>
           <a:p>
             <a:pPr algn="just"/>
             <a:r>
-              <a:rPr lang="en-US" u="sng" smtClean="0"/>
+              <a:rPr lang="en-US" u="sng"/>
               <a:t>Multiple Inheritance:  </a:t>
             </a:r>
             <a:r>
-              <a:rPr lang="en-US" smtClean="0"/>
+              <a:rPr lang="en-US"/>
               <a:t>if require then apply because it increasing both conceptual and implementation complexity</a:t>
             </a:r>
           </a:p>
           <a:p>
             <a:pPr lvl="1" algn="just"/>
-            <a:endParaRPr lang="en-US" smtClean="0"/>
+            <a:endParaRPr lang="en-US"/>
           </a:p>
         </p:txBody>
       </p:sp>
@@ -52361,13 +52641,6 @@
   <p:clrMapOvr>
     <a:masterClrMapping/>
   </p:clrMapOvr>
-  <p:timing>
-    <p:tnLst>
-      <p:par>
-        <p:cTn id="1" dur="indefinite" restart="never" nodeType="tmRoot"/>
-      </p:par>
-    </p:tnLst>
-  </p:timing>
 </p:sld>
 </file>
 
@@ -52404,46 +52677,46 @@
           <a:lstStyle/>
           <a:p>
             <a:r>
-              <a:rPr lang="en-US" sz="2800" b="1" u="sng" smtClean="0"/>
+              <a:rPr lang="en-US" sz="2800" b="1" u="sng"/>
               <a:t>Similar association: </a:t>
             </a:r>
           </a:p>
           <a:p>
             <a:pPr lvl="1"/>
             <a:r>
-              <a:rPr lang="en-US" smtClean="0"/>
+              <a:rPr lang="en-US"/>
               <a:t>when the same association name appears more than once with the same meaning, try to generalize the associated class.</a:t>
             </a:r>
           </a:p>
           <a:p>
             <a:pPr lvl="1"/>
             <a:r>
-              <a:rPr lang="en-US" smtClean="0"/>
+              <a:rPr lang="en-US"/>
               <a:t>Ex. EntryStation generalizes CashierStation and ATM.</a:t>
             </a:r>
           </a:p>
           <a:p>
             <a:r>
-              <a:rPr lang="en-US" sz="2800" u="sng" smtClean="0"/>
+              <a:rPr lang="en-US" sz="2800" u="sng"/>
               <a:t>Adjusting inheritance Level</a:t>
             </a:r>
           </a:p>
           <a:p>
             <a:pPr lvl="1"/>
             <a:r>
-              <a:rPr lang="en-US" smtClean="0"/>
+              <a:rPr lang="en-US"/>
               <a:t>Assign attributes and association to specific classes in the class hierarchy.</a:t>
             </a:r>
           </a:p>
           <a:p>
             <a:pPr lvl="1"/>
             <a:r>
-              <a:rPr lang="en-US" smtClean="0"/>
+              <a:rPr lang="en-US"/>
               <a:t>You may need some adjustment to get everything right.</a:t>
             </a:r>
           </a:p>
           <a:p>
-            <a:endParaRPr lang="en-US" smtClean="0"/>
+            <a:endParaRPr lang="en-US"/>
           </a:p>
         </p:txBody>
       </p:sp>
@@ -52528,13 +52801,6 @@
   <p:clrMapOvr>
     <a:masterClrMapping/>
   </p:clrMapOvr>
-  <p:timing>
-    <p:tnLst>
-      <p:par>
-        <p:cTn id="1" dur="indefinite" restart="never" nodeType="tmRoot"/>
-      </p:par>
-    </p:tnLst>
-  </p:timing>
 </p:sld>
 </file>
 
